--- a/presentations/ITV Introduction to Rust.pptx
+++ b/presentations/ITV Introduction to Rust.pptx
@@ -3,28 +3,31 @@
 <p:presentation xmlns:a="http://schemas.openxmlformats.org/drawingml/2006/main" xmlns:p="http://schemas.openxmlformats.org/presentationml/2006/main" xmlns:r="http://schemas.openxmlformats.org/officeDocument/2006/relationships">
   <p:sldMasterIdLst>
     <p:sldMasterId id="2147483648" r:id="rId2"/>
+    <p:sldMasterId id="2147483661" r:id="rId3"/>
   </p:sldMasterIdLst>
   <p:sldIdLst>
-    <p:sldId id="256" r:id="rId3"/>
-    <p:sldId id="257" r:id="rId4"/>
-    <p:sldId id="258" r:id="rId5"/>
-    <p:sldId id="259" r:id="rId6"/>
-    <p:sldId id="260" r:id="rId7"/>
-    <p:sldId id="261" r:id="rId8"/>
-    <p:sldId id="262" r:id="rId9"/>
-    <p:sldId id="263" r:id="rId10"/>
-    <p:sldId id="264" r:id="rId11"/>
-    <p:sldId id="265" r:id="rId12"/>
-    <p:sldId id="266" r:id="rId13"/>
-    <p:sldId id="267" r:id="rId14"/>
-    <p:sldId id="268" r:id="rId15"/>
-    <p:sldId id="269" r:id="rId16"/>
-    <p:sldId id="270" r:id="rId17"/>
-    <p:sldId id="271" r:id="rId18"/>
-    <p:sldId id="272" r:id="rId19"/>
-    <p:sldId id="273" r:id="rId20"/>
-    <p:sldId id="274" r:id="rId21"/>
-    <p:sldId id="275" r:id="rId22"/>
+    <p:sldId id="256" r:id="rId4"/>
+    <p:sldId id="257" r:id="rId5"/>
+    <p:sldId id="258" r:id="rId6"/>
+    <p:sldId id="259" r:id="rId7"/>
+    <p:sldId id="260" r:id="rId8"/>
+    <p:sldId id="261" r:id="rId9"/>
+    <p:sldId id="262" r:id="rId10"/>
+    <p:sldId id="263" r:id="rId11"/>
+    <p:sldId id="264" r:id="rId12"/>
+    <p:sldId id="265" r:id="rId13"/>
+    <p:sldId id="266" r:id="rId14"/>
+    <p:sldId id="267" r:id="rId15"/>
+    <p:sldId id="268" r:id="rId16"/>
+    <p:sldId id="269" r:id="rId17"/>
+    <p:sldId id="270" r:id="rId18"/>
+    <p:sldId id="271" r:id="rId19"/>
+    <p:sldId id="272" r:id="rId20"/>
+    <p:sldId id="273" r:id="rId21"/>
+    <p:sldId id="274" r:id="rId22"/>
+    <p:sldId id="275" r:id="rId23"/>
+    <p:sldId id="276" r:id="rId24"/>
+    <p:sldId id="277" r:id="rId25"/>
   </p:sldIdLst>
   <p:sldSz cx="10080625" cy="7559675"/>
   <p:notesSz cx="7772400" cy="10058400"/>
@@ -72,7 +75,7 @@
       </p:grpSpPr>
       <p:sp>
         <p:nvSpPr>
-          <p:cNvPr id="26" name="PlaceHolder 1"/>
+          <p:cNvPr id="24" name="PlaceHolder 1"/>
           <p:cNvSpPr>
             <a:spLocks noGrp="1"/>
           </p:cNvSpPr>
@@ -83,7 +86,7 @@
         <p:spPr>
           <a:xfrm>
             <a:off x="504000" y="301320"/>
-            <a:ext cx="9071640" cy="1262160"/>
+            <a:ext cx="9071280" cy="1261800"/>
           </a:xfrm>
           <a:prstGeom prst="rect">
             <a:avLst/>
@@ -109,7 +112,7 @@
       </p:sp>
       <p:sp>
         <p:nvSpPr>
-          <p:cNvPr id="27" name="PlaceHolder 2"/>
+          <p:cNvPr id="25" name="PlaceHolder 2"/>
           <p:cNvSpPr>
             <a:spLocks noGrp="1"/>
           </p:cNvSpPr>
@@ -120,7 +123,7 @@
         <p:spPr>
           <a:xfrm>
             <a:off x="504000" y="1769040"/>
-            <a:ext cx="9071640" cy="2091240"/>
+            <a:ext cx="9071280" cy="2090880"/>
           </a:xfrm>
           <a:prstGeom prst="rect">
             <a:avLst/>
@@ -145,7 +148,7 @@
       </p:sp>
       <p:sp>
         <p:nvSpPr>
-          <p:cNvPr id="28" name="PlaceHolder 3"/>
+          <p:cNvPr id="26" name="PlaceHolder 3"/>
           <p:cNvSpPr>
             <a:spLocks noGrp="1"/>
           </p:cNvSpPr>
@@ -155,8 +158,8 @@
         </p:nvSpPr>
         <p:spPr>
           <a:xfrm>
-            <a:off x="504000" y="4059360"/>
-            <a:ext cx="9071640" cy="2091240"/>
+            <a:off x="504000" y="4059000"/>
+            <a:ext cx="9071280" cy="2090880"/>
           </a:xfrm>
           <a:prstGeom prst="rect">
             <a:avLst/>
@@ -203,7 +206,7 @@
       </p:grpSpPr>
       <p:sp>
         <p:nvSpPr>
-          <p:cNvPr id="29" name="PlaceHolder 1"/>
+          <p:cNvPr id="27" name="PlaceHolder 1"/>
           <p:cNvSpPr>
             <a:spLocks noGrp="1"/>
           </p:cNvSpPr>
@@ -214,7 +217,7 @@
         <p:spPr>
           <a:xfrm>
             <a:off x="504000" y="301320"/>
-            <a:ext cx="9071640" cy="1262160"/>
+            <a:ext cx="9071280" cy="1261800"/>
           </a:xfrm>
           <a:prstGeom prst="rect">
             <a:avLst/>
@@ -240,7 +243,7 @@
       </p:sp>
       <p:sp>
         <p:nvSpPr>
-          <p:cNvPr id="30" name="PlaceHolder 2"/>
+          <p:cNvPr id="28" name="PlaceHolder 2"/>
           <p:cNvSpPr>
             <a:spLocks noGrp="1"/>
           </p:cNvSpPr>
@@ -251,7 +254,7 @@
         <p:spPr>
           <a:xfrm>
             <a:off x="504000" y="1769040"/>
-            <a:ext cx="4426920" cy="2091240"/>
+            <a:ext cx="4426560" cy="2090880"/>
           </a:xfrm>
           <a:prstGeom prst="rect">
             <a:avLst/>
@@ -276,7 +279,7 @@
       </p:sp>
       <p:sp>
         <p:nvSpPr>
-          <p:cNvPr id="31" name="PlaceHolder 3"/>
+          <p:cNvPr id="29" name="PlaceHolder 3"/>
           <p:cNvSpPr>
             <a:spLocks noGrp="1"/>
           </p:cNvSpPr>
@@ -286,8 +289,8 @@
         </p:nvSpPr>
         <p:spPr>
           <a:xfrm>
-            <a:off x="5152680" y="1769040"/>
-            <a:ext cx="4426920" cy="2091240"/>
+            <a:off x="5152320" y="1769040"/>
+            <a:ext cx="4426560" cy="2090880"/>
           </a:xfrm>
           <a:prstGeom prst="rect">
             <a:avLst/>
@@ -312,7 +315,7 @@
       </p:sp>
       <p:sp>
         <p:nvSpPr>
-          <p:cNvPr id="32" name="PlaceHolder 4"/>
+          <p:cNvPr id="30" name="PlaceHolder 4"/>
           <p:cNvSpPr>
             <a:spLocks noGrp="1"/>
           </p:cNvSpPr>
@@ -322,8 +325,8 @@
         </p:nvSpPr>
         <p:spPr>
           <a:xfrm>
-            <a:off x="5152680" y="4059360"/>
-            <a:ext cx="4426920" cy="2091240"/>
+            <a:off x="5152320" y="4059000"/>
+            <a:ext cx="4426560" cy="2090880"/>
           </a:xfrm>
           <a:prstGeom prst="rect">
             <a:avLst/>
@@ -348,7 +351,7 @@
       </p:sp>
       <p:sp>
         <p:nvSpPr>
-          <p:cNvPr id="33" name="PlaceHolder 5"/>
+          <p:cNvPr id="31" name="PlaceHolder 5"/>
           <p:cNvSpPr>
             <a:spLocks noGrp="1"/>
           </p:cNvSpPr>
@@ -358,8 +361,8 @@
         </p:nvSpPr>
         <p:spPr>
           <a:xfrm>
-            <a:off x="504000" y="4059360"/>
-            <a:ext cx="4426920" cy="2091240"/>
+            <a:off x="504000" y="4059000"/>
+            <a:ext cx="4426560" cy="2090880"/>
           </a:xfrm>
           <a:prstGeom prst="rect">
             <a:avLst/>
@@ -406,7 +409,7 @@
       </p:grpSpPr>
       <p:sp>
         <p:nvSpPr>
-          <p:cNvPr id="34" name="PlaceHolder 1"/>
+          <p:cNvPr id="32" name="PlaceHolder 1"/>
           <p:cNvSpPr>
             <a:spLocks noGrp="1"/>
           </p:cNvSpPr>
@@ -417,7 +420,7 @@
         <p:spPr>
           <a:xfrm>
             <a:off x="504000" y="301320"/>
-            <a:ext cx="9071640" cy="1262160"/>
+            <a:ext cx="9071280" cy="1261800"/>
           </a:xfrm>
           <a:prstGeom prst="rect">
             <a:avLst/>
@@ -443,7 +446,7 @@
       </p:sp>
       <p:sp>
         <p:nvSpPr>
-          <p:cNvPr id="35" name="PlaceHolder 2"/>
+          <p:cNvPr id="33" name="PlaceHolder 2"/>
           <p:cNvSpPr>
             <a:spLocks noGrp="1"/>
           </p:cNvSpPr>
@@ -454,7 +457,7 @@
         <p:spPr>
           <a:xfrm>
             <a:off x="504000" y="1769040"/>
-            <a:ext cx="9071640" cy="4384440"/>
+            <a:ext cx="9071280" cy="4384080"/>
           </a:xfrm>
           <a:prstGeom prst="rect">
             <a:avLst/>
@@ -479,7 +482,7 @@
       </p:sp>
       <p:sp>
         <p:nvSpPr>
-          <p:cNvPr id="36" name="PlaceHolder 3"/>
+          <p:cNvPr id="34" name="PlaceHolder 3"/>
           <p:cNvSpPr>
             <a:spLocks noGrp="1"/>
           </p:cNvSpPr>
@@ -490,7 +493,7 @@
         <p:spPr>
           <a:xfrm>
             <a:off x="504000" y="1769040"/>
-            <a:ext cx="9071640" cy="4384440"/>
+            <a:ext cx="9071280" cy="4384080"/>
           </a:xfrm>
           <a:prstGeom prst="rect">
             <a:avLst/>
@@ -515,7 +518,7 @@
       </p:sp>
       <p:pic>
         <p:nvPicPr>
-          <p:cNvPr id="37" name="" descr=""/>
+          <p:cNvPr id="35" name="" descr=""/>
           <p:cNvPicPr/>
           <p:nvPr/>
         </p:nvPicPr>
@@ -525,8 +528,8 @@
         </p:blipFill>
         <p:spPr>
           <a:xfrm>
-            <a:off x="2291760" y="1768680"/>
-            <a:ext cx="5495760" cy="4384440"/>
+            <a:off x="2291760" y="1769040"/>
+            <a:ext cx="5495400" cy="4384080"/>
           </a:xfrm>
           <a:prstGeom prst="rect">
             <a:avLst/>
@@ -538,7 +541,7 @@
       </p:pic>
       <p:pic>
         <p:nvPicPr>
-          <p:cNvPr id="38" name="" descr=""/>
+          <p:cNvPr id="36" name="" descr=""/>
           <p:cNvPicPr/>
           <p:nvPr/>
         </p:nvPicPr>
@@ -548,8 +551,8 @@
         </p:blipFill>
         <p:spPr>
           <a:xfrm>
-            <a:off x="2291760" y="1768680"/>
-            <a:ext cx="5495760" cy="4384440"/>
+            <a:off x="2291760" y="1769040"/>
+            <a:ext cx="5495400" cy="4384080"/>
           </a:xfrm>
           <a:prstGeom prst="rect">
             <a:avLst/>
@@ -559,6 +562,635 @@
           </a:ln>
         </p:spPr>
       </p:pic>
+    </p:spTree>
+  </p:cSld>
+</p:sldLayout>
+</file>
+
+<file path=ppt/slideLayouts/slideLayout13.xml><?xml version="1.0" encoding="utf-8"?>
+<p:sldLayout xmlns:a="http://schemas.openxmlformats.org/drawingml/2006/main" xmlns:p="http://schemas.openxmlformats.org/presentationml/2006/main" xmlns:r="http://schemas.openxmlformats.org/officeDocument/2006/relationships" type="blank" preserve="1">
+  <p:cSld name="Blank Slide">
+    <p:spTree>
+      <p:nvGrpSpPr>
+        <p:cNvPr id="1" name=""/>
+        <p:cNvGrpSpPr/>
+        <p:nvPr/>
+      </p:nvGrpSpPr>
+      <p:grpSpPr>
+        <a:xfrm>
+          <a:off x="0" y="0"/>
+          <a:ext cx="0" cy="0"/>
+          <a:chOff x="0" y="0"/>
+          <a:chExt cx="0" cy="0"/>
+        </a:xfrm>
+      </p:grpSpPr>
+    </p:spTree>
+  </p:cSld>
+</p:sldLayout>
+</file>
+
+<file path=ppt/slideLayouts/slideLayout14.xml><?xml version="1.0" encoding="utf-8"?>
+<p:sldLayout xmlns:a="http://schemas.openxmlformats.org/drawingml/2006/main" xmlns:p="http://schemas.openxmlformats.org/presentationml/2006/main" xmlns:r="http://schemas.openxmlformats.org/officeDocument/2006/relationships" type="tx" preserve="1">
+  <p:cSld name="Title Slide">
+    <p:spTree>
+      <p:nvGrpSpPr>
+        <p:cNvPr id="1" name=""/>
+        <p:cNvGrpSpPr/>
+        <p:nvPr/>
+      </p:nvGrpSpPr>
+      <p:grpSpPr>
+        <a:xfrm>
+          <a:off x="0" y="0"/>
+          <a:ext cx="0" cy="0"/>
+          <a:chOff x="0" y="0"/>
+          <a:chExt cx="0" cy="0"/>
+        </a:xfrm>
+      </p:grpSpPr>
+      <p:sp>
+        <p:nvSpPr>
+          <p:cNvPr id="39" name="PlaceHolder 1"/>
+          <p:cNvSpPr>
+            <a:spLocks noGrp="1"/>
+          </p:cNvSpPr>
+          <p:nvPr>
+            <p:ph type="title"/>
+          </p:nvPr>
+        </p:nvSpPr>
+        <p:spPr>
+          <a:xfrm>
+            <a:off x="504000" y="301320"/>
+            <a:ext cx="9071280" cy="1261800"/>
+          </a:xfrm>
+          <a:prstGeom prst="rect">
+            <a:avLst/>
+          </a:prstGeom>
+        </p:spPr>
+        <p:txBody>
+          <a:bodyPr lIns="0" rIns="0" tIns="0" bIns="0" anchor="ctr"/>
+          <a:p>
+            <a:pPr algn="ctr"/>
+            <a:endParaRPr lang="en-US" sz="4400" spc="-1" strike="noStrike">
+              <a:solidFill>
+                <a:srgbClr val="000000"/>
+              </a:solidFill>
+              <a:uFill>
+                <a:solidFill>
+                  <a:srgbClr val="ffffff"/>
+                </a:solidFill>
+              </a:uFill>
+              <a:latin typeface="Arial"/>
+            </a:endParaRPr>
+          </a:p>
+        </p:txBody>
+      </p:sp>
+      <p:sp>
+        <p:nvSpPr>
+          <p:cNvPr id="40" name="PlaceHolder 2"/>
+          <p:cNvSpPr>
+            <a:spLocks noGrp="1"/>
+          </p:cNvSpPr>
+          <p:nvPr>
+            <p:ph type="subTitle"/>
+          </p:nvPr>
+        </p:nvSpPr>
+        <p:spPr>
+          <a:xfrm>
+            <a:off x="504000" y="1769040"/>
+            <a:ext cx="9071280" cy="4384080"/>
+          </a:xfrm>
+          <a:prstGeom prst="rect">
+            <a:avLst/>
+          </a:prstGeom>
+        </p:spPr>
+        <p:txBody>
+          <a:bodyPr lIns="0" rIns="0" tIns="0" bIns="0" anchor="ctr"/>
+          <a:p>
+            <a:pPr algn="ctr"/>
+            <a:endParaRPr lang="en-US" sz="3200" spc="-1" strike="noStrike">
+              <a:solidFill>
+                <a:srgbClr val="000000"/>
+              </a:solidFill>
+              <a:uFill>
+                <a:solidFill>
+                  <a:srgbClr val="ffffff"/>
+                </a:solidFill>
+              </a:uFill>
+              <a:latin typeface="Arial"/>
+            </a:endParaRPr>
+          </a:p>
+        </p:txBody>
+      </p:sp>
+    </p:spTree>
+  </p:cSld>
+</p:sldLayout>
+</file>
+
+<file path=ppt/slideLayouts/slideLayout15.xml><?xml version="1.0" encoding="utf-8"?>
+<p:sldLayout xmlns:a="http://schemas.openxmlformats.org/drawingml/2006/main" xmlns:p="http://schemas.openxmlformats.org/presentationml/2006/main" xmlns:r="http://schemas.openxmlformats.org/officeDocument/2006/relationships" type="obj" preserve="1">
+  <p:cSld name="Title, Content">
+    <p:spTree>
+      <p:nvGrpSpPr>
+        <p:cNvPr id="1" name=""/>
+        <p:cNvGrpSpPr/>
+        <p:nvPr/>
+      </p:nvGrpSpPr>
+      <p:grpSpPr>
+        <a:xfrm>
+          <a:off x="0" y="0"/>
+          <a:ext cx="0" cy="0"/>
+          <a:chOff x="0" y="0"/>
+          <a:chExt cx="0" cy="0"/>
+        </a:xfrm>
+      </p:grpSpPr>
+      <p:sp>
+        <p:nvSpPr>
+          <p:cNvPr id="41" name="PlaceHolder 1"/>
+          <p:cNvSpPr>
+            <a:spLocks noGrp="1"/>
+          </p:cNvSpPr>
+          <p:nvPr>
+            <p:ph type="title"/>
+          </p:nvPr>
+        </p:nvSpPr>
+        <p:spPr>
+          <a:xfrm>
+            <a:off x="504000" y="301320"/>
+            <a:ext cx="9071280" cy="1261800"/>
+          </a:xfrm>
+          <a:prstGeom prst="rect">
+            <a:avLst/>
+          </a:prstGeom>
+        </p:spPr>
+        <p:txBody>
+          <a:bodyPr lIns="0" rIns="0" tIns="0" bIns="0" anchor="ctr"/>
+          <a:p>
+            <a:pPr algn="ctr"/>
+            <a:endParaRPr lang="en-US" sz="4400" spc="-1" strike="noStrike">
+              <a:solidFill>
+                <a:srgbClr val="000000"/>
+              </a:solidFill>
+              <a:uFill>
+                <a:solidFill>
+                  <a:srgbClr val="ffffff"/>
+                </a:solidFill>
+              </a:uFill>
+              <a:latin typeface="Arial"/>
+            </a:endParaRPr>
+          </a:p>
+        </p:txBody>
+      </p:sp>
+      <p:sp>
+        <p:nvSpPr>
+          <p:cNvPr id="42" name="PlaceHolder 2"/>
+          <p:cNvSpPr>
+            <a:spLocks noGrp="1"/>
+          </p:cNvSpPr>
+          <p:nvPr>
+            <p:ph type="body"/>
+          </p:nvPr>
+        </p:nvSpPr>
+        <p:spPr>
+          <a:xfrm>
+            <a:off x="504000" y="1769040"/>
+            <a:ext cx="9071280" cy="4384080"/>
+          </a:xfrm>
+          <a:prstGeom prst="rect">
+            <a:avLst/>
+          </a:prstGeom>
+        </p:spPr>
+        <p:txBody>
+          <a:bodyPr lIns="0" rIns="0" tIns="0" bIns="0"/>
+          <a:p>
+            <a:endParaRPr lang="en-US" sz="3200" spc="-1" strike="noStrike">
+              <a:solidFill>
+                <a:srgbClr val="000000"/>
+              </a:solidFill>
+              <a:uFill>
+                <a:solidFill>
+                  <a:srgbClr val="ffffff"/>
+                </a:solidFill>
+              </a:uFill>
+              <a:latin typeface="Arial"/>
+            </a:endParaRPr>
+          </a:p>
+        </p:txBody>
+      </p:sp>
+    </p:spTree>
+  </p:cSld>
+</p:sldLayout>
+</file>
+
+<file path=ppt/slideLayouts/slideLayout16.xml><?xml version="1.0" encoding="utf-8"?>
+<p:sldLayout xmlns:a="http://schemas.openxmlformats.org/drawingml/2006/main" xmlns:p="http://schemas.openxmlformats.org/presentationml/2006/main" xmlns:r="http://schemas.openxmlformats.org/officeDocument/2006/relationships" type="twoObj" preserve="1">
+  <p:cSld name="Title, 2 Content">
+    <p:spTree>
+      <p:nvGrpSpPr>
+        <p:cNvPr id="1" name=""/>
+        <p:cNvGrpSpPr/>
+        <p:nvPr/>
+      </p:nvGrpSpPr>
+      <p:grpSpPr>
+        <a:xfrm>
+          <a:off x="0" y="0"/>
+          <a:ext cx="0" cy="0"/>
+          <a:chOff x="0" y="0"/>
+          <a:chExt cx="0" cy="0"/>
+        </a:xfrm>
+      </p:grpSpPr>
+      <p:sp>
+        <p:nvSpPr>
+          <p:cNvPr id="43" name="PlaceHolder 1"/>
+          <p:cNvSpPr>
+            <a:spLocks noGrp="1"/>
+          </p:cNvSpPr>
+          <p:nvPr>
+            <p:ph type="title"/>
+          </p:nvPr>
+        </p:nvSpPr>
+        <p:spPr>
+          <a:xfrm>
+            <a:off x="504000" y="301320"/>
+            <a:ext cx="9071280" cy="1261800"/>
+          </a:xfrm>
+          <a:prstGeom prst="rect">
+            <a:avLst/>
+          </a:prstGeom>
+        </p:spPr>
+        <p:txBody>
+          <a:bodyPr lIns="0" rIns="0" tIns="0" bIns="0" anchor="ctr"/>
+          <a:p>
+            <a:pPr algn="ctr"/>
+            <a:endParaRPr lang="en-US" sz="4400" spc="-1" strike="noStrike">
+              <a:solidFill>
+                <a:srgbClr val="000000"/>
+              </a:solidFill>
+              <a:uFill>
+                <a:solidFill>
+                  <a:srgbClr val="ffffff"/>
+                </a:solidFill>
+              </a:uFill>
+              <a:latin typeface="Arial"/>
+            </a:endParaRPr>
+          </a:p>
+        </p:txBody>
+      </p:sp>
+      <p:sp>
+        <p:nvSpPr>
+          <p:cNvPr id="44" name="PlaceHolder 2"/>
+          <p:cNvSpPr>
+            <a:spLocks noGrp="1"/>
+          </p:cNvSpPr>
+          <p:nvPr>
+            <p:ph type="body"/>
+          </p:nvPr>
+        </p:nvSpPr>
+        <p:spPr>
+          <a:xfrm>
+            <a:off x="504000" y="1769040"/>
+            <a:ext cx="4426560" cy="4384080"/>
+          </a:xfrm>
+          <a:prstGeom prst="rect">
+            <a:avLst/>
+          </a:prstGeom>
+        </p:spPr>
+        <p:txBody>
+          <a:bodyPr lIns="0" rIns="0" tIns="0" bIns="0"/>
+          <a:p>
+            <a:endParaRPr lang="en-US" sz="3200" spc="-1" strike="noStrike">
+              <a:solidFill>
+                <a:srgbClr val="000000"/>
+              </a:solidFill>
+              <a:uFill>
+                <a:solidFill>
+                  <a:srgbClr val="ffffff"/>
+                </a:solidFill>
+              </a:uFill>
+              <a:latin typeface="Arial"/>
+            </a:endParaRPr>
+          </a:p>
+        </p:txBody>
+      </p:sp>
+      <p:sp>
+        <p:nvSpPr>
+          <p:cNvPr id="45" name="PlaceHolder 3"/>
+          <p:cNvSpPr>
+            <a:spLocks noGrp="1"/>
+          </p:cNvSpPr>
+          <p:nvPr>
+            <p:ph type="body"/>
+          </p:nvPr>
+        </p:nvSpPr>
+        <p:spPr>
+          <a:xfrm>
+            <a:off x="5152320" y="1769040"/>
+            <a:ext cx="4426560" cy="4384080"/>
+          </a:xfrm>
+          <a:prstGeom prst="rect">
+            <a:avLst/>
+          </a:prstGeom>
+        </p:spPr>
+        <p:txBody>
+          <a:bodyPr lIns="0" rIns="0" tIns="0" bIns="0"/>
+          <a:p>
+            <a:endParaRPr lang="en-US" sz="3200" spc="-1" strike="noStrike">
+              <a:solidFill>
+                <a:srgbClr val="000000"/>
+              </a:solidFill>
+              <a:uFill>
+                <a:solidFill>
+                  <a:srgbClr val="ffffff"/>
+                </a:solidFill>
+              </a:uFill>
+              <a:latin typeface="Arial"/>
+            </a:endParaRPr>
+          </a:p>
+        </p:txBody>
+      </p:sp>
+    </p:spTree>
+  </p:cSld>
+</p:sldLayout>
+</file>
+
+<file path=ppt/slideLayouts/slideLayout17.xml><?xml version="1.0" encoding="utf-8"?>
+<p:sldLayout xmlns:a="http://schemas.openxmlformats.org/drawingml/2006/main" xmlns:p="http://schemas.openxmlformats.org/presentationml/2006/main" xmlns:r="http://schemas.openxmlformats.org/officeDocument/2006/relationships" type="titleOnly" preserve="1">
+  <p:cSld name="Title Only">
+    <p:spTree>
+      <p:nvGrpSpPr>
+        <p:cNvPr id="1" name=""/>
+        <p:cNvGrpSpPr/>
+        <p:nvPr/>
+      </p:nvGrpSpPr>
+      <p:grpSpPr>
+        <a:xfrm>
+          <a:off x="0" y="0"/>
+          <a:ext cx="0" cy="0"/>
+          <a:chOff x="0" y="0"/>
+          <a:chExt cx="0" cy="0"/>
+        </a:xfrm>
+      </p:grpSpPr>
+      <p:sp>
+        <p:nvSpPr>
+          <p:cNvPr id="46" name="PlaceHolder 1"/>
+          <p:cNvSpPr>
+            <a:spLocks noGrp="1"/>
+          </p:cNvSpPr>
+          <p:nvPr>
+            <p:ph type="title"/>
+          </p:nvPr>
+        </p:nvSpPr>
+        <p:spPr>
+          <a:xfrm>
+            <a:off x="504000" y="301320"/>
+            <a:ext cx="9071280" cy="1261800"/>
+          </a:xfrm>
+          <a:prstGeom prst="rect">
+            <a:avLst/>
+          </a:prstGeom>
+        </p:spPr>
+        <p:txBody>
+          <a:bodyPr lIns="0" rIns="0" tIns="0" bIns="0" anchor="ctr"/>
+          <a:p>
+            <a:pPr algn="ctr"/>
+            <a:endParaRPr lang="en-US" sz="4400" spc="-1" strike="noStrike">
+              <a:solidFill>
+                <a:srgbClr val="000000"/>
+              </a:solidFill>
+              <a:uFill>
+                <a:solidFill>
+                  <a:srgbClr val="ffffff"/>
+                </a:solidFill>
+              </a:uFill>
+              <a:latin typeface="Arial"/>
+            </a:endParaRPr>
+          </a:p>
+        </p:txBody>
+      </p:sp>
+    </p:spTree>
+  </p:cSld>
+</p:sldLayout>
+</file>
+
+<file path=ppt/slideLayouts/slideLayout18.xml><?xml version="1.0" encoding="utf-8"?>
+<p:sldLayout xmlns:a="http://schemas.openxmlformats.org/drawingml/2006/main" xmlns:p="http://schemas.openxmlformats.org/presentationml/2006/main" xmlns:r="http://schemas.openxmlformats.org/officeDocument/2006/relationships" type="objOnly" preserve="1">
+  <p:cSld name="Centered Text">
+    <p:spTree>
+      <p:nvGrpSpPr>
+        <p:cNvPr id="1" name=""/>
+        <p:cNvGrpSpPr/>
+        <p:nvPr/>
+      </p:nvGrpSpPr>
+      <p:grpSpPr>
+        <a:xfrm>
+          <a:off x="0" y="0"/>
+          <a:ext cx="0" cy="0"/>
+          <a:chOff x="0" y="0"/>
+          <a:chExt cx="0" cy="0"/>
+        </a:xfrm>
+      </p:grpSpPr>
+      <p:sp>
+        <p:nvSpPr>
+          <p:cNvPr id="47" name="PlaceHolder 1"/>
+          <p:cNvSpPr>
+            <a:spLocks noGrp="1"/>
+          </p:cNvSpPr>
+          <p:nvPr>
+            <p:ph type="subTitle"/>
+          </p:nvPr>
+        </p:nvSpPr>
+        <p:spPr>
+          <a:xfrm>
+            <a:off x="504000" y="301320"/>
+            <a:ext cx="9071280" cy="5850360"/>
+          </a:xfrm>
+          <a:prstGeom prst="rect">
+            <a:avLst/>
+          </a:prstGeom>
+        </p:spPr>
+        <p:txBody>
+          <a:bodyPr lIns="0" rIns="0" tIns="0" bIns="0" anchor="ctr"/>
+          <a:p>
+            <a:pPr algn="ctr"/>
+            <a:endParaRPr lang="en-US" sz="3200" spc="-1" strike="noStrike">
+              <a:solidFill>
+                <a:srgbClr val="000000"/>
+              </a:solidFill>
+              <a:uFill>
+                <a:solidFill>
+                  <a:srgbClr val="ffffff"/>
+                </a:solidFill>
+              </a:uFill>
+              <a:latin typeface="Arial"/>
+            </a:endParaRPr>
+          </a:p>
+        </p:txBody>
+      </p:sp>
+    </p:spTree>
+  </p:cSld>
+</p:sldLayout>
+</file>
+
+<file path=ppt/slideLayouts/slideLayout19.xml><?xml version="1.0" encoding="utf-8"?>
+<p:sldLayout xmlns:a="http://schemas.openxmlformats.org/drawingml/2006/main" xmlns:p="http://schemas.openxmlformats.org/presentationml/2006/main" xmlns:r="http://schemas.openxmlformats.org/officeDocument/2006/relationships" type="twoObjAndObj" preserve="1">
+  <p:cSld name="Title, 2 Content and Content">
+    <p:spTree>
+      <p:nvGrpSpPr>
+        <p:cNvPr id="1" name=""/>
+        <p:cNvGrpSpPr/>
+        <p:nvPr/>
+      </p:nvGrpSpPr>
+      <p:grpSpPr>
+        <a:xfrm>
+          <a:off x="0" y="0"/>
+          <a:ext cx="0" cy="0"/>
+          <a:chOff x="0" y="0"/>
+          <a:chExt cx="0" cy="0"/>
+        </a:xfrm>
+      </p:grpSpPr>
+      <p:sp>
+        <p:nvSpPr>
+          <p:cNvPr id="48" name="PlaceHolder 1"/>
+          <p:cNvSpPr>
+            <a:spLocks noGrp="1"/>
+          </p:cNvSpPr>
+          <p:nvPr>
+            <p:ph type="title"/>
+          </p:nvPr>
+        </p:nvSpPr>
+        <p:spPr>
+          <a:xfrm>
+            <a:off x="504000" y="301320"/>
+            <a:ext cx="9071280" cy="1261800"/>
+          </a:xfrm>
+          <a:prstGeom prst="rect">
+            <a:avLst/>
+          </a:prstGeom>
+        </p:spPr>
+        <p:txBody>
+          <a:bodyPr lIns="0" rIns="0" tIns="0" bIns="0" anchor="ctr"/>
+          <a:p>
+            <a:pPr algn="ctr"/>
+            <a:endParaRPr lang="en-US" sz="4400" spc="-1" strike="noStrike">
+              <a:solidFill>
+                <a:srgbClr val="000000"/>
+              </a:solidFill>
+              <a:uFill>
+                <a:solidFill>
+                  <a:srgbClr val="ffffff"/>
+                </a:solidFill>
+              </a:uFill>
+              <a:latin typeface="Arial"/>
+            </a:endParaRPr>
+          </a:p>
+        </p:txBody>
+      </p:sp>
+      <p:sp>
+        <p:nvSpPr>
+          <p:cNvPr id="49" name="PlaceHolder 2"/>
+          <p:cNvSpPr>
+            <a:spLocks noGrp="1"/>
+          </p:cNvSpPr>
+          <p:nvPr>
+            <p:ph type="body"/>
+          </p:nvPr>
+        </p:nvSpPr>
+        <p:spPr>
+          <a:xfrm>
+            <a:off x="504000" y="1769040"/>
+            <a:ext cx="4426560" cy="2090880"/>
+          </a:xfrm>
+          <a:prstGeom prst="rect">
+            <a:avLst/>
+          </a:prstGeom>
+        </p:spPr>
+        <p:txBody>
+          <a:bodyPr lIns="0" rIns="0" tIns="0" bIns="0"/>
+          <a:p>
+            <a:endParaRPr lang="en-US" sz="3200" spc="-1" strike="noStrike">
+              <a:solidFill>
+                <a:srgbClr val="000000"/>
+              </a:solidFill>
+              <a:uFill>
+                <a:solidFill>
+                  <a:srgbClr val="ffffff"/>
+                </a:solidFill>
+              </a:uFill>
+              <a:latin typeface="Arial"/>
+            </a:endParaRPr>
+          </a:p>
+        </p:txBody>
+      </p:sp>
+      <p:sp>
+        <p:nvSpPr>
+          <p:cNvPr id="50" name="PlaceHolder 3"/>
+          <p:cNvSpPr>
+            <a:spLocks noGrp="1"/>
+          </p:cNvSpPr>
+          <p:nvPr>
+            <p:ph type="body"/>
+          </p:nvPr>
+        </p:nvSpPr>
+        <p:spPr>
+          <a:xfrm>
+            <a:off x="504000" y="4059000"/>
+            <a:ext cx="4426560" cy="2090880"/>
+          </a:xfrm>
+          <a:prstGeom prst="rect">
+            <a:avLst/>
+          </a:prstGeom>
+        </p:spPr>
+        <p:txBody>
+          <a:bodyPr lIns="0" rIns="0" tIns="0" bIns="0"/>
+          <a:p>
+            <a:endParaRPr lang="en-US" sz="3200" spc="-1" strike="noStrike">
+              <a:solidFill>
+                <a:srgbClr val="000000"/>
+              </a:solidFill>
+              <a:uFill>
+                <a:solidFill>
+                  <a:srgbClr val="ffffff"/>
+                </a:solidFill>
+              </a:uFill>
+              <a:latin typeface="Arial"/>
+            </a:endParaRPr>
+          </a:p>
+        </p:txBody>
+      </p:sp>
+      <p:sp>
+        <p:nvSpPr>
+          <p:cNvPr id="51" name="PlaceHolder 4"/>
+          <p:cNvSpPr>
+            <a:spLocks noGrp="1"/>
+          </p:cNvSpPr>
+          <p:nvPr>
+            <p:ph type="body"/>
+          </p:nvPr>
+        </p:nvSpPr>
+        <p:spPr>
+          <a:xfrm>
+            <a:off x="5152320" y="1769040"/>
+            <a:ext cx="4426560" cy="4384080"/>
+          </a:xfrm>
+          <a:prstGeom prst="rect">
+            <a:avLst/>
+          </a:prstGeom>
+        </p:spPr>
+        <p:txBody>
+          <a:bodyPr lIns="0" rIns="0" tIns="0" bIns="0"/>
+          <a:p>
+            <a:endParaRPr lang="en-US" sz="3200" spc="-1" strike="noStrike">
+              <a:solidFill>
+                <a:srgbClr val="000000"/>
+              </a:solidFill>
+              <a:uFill>
+                <a:solidFill>
+                  <a:srgbClr val="ffffff"/>
+                </a:solidFill>
+              </a:uFill>
+              <a:latin typeface="Arial"/>
+            </a:endParaRPr>
+          </a:p>
+        </p:txBody>
+      </p:sp>
     </p:spTree>
   </p:cSld>
 </p:sldLayout>
@@ -583,7 +1215,7 @@
       </p:grpSpPr>
       <p:sp>
         <p:nvSpPr>
-          <p:cNvPr id="5" name="PlaceHolder 1"/>
+          <p:cNvPr id="3" name="PlaceHolder 1"/>
           <p:cNvSpPr>
             <a:spLocks noGrp="1"/>
           </p:cNvSpPr>
@@ -594,7 +1226,7 @@
         <p:spPr>
           <a:xfrm>
             <a:off x="504000" y="301320"/>
-            <a:ext cx="9071640" cy="1262160"/>
+            <a:ext cx="9071280" cy="1261800"/>
           </a:xfrm>
           <a:prstGeom prst="rect">
             <a:avLst/>
@@ -620,7 +1252,7 @@
       </p:sp>
       <p:sp>
         <p:nvSpPr>
-          <p:cNvPr id="6" name="PlaceHolder 2"/>
+          <p:cNvPr id="4" name="PlaceHolder 2"/>
           <p:cNvSpPr>
             <a:spLocks noGrp="1"/>
           </p:cNvSpPr>
@@ -631,7 +1263,7 @@
         <p:spPr>
           <a:xfrm>
             <a:off x="504000" y="1769040"/>
-            <a:ext cx="9071640" cy="4384440"/>
+            <a:ext cx="9071280" cy="4384080"/>
           </a:xfrm>
           <a:prstGeom prst="rect">
             <a:avLst/>
@@ -655,6 +1287,851 @@
           </a:p>
         </p:txBody>
       </p:sp>
+    </p:spTree>
+  </p:cSld>
+</p:sldLayout>
+</file>
+
+<file path=ppt/slideLayouts/slideLayout20.xml><?xml version="1.0" encoding="utf-8"?>
+<p:sldLayout xmlns:a="http://schemas.openxmlformats.org/drawingml/2006/main" xmlns:p="http://schemas.openxmlformats.org/presentationml/2006/main" xmlns:r="http://schemas.openxmlformats.org/officeDocument/2006/relationships" type="objAndTwoObj" preserve="1">
+  <p:cSld name="Title Content and 2 Content">
+    <p:spTree>
+      <p:nvGrpSpPr>
+        <p:cNvPr id="1" name=""/>
+        <p:cNvGrpSpPr/>
+        <p:nvPr/>
+      </p:nvGrpSpPr>
+      <p:grpSpPr>
+        <a:xfrm>
+          <a:off x="0" y="0"/>
+          <a:ext cx="0" cy="0"/>
+          <a:chOff x="0" y="0"/>
+          <a:chExt cx="0" cy="0"/>
+        </a:xfrm>
+      </p:grpSpPr>
+      <p:sp>
+        <p:nvSpPr>
+          <p:cNvPr id="52" name="PlaceHolder 1"/>
+          <p:cNvSpPr>
+            <a:spLocks noGrp="1"/>
+          </p:cNvSpPr>
+          <p:nvPr>
+            <p:ph type="title"/>
+          </p:nvPr>
+        </p:nvSpPr>
+        <p:spPr>
+          <a:xfrm>
+            <a:off x="504000" y="301320"/>
+            <a:ext cx="9071280" cy="1261800"/>
+          </a:xfrm>
+          <a:prstGeom prst="rect">
+            <a:avLst/>
+          </a:prstGeom>
+        </p:spPr>
+        <p:txBody>
+          <a:bodyPr lIns="0" rIns="0" tIns="0" bIns="0" anchor="ctr"/>
+          <a:p>
+            <a:pPr algn="ctr"/>
+            <a:endParaRPr lang="en-US" sz="4400" spc="-1" strike="noStrike">
+              <a:solidFill>
+                <a:srgbClr val="000000"/>
+              </a:solidFill>
+              <a:uFill>
+                <a:solidFill>
+                  <a:srgbClr val="ffffff"/>
+                </a:solidFill>
+              </a:uFill>
+              <a:latin typeface="Arial"/>
+            </a:endParaRPr>
+          </a:p>
+        </p:txBody>
+      </p:sp>
+      <p:sp>
+        <p:nvSpPr>
+          <p:cNvPr id="53" name="PlaceHolder 2"/>
+          <p:cNvSpPr>
+            <a:spLocks noGrp="1"/>
+          </p:cNvSpPr>
+          <p:nvPr>
+            <p:ph type="body"/>
+          </p:nvPr>
+        </p:nvSpPr>
+        <p:spPr>
+          <a:xfrm>
+            <a:off x="504000" y="1769040"/>
+            <a:ext cx="4426560" cy="4384080"/>
+          </a:xfrm>
+          <a:prstGeom prst="rect">
+            <a:avLst/>
+          </a:prstGeom>
+        </p:spPr>
+        <p:txBody>
+          <a:bodyPr lIns="0" rIns="0" tIns="0" bIns="0"/>
+          <a:p>
+            <a:endParaRPr lang="en-US" sz="3200" spc="-1" strike="noStrike">
+              <a:solidFill>
+                <a:srgbClr val="000000"/>
+              </a:solidFill>
+              <a:uFill>
+                <a:solidFill>
+                  <a:srgbClr val="ffffff"/>
+                </a:solidFill>
+              </a:uFill>
+              <a:latin typeface="Arial"/>
+            </a:endParaRPr>
+          </a:p>
+        </p:txBody>
+      </p:sp>
+      <p:sp>
+        <p:nvSpPr>
+          <p:cNvPr id="54" name="PlaceHolder 3"/>
+          <p:cNvSpPr>
+            <a:spLocks noGrp="1"/>
+          </p:cNvSpPr>
+          <p:nvPr>
+            <p:ph type="body"/>
+          </p:nvPr>
+        </p:nvSpPr>
+        <p:spPr>
+          <a:xfrm>
+            <a:off x="5152320" y="1769040"/>
+            <a:ext cx="4426560" cy="2090880"/>
+          </a:xfrm>
+          <a:prstGeom prst="rect">
+            <a:avLst/>
+          </a:prstGeom>
+        </p:spPr>
+        <p:txBody>
+          <a:bodyPr lIns="0" rIns="0" tIns="0" bIns="0"/>
+          <a:p>
+            <a:endParaRPr lang="en-US" sz="3200" spc="-1" strike="noStrike">
+              <a:solidFill>
+                <a:srgbClr val="000000"/>
+              </a:solidFill>
+              <a:uFill>
+                <a:solidFill>
+                  <a:srgbClr val="ffffff"/>
+                </a:solidFill>
+              </a:uFill>
+              <a:latin typeface="Arial"/>
+            </a:endParaRPr>
+          </a:p>
+        </p:txBody>
+      </p:sp>
+      <p:sp>
+        <p:nvSpPr>
+          <p:cNvPr id="55" name="PlaceHolder 4"/>
+          <p:cNvSpPr>
+            <a:spLocks noGrp="1"/>
+          </p:cNvSpPr>
+          <p:nvPr>
+            <p:ph type="body"/>
+          </p:nvPr>
+        </p:nvSpPr>
+        <p:spPr>
+          <a:xfrm>
+            <a:off x="5152320" y="4059000"/>
+            <a:ext cx="4426560" cy="2090880"/>
+          </a:xfrm>
+          <a:prstGeom prst="rect">
+            <a:avLst/>
+          </a:prstGeom>
+        </p:spPr>
+        <p:txBody>
+          <a:bodyPr lIns="0" rIns="0" tIns="0" bIns="0"/>
+          <a:p>
+            <a:endParaRPr lang="en-US" sz="3200" spc="-1" strike="noStrike">
+              <a:solidFill>
+                <a:srgbClr val="000000"/>
+              </a:solidFill>
+              <a:uFill>
+                <a:solidFill>
+                  <a:srgbClr val="ffffff"/>
+                </a:solidFill>
+              </a:uFill>
+              <a:latin typeface="Arial"/>
+            </a:endParaRPr>
+          </a:p>
+        </p:txBody>
+      </p:sp>
+    </p:spTree>
+  </p:cSld>
+</p:sldLayout>
+</file>
+
+<file path=ppt/slideLayouts/slideLayout21.xml><?xml version="1.0" encoding="utf-8"?>
+<p:sldLayout xmlns:a="http://schemas.openxmlformats.org/drawingml/2006/main" xmlns:p="http://schemas.openxmlformats.org/presentationml/2006/main" xmlns:r="http://schemas.openxmlformats.org/officeDocument/2006/relationships" type="twoObjOverTx" preserve="1">
+  <p:cSld name="Title, 2 Content over Content">
+    <p:spTree>
+      <p:nvGrpSpPr>
+        <p:cNvPr id="1" name=""/>
+        <p:cNvGrpSpPr/>
+        <p:nvPr/>
+      </p:nvGrpSpPr>
+      <p:grpSpPr>
+        <a:xfrm>
+          <a:off x="0" y="0"/>
+          <a:ext cx="0" cy="0"/>
+          <a:chOff x="0" y="0"/>
+          <a:chExt cx="0" cy="0"/>
+        </a:xfrm>
+      </p:grpSpPr>
+      <p:sp>
+        <p:nvSpPr>
+          <p:cNvPr id="56" name="PlaceHolder 1"/>
+          <p:cNvSpPr>
+            <a:spLocks noGrp="1"/>
+          </p:cNvSpPr>
+          <p:nvPr>
+            <p:ph type="title"/>
+          </p:nvPr>
+        </p:nvSpPr>
+        <p:spPr>
+          <a:xfrm>
+            <a:off x="504000" y="301320"/>
+            <a:ext cx="9071280" cy="1261800"/>
+          </a:xfrm>
+          <a:prstGeom prst="rect">
+            <a:avLst/>
+          </a:prstGeom>
+        </p:spPr>
+        <p:txBody>
+          <a:bodyPr lIns="0" rIns="0" tIns="0" bIns="0" anchor="ctr"/>
+          <a:p>
+            <a:pPr algn="ctr"/>
+            <a:endParaRPr lang="en-US" sz="4400" spc="-1" strike="noStrike">
+              <a:solidFill>
+                <a:srgbClr val="000000"/>
+              </a:solidFill>
+              <a:uFill>
+                <a:solidFill>
+                  <a:srgbClr val="ffffff"/>
+                </a:solidFill>
+              </a:uFill>
+              <a:latin typeface="Arial"/>
+            </a:endParaRPr>
+          </a:p>
+        </p:txBody>
+      </p:sp>
+      <p:sp>
+        <p:nvSpPr>
+          <p:cNvPr id="57" name="PlaceHolder 2"/>
+          <p:cNvSpPr>
+            <a:spLocks noGrp="1"/>
+          </p:cNvSpPr>
+          <p:nvPr>
+            <p:ph type="body"/>
+          </p:nvPr>
+        </p:nvSpPr>
+        <p:spPr>
+          <a:xfrm>
+            <a:off x="504000" y="1769040"/>
+            <a:ext cx="4426560" cy="2090880"/>
+          </a:xfrm>
+          <a:prstGeom prst="rect">
+            <a:avLst/>
+          </a:prstGeom>
+        </p:spPr>
+        <p:txBody>
+          <a:bodyPr lIns="0" rIns="0" tIns="0" bIns="0"/>
+          <a:p>
+            <a:endParaRPr lang="en-US" sz="3200" spc="-1" strike="noStrike">
+              <a:solidFill>
+                <a:srgbClr val="000000"/>
+              </a:solidFill>
+              <a:uFill>
+                <a:solidFill>
+                  <a:srgbClr val="ffffff"/>
+                </a:solidFill>
+              </a:uFill>
+              <a:latin typeface="Arial"/>
+            </a:endParaRPr>
+          </a:p>
+        </p:txBody>
+      </p:sp>
+      <p:sp>
+        <p:nvSpPr>
+          <p:cNvPr id="58" name="PlaceHolder 3"/>
+          <p:cNvSpPr>
+            <a:spLocks noGrp="1"/>
+          </p:cNvSpPr>
+          <p:nvPr>
+            <p:ph type="body"/>
+          </p:nvPr>
+        </p:nvSpPr>
+        <p:spPr>
+          <a:xfrm>
+            <a:off x="5152320" y="1769040"/>
+            <a:ext cx="4426560" cy="2090880"/>
+          </a:xfrm>
+          <a:prstGeom prst="rect">
+            <a:avLst/>
+          </a:prstGeom>
+        </p:spPr>
+        <p:txBody>
+          <a:bodyPr lIns="0" rIns="0" tIns="0" bIns="0"/>
+          <a:p>
+            <a:endParaRPr lang="en-US" sz="3200" spc="-1" strike="noStrike">
+              <a:solidFill>
+                <a:srgbClr val="000000"/>
+              </a:solidFill>
+              <a:uFill>
+                <a:solidFill>
+                  <a:srgbClr val="ffffff"/>
+                </a:solidFill>
+              </a:uFill>
+              <a:latin typeface="Arial"/>
+            </a:endParaRPr>
+          </a:p>
+        </p:txBody>
+      </p:sp>
+      <p:sp>
+        <p:nvSpPr>
+          <p:cNvPr id="59" name="PlaceHolder 4"/>
+          <p:cNvSpPr>
+            <a:spLocks noGrp="1"/>
+          </p:cNvSpPr>
+          <p:nvPr>
+            <p:ph type="body"/>
+          </p:nvPr>
+        </p:nvSpPr>
+        <p:spPr>
+          <a:xfrm>
+            <a:off x="504000" y="4059000"/>
+            <a:ext cx="9071280" cy="2090880"/>
+          </a:xfrm>
+          <a:prstGeom prst="rect">
+            <a:avLst/>
+          </a:prstGeom>
+        </p:spPr>
+        <p:txBody>
+          <a:bodyPr lIns="0" rIns="0" tIns="0" bIns="0"/>
+          <a:p>
+            <a:endParaRPr lang="en-US" sz="3200" spc="-1" strike="noStrike">
+              <a:solidFill>
+                <a:srgbClr val="000000"/>
+              </a:solidFill>
+              <a:uFill>
+                <a:solidFill>
+                  <a:srgbClr val="ffffff"/>
+                </a:solidFill>
+              </a:uFill>
+              <a:latin typeface="Arial"/>
+            </a:endParaRPr>
+          </a:p>
+        </p:txBody>
+      </p:sp>
+    </p:spTree>
+  </p:cSld>
+</p:sldLayout>
+</file>
+
+<file path=ppt/slideLayouts/slideLayout22.xml><?xml version="1.0" encoding="utf-8"?>
+<p:sldLayout xmlns:a="http://schemas.openxmlformats.org/drawingml/2006/main" xmlns:p="http://schemas.openxmlformats.org/presentationml/2006/main" xmlns:r="http://schemas.openxmlformats.org/officeDocument/2006/relationships" type="objOverTx" preserve="1">
+  <p:cSld name="Title, Content over Content">
+    <p:spTree>
+      <p:nvGrpSpPr>
+        <p:cNvPr id="1" name=""/>
+        <p:cNvGrpSpPr/>
+        <p:nvPr/>
+      </p:nvGrpSpPr>
+      <p:grpSpPr>
+        <a:xfrm>
+          <a:off x="0" y="0"/>
+          <a:ext cx="0" cy="0"/>
+          <a:chOff x="0" y="0"/>
+          <a:chExt cx="0" cy="0"/>
+        </a:xfrm>
+      </p:grpSpPr>
+      <p:sp>
+        <p:nvSpPr>
+          <p:cNvPr id="60" name="PlaceHolder 1"/>
+          <p:cNvSpPr>
+            <a:spLocks noGrp="1"/>
+          </p:cNvSpPr>
+          <p:nvPr>
+            <p:ph type="title"/>
+          </p:nvPr>
+        </p:nvSpPr>
+        <p:spPr>
+          <a:xfrm>
+            <a:off x="504000" y="301320"/>
+            <a:ext cx="9071280" cy="1261800"/>
+          </a:xfrm>
+          <a:prstGeom prst="rect">
+            <a:avLst/>
+          </a:prstGeom>
+        </p:spPr>
+        <p:txBody>
+          <a:bodyPr lIns="0" rIns="0" tIns="0" bIns="0" anchor="ctr"/>
+          <a:p>
+            <a:pPr algn="ctr"/>
+            <a:endParaRPr lang="en-US" sz="4400" spc="-1" strike="noStrike">
+              <a:solidFill>
+                <a:srgbClr val="000000"/>
+              </a:solidFill>
+              <a:uFill>
+                <a:solidFill>
+                  <a:srgbClr val="ffffff"/>
+                </a:solidFill>
+              </a:uFill>
+              <a:latin typeface="Arial"/>
+            </a:endParaRPr>
+          </a:p>
+        </p:txBody>
+      </p:sp>
+      <p:sp>
+        <p:nvSpPr>
+          <p:cNvPr id="61" name="PlaceHolder 2"/>
+          <p:cNvSpPr>
+            <a:spLocks noGrp="1"/>
+          </p:cNvSpPr>
+          <p:nvPr>
+            <p:ph type="body"/>
+          </p:nvPr>
+        </p:nvSpPr>
+        <p:spPr>
+          <a:xfrm>
+            <a:off x="504000" y="1769040"/>
+            <a:ext cx="9071280" cy="2090880"/>
+          </a:xfrm>
+          <a:prstGeom prst="rect">
+            <a:avLst/>
+          </a:prstGeom>
+        </p:spPr>
+        <p:txBody>
+          <a:bodyPr lIns="0" rIns="0" tIns="0" bIns="0"/>
+          <a:p>
+            <a:endParaRPr lang="en-US" sz="3200" spc="-1" strike="noStrike">
+              <a:solidFill>
+                <a:srgbClr val="000000"/>
+              </a:solidFill>
+              <a:uFill>
+                <a:solidFill>
+                  <a:srgbClr val="ffffff"/>
+                </a:solidFill>
+              </a:uFill>
+              <a:latin typeface="Arial"/>
+            </a:endParaRPr>
+          </a:p>
+        </p:txBody>
+      </p:sp>
+      <p:sp>
+        <p:nvSpPr>
+          <p:cNvPr id="62" name="PlaceHolder 3"/>
+          <p:cNvSpPr>
+            <a:spLocks noGrp="1"/>
+          </p:cNvSpPr>
+          <p:nvPr>
+            <p:ph type="body"/>
+          </p:nvPr>
+        </p:nvSpPr>
+        <p:spPr>
+          <a:xfrm>
+            <a:off x="504000" y="4059000"/>
+            <a:ext cx="9071280" cy="2090880"/>
+          </a:xfrm>
+          <a:prstGeom prst="rect">
+            <a:avLst/>
+          </a:prstGeom>
+        </p:spPr>
+        <p:txBody>
+          <a:bodyPr lIns="0" rIns="0" tIns="0" bIns="0"/>
+          <a:p>
+            <a:endParaRPr lang="en-US" sz="3200" spc="-1" strike="noStrike">
+              <a:solidFill>
+                <a:srgbClr val="000000"/>
+              </a:solidFill>
+              <a:uFill>
+                <a:solidFill>
+                  <a:srgbClr val="ffffff"/>
+                </a:solidFill>
+              </a:uFill>
+              <a:latin typeface="Arial"/>
+            </a:endParaRPr>
+          </a:p>
+        </p:txBody>
+      </p:sp>
+    </p:spTree>
+  </p:cSld>
+</p:sldLayout>
+</file>
+
+<file path=ppt/slideLayouts/slideLayout23.xml><?xml version="1.0" encoding="utf-8"?>
+<p:sldLayout xmlns:a="http://schemas.openxmlformats.org/drawingml/2006/main" xmlns:p="http://schemas.openxmlformats.org/presentationml/2006/main" xmlns:r="http://schemas.openxmlformats.org/officeDocument/2006/relationships" type="fourObj" preserve="1">
+  <p:cSld name="Title, 4 Content">
+    <p:spTree>
+      <p:nvGrpSpPr>
+        <p:cNvPr id="1" name=""/>
+        <p:cNvGrpSpPr/>
+        <p:nvPr/>
+      </p:nvGrpSpPr>
+      <p:grpSpPr>
+        <a:xfrm>
+          <a:off x="0" y="0"/>
+          <a:ext cx="0" cy="0"/>
+          <a:chOff x="0" y="0"/>
+          <a:chExt cx="0" cy="0"/>
+        </a:xfrm>
+      </p:grpSpPr>
+      <p:sp>
+        <p:nvSpPr>
+          <p:cNvPr id="63" name="PlaceHolder 1"/>
+          <p:cNvSpPr>
+            <a:spLocks noGrp="1"/>
+          </p:cNvSpPr>
+          <p:nvPr>
+            <p:ph type="title"/>
+          </p:nvPr>
+        </p:nvSpPr>
+        <p:spPr>
+          <a:xfrm>
+            <a:off x="504000" y="301320"/>
+            <a:ext cx="9071280" cy="1261800"/>
+          </a:xfrm>
+          <a:prstGeom prst="rect">
+            <a:avLst/>
+          </a:prstGeom>
+        </p:spPr>
+        <p:txBody>
+          <a:bodyPr lIns="0" rIns="0" tIns="0" bIns="0" anchor="ctr"/>
+          <a:p>
+            <a:pPr algn="ctr"/>
+            <a:endParaRPr lang="en-US" sz="4400" spc="-1" strike="noStrike">
+              <a:solidFill>
+                <a:srgbClr val="000000"/>
+              </a:solidFill>
+              <a:uFill>
+                <a:solidFill>
+                  <a:srgbClr val="ffffff"/>
+                </a:solidFill>
+              </a:uFill>
+              <a:latin typeface="Arial"/>
+            </a:endParaRPr>
+          </a:p>
+        </p:txBody>
+      </p:sp>
+      <p:sp>
+        <p:nvSpPr>
+          <p:cNvPr id="64" name="PlaceHolder 2"/>
+          <p:cNvSpPr>
+            <a:spLocks noGrp="1"/>
+          </p:cNvSpPr>
+          <p:nvPr>
+            <p:ph type="body"/>
+          </p:nvPr>
+        </p:nvSpPr>
+        <p:spPr>
+          <a:xfrm>
+            <a:off x="504000" y="1769040"/>
+            <a:ext cx="4426560" cy="2090880"/>
+          </a:xfrm>
+          <a:prstGeom prst="rect">
+            <a:avLst/>
+          </a:prstGeom>
+        </p:spPr>
+        <p:txBody>
+          <a:bodyPr lIns="0" rIns="0" tIns="0" bIns="0"/>
+          <a:p>
+            <a:endParaRPr lang="en-US" sz="3200" spc="-1" strike="noStrike">
+              <a:solidFill>
+                <a:srgbClr val="000000"/>
+              </a:solidFill>
+              <a:uFill>
+                <a:solidFill>
+                  <a:srgbClr val="ffffff"/>
+                </a:solidFill>
+              </a:uFill>
+              <a:latin typeface="Arial"/>
+            </a:endParaRPr>
+          </a:p>
+        </p:txBody>
+      </p:sp>
+      <p:sp>
+        <p:nvSpPr>
+          <p:cNvPr id="65" name="PlaceHolder 3"/>
+          <p:cNvSpPr>
+            <a:spLocks noGrp="1"/>
+          </p:cNvSpPr>
+          <p:nvPr>
+            <p:ph type="body"/>
+          </p:nvPr>
+        </p:nvSpPr>
+        <p:spPr>
+          <a:xfrm>
+            <a:off x="5152320" y="1769040"/>
+            <a:ext cx="4426560" cy="2090880"/>
+          </a:xfrm>
+          <a:prstGeom prst="rect">
+            <a:avLst/>
+          </a:prstGeom>
+        </p:spPr>
+        <p:txBody>
+          <a:bodyPr lIns="0" rIns="0" tIns="0" bIns="0"/>
+          <a:p>
+            <a:endParaRPr lang="en-US" sz="3200" spc="-1" strike="noStrike">
+              <a:solidFill>
+                <a:srgbClr val="000000"/>
+              </a:solidFill>
+              <a:uFill>
+                <a:solidFill>
+                  <a:srgbClr val="ffffff"/>
+                </a:solidFill>
+              </a:uFill>
+              <a:latin typeface="Arial"/>
+            </a:endParaRPr>
+          </a:p>
+        </p:txBody>
+      </p:sp>
+      <p:sp>
+        <p:nvSpPr>
+          <p:cNvPr id="66" name="PlaceHolder 4"/>
+          <p:cNvSpPr>
+            <a:spLocks noGrp="1"/>
+          </p:cNvSpPr>
+          <p:nvPr>
+            <p:ph type="body"/>
+          </p:nvPr>
+        </p:nvSpPr>
+        <p:spPr>
+          <a:xfrm>
+            <a:off x="5152320" y="4059000"/>
+            <a:ext cx="4426560" cy="2090880"/>
+          </a:xfrm>
+          <a:prstGeom prst="rect">
+            <a:avLst/>
+          </a:prstGeom>
+        </p:spPr>
+        <p:txBody>
+          <a:bodyPr lIns="0" rIns="0" tIns="0" bIns="0"/>
+          <a:p>
+            <a:endParaRPr lang="en-US" sz="3200" spc="-1" strike="noStrike">
+              <a:solidFill>
+                <a:srgbClr val="000000"/>
+              </a:solidFill>
+              <a:uFill>
+                <a:solidFill>
+                  <a:srgbClr val="ffffff"/>
+                </a:solidFill>
+              </a:uFill>
+              <a:latin typeface="Arial"/>
+            </a:endParaRPr>
+          </a:p>
+        </p:txBody>
+      </p:sp>
+      <p:sp>
+        <p:nvSpPr>
+          <p:cNvPr id="67" name="PlaceHolder 5"/>
+          <p:cNvSpPr>
+            <a:spLocks noGrp="1"/>
+          </p:cNvSpPr>
+          <p:nvPr>
+            <p:ph type="body"/>
+          </p:nvPr>
+        </p:nvSpPr>
+        <p:spPr>
+          <a:xfrm>
+            <a:off x="504000" y="4059000"/>
+            <a:ext cx="4426560" cy="2090880"/>
+          </a:xfrm>
+          <a:prstGeom prst="rect">
+            <a:avLst/>
+          </a:prstGeom>
+        </p:spPr>
+        <p:txBody>
+          <a:bodyPr lIns="0" rIns="0" tIns="0" bIns="0"/>
+          <a:p>
+            <a:endParaRPr lang="en-US" sz="3200" spc="-1" strike="noStrike">
+              <a:solidFill>
+                <a:srgbClr val="000000"/>
+              </a:solidFill>
+              <a:uFill>
+                <a:solidFill>
+                  <a:srgbClr val="ffffff"/>
+                </a:solidFill>
+              </a:uFill>
+              <a:latin typeface="Arial"/>
+            </a:endParaRPr>
+          </a:p>
+        </p:txBody>
+      </p:sp>
+    </p:spTree>
+  </p:cSld>
+</p:sldLayout>
+</file>
+
+<file path=ppt/slideLayouts/slideLayout24.xml><?xml version="1.0" encoding="utf-8"?>
+<p:sldLayout xmlns:a="http://schemas.openxmlformats.org/drawingml/2006/main" xmlns:p="http://schemas.openxmlformats.org/presentationml/2006/main" xmlns:r="http://schemas.openxmlformats.org/officeDocument/2006/relationships" type="blank" preserve="1">
+  <p:cSld name="Title, 6 Content">
+    <p:spTree>
+      <p:nvGrpSpPr>
+        <p:cNvPr id="1" name=""/>
+        <p:cNvGrpSpPr/>
+        <p:nvPr/>
+      </p:nvGrpSpPr>
+      <p:grpSpPr>
+        <a:xfrm>
+          <a:off x="0" y="0"/>
+          <a:ext cx="0" cy="0"/>
+          <a:chOff x="0" y="0"/>
+          <a:chExt cx="0" cy="0"/>
+        </a:xfrm>
+      </p:grpSpPr>
+      <p:sp>
+        <p:nvSpPr>
+          <p:cNvPr id="68" name="PlaceHolder 1"/>
+          <p:cNvSpPr>
+            <a:spLocks noGrp="1"/>
+          </p:cNvSpPr>
+          <p:nvPr>
+            <p:ph type="title"/>
+          </p:nvPr>
+        </p:nvSpPr>
+        <p:spPr>
+          <a:xfrm>
+            <a:off x="504000" y="301320"/>
+            <a:ext cx="9071280" cy="1261800"/>
+          </a:xfrm>
+          <a:prstGeom prst="rect">
+            <a:avLst/>
+          </a:prstGeom>
+        </p:spPr>
+        <p:txBody>
+          <a:bodyPr lIns="0" rIns="0" tIns="0" bIns="0" anchor="ctr"/>
+          <a:p>
+            <a:pPr algn="ctr"/>
+            <a:endParaRPr lang="en-US" sz="4400" spc="-1" strike="noStrike">
+              <a:solidFill>
+                <a:srgbClr val="000000"/>
+              </a:solidFill>
+              <a:uFill>
+                <a:solidFill>
+                  <a:srgbClr val="ffffff"/>
+                </a:solidFill>
+              </a:uFill>
+              <a:latin typeface="Arial"/>
+            </a:endParaRPr>
+          </a:p>
+        </p:txBody>
+      </p:sp>
+      <p:sp>
+        <p:nvSpPr>
+          <p:cNvPr id="69" name="PlaceHolder 2"/>
+          <p:cNvSpPr>
+            <a:spLocks noGrp="1"/>
+          </p:cNvSpPr>
+          <p:nvPr>
+            <p:ph type="body"/>
+          </p:nvPr>
+        </p:nvSpPr>
+        <p:spPr>
+          <a:xfrm>
+            <a:off x="504000" y="1769040"/>
+            <a:ext cx="9071280" cy="4384080"/>
+          </a:xfrm>
+          <a:prstGeom prst="rect">
+            <a:avLst/>
+          </a:prstGeom>
+        </p:spPr>
+        <p:txBody>
+          <a:bodyPr lIns="0" rIns="0" tIns="0" bIns="0"/>
+          <a:p>
+            <a:endParaRPr lang="en-US" sz="3200" spc="-1" strike="noStrike">
+              <a:solidFill>
+                <a:srgbClr val="000000"/>
+              </a:solidFill>
+              <a:uFill>
+                <a:solidFill>
+                  <a:srgbClr val="ffffff"/>
+                </a:solidFill>
+              </a:uFill>
+              <a:latin typeface="Arial"/>
+            </a:endParaRPr>
+          </a:p>
+        </p:txBody>
+      </p:sp>
+      <p:sp>
+        <p:nvSpPr>
+          <p:cNvPr id="70" name="PlaceHolder 3"/>
+          <p:cNvSpPr>
+            <a:spLocks noGrp="1"/>
+          </p:cNvSpPr>
+          <p:nvPr>
+            <p:ph type="body"/>
+          </p:nvPr>
+        </p:nvSpPr>
+        <p:spPr>
+          <a:xfrm>
+            <a:off x="504000" y="1769040"/>
+            <a:ext cx="9071280" cy="4384080"/>
+          </a:xfrm>
+          <a:prstGeom prst="rect">
+            <a:avLst/>
+          </a:prstGeom>
+        </p:spPr>
+        <p:txBody>
+          <a:bodyPr lIns="0" rIns="0" tIns="0" bIns="0"/>
+          <a:p>
+            <a:endParaRPr lang="en-US" sz="3200" spc="-1" strike="noStrike">
+              <a:solidFill>
+                <a:srgbClr val="000000"/>
+              </a:solidFill>
+              <a:uFill>
+                <a:solidFill>
+                  <a:srgbClr val="ffffff"/>
+                </a:solidFill>
+              </a:uFill>
+              <a:latin typeface="Arial"/>
+            </a:endParaRPr>
+          </a:p>
+        </p:txBody>
+      </p:sp>
+      <p:pic>
+        <p:nvPicPr>
+          <p:cNvPr id="71" name="" descr=""/>
+          <p:cNvPicPr/>
+          <p:nvPr/>
+        </p:nvPicPr>
+        <p:blipFill>
+          <a:blip r:embed="rId2"/>
+          <a:stretch/>
+        </p:blipFill>
+        <p:spPr>
+          <a:xfrm>
+            <a:off x="2291760" y="1769040"/>
+            <a:ext cx="5495400" cy="4384080"/>
+          </a:xfrm>
+          <a:prstGeom prst="rect">
+            <a:avLst/>
+          </a:prstGeom>
+          <a:ln>
+            <a:noFill/>
+          </a:ln>
+        </p:spPr>
+      </p:pic>
+      <p:pic>
+        <p:nvPicPr>
+          <p:cNvPr id="72" name="" descr=""/>
+          <p:cNvPicPr/>
+          <p:nvPr/>
+        </p:nvPicPr>
+        <p:blipFill>
+          <a:blip r:embed="rId3"/>
+          <a:stretch/>
+        </p:blipFill>
+        <p:spPr>
+          <a:xfrm>
+            <a:off x="2291760" y="1769040"/>
+            <a:ext cx="5495400" cy="4384080"/>
+          </a:xfrm>
+          <a:prstGeom prst="rect">
+            <a:avLst/>
+          </a:prstGeom>
+          <a:ln>
+            <a:noFill/>
+          </a:ln>
+        </p:spPr>
+      </p:pic>
     </p:spTree>
   </p:cSld>
 </p:sldLayout>
@@ -679,7 +2156,7 @@
       </p:grpSpPr>
       <p:sp>
         <p:nvSpPr>
-          <p:cNvPr id="7" name="PlaceHolder 1"/>
+          <p:cNvPr id="5" name="PlaceHolder 1"/>
           <p:cNvSpPr>
             <a:spLocks noGrp="1"/>
           </p:cNvSpPr>
@@ -690,7 +2167,7 @@
         <p:spPr>
           <a:xfrm>
             <a:off x="504000" y="301320"/>
-            <a:ext cx="9071640" cy="1262160"/>
+            <a:ext cx="9071280" cy="1261800"/>
           </a:xfrm>
           <a:prstGeom prst="rect">
             <a:avLst/>
@@ -716,7 +2193,7 @@
       </p:sp>
       <p:sp>
         <p:nvSpPr>
-          <p:cNvPr id="8" name="PlaceHolder 2"/>
+          <p:cNvPr id="6" name="PlaceHolder 2"/>
           <p:cNvSpPr>
             <a:spLocks noGrp="1"/>
           </p:cNvSpPr>
@@ -727,7 +2204,7 @@
         <p:spPr>
           <a:xfrm>
             <a:off x="504000" y="1769040"/>
-            <a:ext cx="9071640" cy="4384440"/>
+            <a:ext cx="9071280" cy="4384080"/>
           </a:xfrm>
           <a:prstGeom prst="rect">
             <a:avLst/>
@@ -774,7 +2251,7 @@
       </p:grpSpPr>
       <p:sp>
         <p:nvSpPr>
-          <p:cNvPr id="9" name="PlaceHolder 1"/>
+          <p:cNvPr id="7" name="PlaceHolder 1"/>
           <p:cNvSpPr>
             <a:spLocks noGrp="1"/>
           </p:cNvSpPr>
@@ -785,7 +2262,7 @@
         <p:spPr>
           <a:xfrm>
             <a:off x="504000" y="301320"/>
-            <a:ext cx="9071640" cy="1262160"/>
+            <a:ext cx="9071280" cy="1261800"/>
           </a:xfrm>
           <a:prstGeom prst="rect">
             <a:avLst/>
@@ -811,7 +2288,7 @@
       </p:sp>
       <p:sp>
         <p:nvSpPr>
-          <p:cNvPr id="10" name="PlaceHolder 2"/>
+          <p:cNvPr id="8" name="PlaceHolder 2"/>
           <p:cNvSpPr>
             <a:spLocks noGrp="1"/>
           </p:cNvSpPr>
@@ -822,7 +2299,7 @@
         <p:spPr>
           <a:xfrm>
             <a:off x="504000" y="1769040"/>
-            <a:ext cx="4426920" cy="4384440"/>
+            <a:ext cx="4426560" cy="4384080"/>
           </a:xfrm>
           <a:prstGeom prst="rect">
             <a:avLst/>
@@ -847,7 +2324,7 @@
       </p:sp>
       <p:sp>
         <p:nvSpPr>
-          <p:cNvPr id="11" name="PlaceHolder 3"/>
+          <p:cNvPr id="9" name="PlaceHolder 3"/>
           <p:cNvSpPr>
             <a:spLocks noGrp="1"/>
           </p:cNvSpPr>
@@ -857,8 +2334,8 @@
         </p:nvSpPr>
         <p:spPr>
           <a:xfrm>
-            <a:off x="5152680" y="1769040"/>
-            <a:ext cx="4426920" cy="4384440"/>
+            <a:off x="5152320" y="1769040"/>
+            <a:ext cx="4426560" cy="4384080"/>
           </a:xfrm>
           <a:prstGeom prst="rect">
             <a:avLst/>
@@ -905,7 +2382,7 @@
       </p:grpSpPr>
       <p:sp>
         <p:nvSpPr>
-          <p:cNvPr id="12" name="PlaceHolder 1"/>
+          <p:cNvPr id="10" name="PlaceHolder 1"/>
           <p:cNvSpPr>
             <a:spLocks noGrp="1"/>
           </p:cNvSpPr>
@@ -916,7 +2393,7 @@
         <p:spPr>
           <a:xfrm>
             <a:off x="504000" y="301320"/>
-            <a:ext cx="9071640" cy="1262160"/>
+            <a:ext cx="9071280" cy="1261800"/>
           </a:xfrm>
           <a:prstGeom prst="rect">
             <a:avLst/>
@@ -964,7 +2441,7 @@
       </p:grpSpPr>
       <p:sp>
         <p:nvSpPr>
-          <p:cNvPr id="13" name="PlaceHolder 1"/>
+          <p:cNvPr id="11" name="PlaceHolder 1"/>
           <p:cNvSpPr>
             <a:spLocks noGrp="1"/>
           </p:cNvSpPr>
@@ -975,7 +2452,7 @@
         <p:spPr>
           <a:xfrm>
             <a:off x="504000" y="301320"/>
-            <a:ext cx="9071640" cy="5851800"/>
+            <a:ext cx="9071280" cy="5850360"/>
           </a:xfrm>
           <a:prstGeom prst="rect">
             <a:avLst/>
@@ -1023,7 +2500,7 @@
       </p:grpSpPr>
       <p:sp>
         <p:nvSpPr>
-          <p:cNvPr id="14" name="PlaceHolder 1"/>
+          <p:cNvPr id="12" name="PlaceHolder 1"/>
           <p:cNvSpPr>
             <a:spLocks noGrp="1"/>
           </p:cNvSpPr>
@@ -1034,7 +2511,7 @@
         <p:spPr>
           <a:xfrm>
             <a:off x="504000" y="301320"/>
-            <a:ext cx="9071640" cy="1262160"/>
+            <a:ext cx="9071280" cy="1261800"/>
           </a:xfrm>
           <a:prstGeom prst="rect">
             <a:avLst/>
@@ -1060,7 +2537,7 @@
       </p:sp>
       <p:sp>
         <p:nvSpPr>
-          <p:cNvPr id="15" name="PlaceHolder 2"/>
+          <p:cNvPr id="13" name="PlaceHolder 2"/>
           <p:cNvSpPr>
             <a:spLocks noGrp="1"/>
           </p:cNvSpPr>
@@ -1071,7 +2548,7 @@
         <p:spPr>
           <a:xfrm>
             <a:off x="504000" y="1769040"/>
-            <a:ext cx="4426920" cy="2091240"/>
+            <a:ext cx="4426560" cy="2090880"/>
           </a:xfrm>
           <a:prstGeom prst="rect">
             <a:avLst/>
@@ -1096,7 +2573,7 @@
       </p:sp>
       <p:sp>
         <p:nvSpPr>
-          <p:cNvPr id="16" name="PlaceHolder 3"/>
+          <p:cNvPr id="14" name="PlaceHolder 3"/>
           <p:cNvSpPr>
             <a:spLocks noGrp="1"/>
           </p:cNvSpPr>
@@ -1106,8 +2583,8 @@
         </p:nvSpPr>
         <p:spPr>
           <a:xfrm>
-            <a:off x="504000" y="4059360"/>
-            <a:ext cx="4426920" cy="2091240"/>
+            <a:off x="504000" y="4059000"/>
+            <a:ext cx="4426560" cy="2090880"/>
           </a:xfrm>
           <a:prstGeom prst="rect">
             <a:avLst/>
@@ -1132,7 +2609,7 @@
       </p:sp>
       <p:sp>
         <p:nvSpPr>
-          <p:cNvPr id="17" name="PlaceHolder 4"/>
+          <p:cNvPr id="15" name="PlaceHolder 4"/>
           <p:cNvSpPr>
             <a:spLocks noGrp="1"/>
           </p:cNvSpPr>
@@ -1142,8 +2619,8 @@
         </p:nvSpPr>
         <p:spPr>
           <a:xfrm>
-            <a:off x="5152680" y="1769040"/>
-            <a:ext cx="4426920" cy="4384440"/>
+            <a:off x="5152320" y="1769040"/>
+            <a:ext cx="4426560" cy="4384080"/>
           </a:xfrm>
           <a:prstGeom prst="rect">
             <a:avLst/>
@@ -1190,7 +2667,7 @@
       </p:grpSpPr>
       <p:sp>
         <p:nvSpPr>
-          <p:cNvPr id="18" name="PlaceHolder 1"/>
+          <p:cNvPr id="16" name="PlaceHolder 1"/>
           <p:cNvSpPr>
             <a:spLocks noGrp="1"/>
           </p:cNvSpPr>
@@ -1201,7 +2678,7 @@
         <p:spPr>
           <a:xfrm>
             <a:off x="504000" y="301320"/>
-            <a:ext cx="9071640" cy="1262160"/>
+            <a:ext cx="9071280" cy="1261800"/>
           </a:xfrm>
           <a:prstGeom prst="rect">
             <a:avLst/>
@@ -1227,7 +2704,7 @@
       </p:sp>
       <p:sp>
         <p:nvSpPr>
-          <p:cNvPr id="19" name="PlaceHolder 2"/>
+          <p:cNvPr id="17" name="PlaceHolder 2"/>
           <p:cNvSpPr>
             <a:spLocks noGrp="1"/>
           </p:cNvSpPr>
@@ -1238,7 +2715,7 @@
         <p:spPr>
           <a:xfrm>
             <a:off x="504000" y="1769040"/>
-            <a:ext cx="4426920" cy="4384440"/>
+            <a:ext cx="4426560" cy="4384080"/>
           </a:xfrm>
           <a:prstGeom prst="rect">
             <a:avLst/>
@@ -1263,7 +2740,7 @@
       </p:sp>
       <p:sp>
         <p:nvSpPr>
-          <p:cNvPr id="20" name="PlaceHolder 3"/>
+          <p:cNvPr id="18" name="PlaceHolder 3"/>
           <p:cNvSpPr>
             <a:spLocks noGrp="1"/>
           </p:cNvSpPr>
@@ -1273,8 +2750,8 @@
         </p:nvSpPr>
         <p:spPr>
           <a:xfrm>
-            <a:off x="5152680" y="1769040"/>
-            <a:ext cx="4426920" cy="2091240"/>
+            <a:off x="5152320" y="1769040"/>
+            <a:ext cx="4426560" cy="2090880"/>
           </a:xfrm>
           <a:prstGeom prst="rect">
             <a:avLst/>
@@ -1299,7 +2776,7 @@
       </p:sp>
       <p:sp>
         <p:nvSpPr>
-          <p:cNvPr id="21" name="PlaceHolder 4"/>
+          <p:cNvPr id="19" name="PlaceHolder 4"/>
           <p:cNvSpPr>
             <a:spLocks noGrp="1"/>
           </p:cNvSpPr>
@@ -1309,8 +2786,8 @@
         </p:nvSpPr>
         <p:spPr>
           <a:xfrm>
-            <a:off x="5152680" y="4059360"/>
-            <a:ext cx="4426920" cy="2091240"/>
+            <a:off x="5152320" y="4059000"/>
+            <a:ext cx="4426560" cy="2090880"/>
           </a:xfrm>
           <a:prstGeom prst="rect">
             <a:avLst/>
@@ -1357,7 +2834,7 @@
       </p:grpSpPr>
       <p:sp>
         <p:nvSpPr>
-          <p:cNvPr id="22" name="PlaceHolder 1"/>
+          <p:cNvPr id="20" name="PlaceHolder 1"/>
           <p:cNvSpPr>
             <a:spLocks noGrp="1"/>
           </p:cNvSpPr>
@@ -1368,7 +2845,7 @@
         <p:spPr>
           <a:xfrm>
             <a:off x="504000" y="301320"/>
-            <a:ext cx="9071640" cy="1262160"/>
+            <a:ext cx="9071280" cy="1261800"/>
           </a:xfrm>
           <a:prstGeom prst="rect">
             <a:avLst/>
@@ -1394,7 +2871,7 @@
       </p:sp>
       <p:sp>
         <p:nvSpPr>
-          <p:cNvPr id="23" name="PlaceHolder 2"/>
+          <p:cNvPr id="21" name="PlaceHolder 2"/>
           <p:cNvSpPr>
             <a:spLocks noGrp="1"/>
           </p:cNvSpPr>
@@ -1405,7 +2882,7 @@
         <p:spPr>
           <a:xfrm>
             <a:off x="504000" y="1769040"/>
-            <a:ext cx="4426920" cy="2091240"/>
+            <a:ext cx="4426560" cy="2090880"/>
           </a:xfrm>
           <a:prstGeom prst="rect">
             <a:avLst/>
@@ -1430,7 +2907,7 @@
       </p:sp>
       <p:sp>
         <p:nvSpPr>
-          <p:cNvPr id="24" name="PlaceHolder 3"/>
+          <p:cNvPr id="22" name="PlaceHolder 3"/>
           <p:cNvSpPr>
             <a:spLocks noGrp="1"/>
           </p:cNvSpPr>
@@ -1440,8 +2917,8 @@
         </p:nvSpPr>
         <p:spPr>
           <a:xfrm>
-            <a:off x="5152680" y="1769040"/>
-            <a:ext cx="4426920" cy="2091240"/>
+            <a:off x="5152320" y="1769040"/>
+            <a:ext cx="4426560" cy="2090880"/>
           </a:xfrm>
           <a:prstGeom prst="rect">
             <a:avLst/>
@@ -1466,7 +2943,7 @@
       </p:sp>
       <p:sp>
         <p:nvSpPr>
-          <p:cNvPr id="25" name="PlaceHolder 4"/>
+          <p:cNvPr id="23" name="PlaceHolder 4"/>
           <p:cNvSpPr>
             <a:spLocks noGrp="1"/>
           </p:cNvSpPr>
@@ -1476,8 +2953,8 @@
         </p:nvSpPr>
         <p:spPr>
           <a:xfrm>
-            <a:off x="504000" y="4059360"/>
-            <a:ext cx="9071640" cy="2091240"/>
+            <a:off x="504000" y="4059000"/>
+            <a:ext cx="9071280" cy="2090880"/>
           </a:xfrm>
           <a:prstGeom prst="rect">
             <a:avLst/>
@@ -1535,7 +3012,7 @@
         <p:spPr>
           <a:xfrm>
             <a:off x="504000" y="301320"/>
-            <a:ext cx="9071640" cy="1262160"/>
+            <a:ext cx="9071280" cy="1261800"/>
           </a:xfrm>
           <a:prstGeom prst="rect">
             <a:avLst/>
@@ -1545,20 +3022,6 @@
           <a:bodyPr lIns="0" rIns="0" tIns="0" bIns="0" anchor="ctr"/>
           <a:p>
             <a:pPr algn="ctr"/>
-            <a:r>
-              <a:rPr lang="en-US" sz="4400" spc="-1" strike="noStrike">
-                <a:solidFill>
-                  <a:srgbClr val="000000"/>
-                </a:solidFill>
-                <a:uFill>
-                  <a:solidFill>
-                    <a:srgbClr val="ffffff"/>
-                  </a:solidFill>
-                </a:uFill>
-                <a:latin typeface="Arial"/>
-              </a:rPr>
-              <a:t>Click to edit the title text format</a:t>
-            </a:r>
             <a:endParaRPr lang="en-US" sz="4400" spc="-1" strike="noStrike">
               <a:solidFill>
                 <a:srgbClr val="000000"/>
@@ -1576,6 +3039,43 @@
       <p:sp>
         <p:nvSpPr>
           <p:cNvPr id="1" name="PlaceHolder 2"/>
+          <p:cNvSpPr>
+            <a:spLocks noGrp="1"/>
+          </p:cNvSpPr>
+          <p:nvPr>
+            <p:ph type="subTitle"/>
+          </p:nvPr>
+        </p:nvSpPr>
+        <p:spPr>
+          <a:xfrm>
+            <a:off x="504000" y="1769040"/>
+            <a:ext cx="9071280" cy="4384080"/>
+          </a:xfrm>
+          <a:prstGeom prst="rect">
+            <a:avLst/>
+          </a:prstGeom>
+        </p:spPr>
+        <p:txBody>
+          <a:bodyPr lIns="0" rIns="0" tIns="0" bIns="0" anchor="ctr"/>
+          <a:p>
+            <a:pPr algn="ctr"/>
+            <a:endParaRPr lang="en-US" sz="3200" spc="-1" strike="noStrike">
+              <a:solidFill>
+                <a:srgbClr val="000000"/>
+              </a:solidFill>
+              <a:uFill>
+                <a:solidFill>
+                  <a:srgbClr val="ffffff"/>
+                </a:solidFill>
+              </a:uFill>
+              <a:latin typeface="Arial"/>
+            </a:endParaRPr>
+          </a:p>
+        </p:txBody>
+      </p:sp>
+      <p:sp>
+        <p:nvSpPr>
+          <p:cNvPr id="2" name="PlaceHolder 3"/>
           <p:cNvSpPr>
             <a:spLocks noGrp="1"/>
           </p:cNvSpPr>
@@ -1585,8 +3085,8 @@
         </p:nvSpPr>
         <p:spPr>
           <a:xfrm>
-            <a:off x="504000" y="1769040"/>
-            <a:ext cx="9071640" cy="4384440"/>
+            <a:off x="504000" y="1768680"/>
+            <a:ext cx="9072000" cy="4384080"/>
           </a:xfrm>
           <a:prstGeom prst="rect">
             <a:avLst/>
@@ -1837,158 +3337,6 @@
                 </a:solidFill>
               </a:uFill>
               <a:latin typeface="Arial"/>
-            </a:endParaRPr>
-          </a:p>
-        </p:txBody>
-      </p:sp>
-      <p:sp>
-        <p:nvSpPr>
-          <p:cNvPr id="2" name="PlaceHolder 3"/>
-          <p:cNvSpPr>
-            <a:spLocks noGrp="1"/>
-          </p:cNvSpPr>
-          <p:nvPr>
-            <p:ph type="dt"/>
-          </p:nvPr>
-        </p:nvSpPr>
-        <p:spPr>
-          <a:xfrm>
-            <a:off x="504000" y="6887160"/>
-            <a:ext cx="2348280" cy="521280"/>
-          </a:xfrm>
-          <a:prstGeom prst="rect">
-            <a:avLst/>
-          </a:prstGeom>
-        </p:spPr>
-        <p:txBody>
-          <a:bodyPr lIns="0" rIns="0" tIns="0" bIns="0"/>
-          <a:p>
-            <a:r>
-              <a:rPr lang="en-US" sz="1400" spc="-1" strike="noStrike">
-                <a:solidFill>
-                  <a:srgbClr val="000000"/>
-                </a:solidFill>
-                <a:uFill>
-                  <a:solidFill>
-                    <a:srgbClr val="ffffff"/>
-                  </a:solidFill>
-                </a:uFill>
-                <a:latin typeface="Times New Roman"/>
-              </a:rPr>
-              <a:t>&lt;date/time&gt;</a:t>
-            </a:r>
-            <a:endParaRPr lang="en-US" sz="1400" spc="-1" strike="noStrike">
-              <a:solidFill>
-                <a:srgbClr val="000000"/>
-              </a:solidFill>
-              <a:uFill>
-                <a:solidFill>
-                  <a:srgbClr val="ffffff"/>
-                </a:solidFill>
-              </a:uFill>
-              <a:latin typeface="Times New Roman"/>
-            </a:endParaRPr>
-          </a:p>
-        </p:txBody>
-      </p:sp>
-      <p:sp>
-        <p:nvSpPr>
-          <p:cNvPr id="3" name="PlaceHolder 4"/>
-          <p:cNvSpPr>
-            <a:spLocks noGrp="1"/>
-          </p:cNvSpPr>
-          <p:nvPr>
-            <p:ph type="ftr"/>
-          </p:nvPr>
-        </p:nvSpPr>
-        <p:spPr>
-          <a:xfrm>
-            <a:off x="3447360" y="6887160"/>
-            <a:ext cx="3195000" cy="521280"/>
-          </a:xfrm>
-          <a:prstGeom prst="rect">
-            <a:avLst/>
-          </a:prstGeom>
-        </p:spPr>
-        <p:txBody>
-          <a:bodyPr lIns="0" rIns="0" tIns="0" bIns="0"/>
-          <a:p>
-            <a:pPr algn="ctr"/>
-            <a:r>
-              <a:rPr lang="en-US" sz="1400" spc="-1" strike="noStrike">
-                <a:solidFill>
-                  <a:srgbClr val="000000"/>
-                </a:solidFill>
-                <a:uFill>
-                  <a:solidFill>
-                    <a:srgbClr val="ffffff"/>
-                  </a:solidFill>
-                </a:uFill>
-                <a:latin typeface="Times New Roman"/>
-              </a:rPr>
-              <a:t>&lt;footer&gt;</a:t>
-            </a:r>
-            <a:endParaRPr lang="en-US" sz="1400" spc="-1" strike="noStrike">
-              <a:solidFill>
-                <a:srgbClr val="000000"/>
-              </a:solidFill>
-              <a:uFill>
-                <a:solidFill>
-                  <a:srgbClr val="ffffff"/>
-                </a:solidFill>
-              </a:uFill>
-              <a:latin typeface="Times New Roman"/>
-            </a:endParaRPr>
-          </a:p>
-        </p:txBody>
-      </p:sp>
-      <p:sp>
-        <p:nvSpPr>
-          <p:cNvPr id="4" name="PlaceHolder 5"/>
-          <p:cNvSpPr>
-            <a:spLocks noGrp="1"/>
-          </p:cNvSpPr>
-          <p:nvPr>
-            <p:ph type="sldNum"/>
-          </p:nvPr>
-        </p:nvSpPr>
-        <p:spPr>
-          <a:xfrm>
-            <a:off x="7227360" y="6887160"/>
-            <a:ext cx="2348280" cy="521280"/>
-          </a:xfrm>
-          <a:prstGeom prst="rect">
-            <a:avLst/>
-          </a:prstGeom>
-        </p:spPr>
-        <p:txBody>
-          <a:bodyPr lIns="0" rIns="0" tIns="0" bIns="0"/>
-          <a:p>
-            <a:pPr algn="r"/>
-            <a:fld id="{21C4FE0B-9AAC-411F-84C8-CC684320E5DB}" type="slidenum">
-              <a:rPr lang="en-US" sz="1400" spc="-1" strike="noStrike">
-                <a:solidFill>
-                  <a:srgbClr val="000000"/>
-                </a:solidFill>
-                <a:uFill>
-                  <a:solidFill>
-                    <a:srgbClr val="ffffff"/>
-                  </a:solidFill>
-                </a:uFill>
-                <a:latin typeface="Times New Roman"/>
-              </a:rPr>
-              <a:t>&lt;number&gt;</a:t>
-            </a:fld>
-            <a:endParaRPr lang="en-US" sz="1400" spc="-1" strike="noStrike">
-              <a:solidFill>
-                <a:srgbClr val="000000"/>
-              </a:solidFill>
-              <a:uFill>
-                <a:solidFill>
-                  <a:srgbClr val="ffffff"/>
-                </a:solidFill>
-              </a:uFill>
-              <a:latin typeface="Times New Roman"/>
             </a:endParaRPr>
           </a:p>
         </p:txBody>
@@ -2009,6 +3357,348 @@
     <p:sldLayoutId id="2147483658" r:id="rId11"/>
     <p:sldLayoutId id="2147483659" r:id="rId12"/>
     <p:sldLayoutId id="2147483660" r:id="rId13"/>
+  </p:sldLayoutIdLst>
+</p:sldMaster>
+</file>
+
+<file path=ppt/slideMasters/slideMaster2.xml><?xml version="1.0" encoding="utf-8"?>
+<p:sldMaster xmlns:a="http://schemas.openxmlformats.org/drawingml/2006/main" xmlns:p="http://schemas.openxmlformats.org/presentationml/2006/main" xmlns:r="http://schemas.openxmlformats.org/officeDocument/2006/relationships">
+  <p:cSld>
+    <p:spTree>
+      <p:nvGrpSpPr>
+        <p:cNvPr id="1" name=""/>
+        <p:cNvGrpSpPr/>
+        <p:nvPr/>
+      </p:nvGrpSpPr>
+      <p:grpSpPr>
+        <a:xfrm>
+          <a:off x="0" y="0"/>
+          <a:ext cx="0" cy="0"/>
+          <a:chOff x="0" y="0"/>
+          <a:chExt cx="0" cy="0"/>
+        </a:xfrm>
+      </p:grpSpPr>
+      <p:sp>
+        <p:nvSpPr>
+          <p:cNvPr id="37" name="PlaceHolder 1"/>
+          <p:cNvSpPr>
+            <a:spLocks noGrp="1"/>
+          </p:cNvSpPr>
+          <p:nvPr>
+            <p:ph type="title"/>
+          </p:nvPr>
+        </p:nvSpPr>
+        <p:spPr>
+          <a:xfrm>
+            <a:off x="504000" y="301320"/>
+            <a:ext cx="9071280" cy="1261800"/>
+          </a:xfrm>
+          <a:prstGeom prst="rect">
+            <a:avLst/>
+          </a:prstGeom>
+        </p:spPr>
+        <p:txBody>
+          <a:bodyPr lIns="0" rIns="0" tIns="0" bIns="0" anchor="ctr"/>
+          <a:p>
+            <a:pPr algn="ctr"/>
+            <a:endParaRPr lang="en-US" sz="4400" spc="-1" strike="noStrike">
+              <a:solidFill>
+                <a:srgbClr val="000000"/>
+              </a:solidFill>
+              <a:uFill>
+                <a:solidFill>
+                  <a:srgbClr val="ffffff"/>
+                </a:solidFill>
+              </a:uFill>
+              <a:latin typeface="Arial"/>
+            </a:endParaRPr>
+          </a:p>
+        </p:txBody>
+      </p:sp>
+      <p:sp>
+        <p:nvSpPr>
+          <p:cNvPr id="38" name="PlaceHolder 2"/>
+          <p:cNvSpPr>
+            <a:spLocks noGrp="1"/>
+          </p:cNvSpPr>
+          <p:nvPr>
+            <p:ph type="body"/>
+          </p:nvPr>
+        </p:nvSpPr>
+        <p:spPr>
+          <a:xfrm>
+            <a:off x="504000" y="1769040"/>
+            <a:ext cx="9071280" cy="4384080"/>
+          </a:xfrm>
+          <a:prstGeom prst="rect">
+            <a:avLst/>
+          </a:prstGeom>
+        </p:spPr>
+        <p:txBody>
+          <a:bodyPr lIns="0" rIns="0" tIns="0" bIns="0"/>
+          <a:p>
+            <a:pPr marL="432000" indent="-324000">
+              <a:buClr>
+                <a:srgbClr val="000000"/>
+              </a:buClr>
+              <a:buSzPct val="45000"/>
+              <a:buFont typeface="Wingdings" charset="2"/>
+              <a:buChar char=""/>
+            </a:pPr>
+            <a:r>
+              <a:rPr lang="en-US" sz="1800" spc="-1" strike="noStrike">
+                <a:solidFill>
+                  <a:srgbClr val="000000"/>
+                </a:solidFill>
+                <a:uFill>
+                  <a:solidFill>
+                    <a:srgbClr val="ffffff"/>
+                  </a:solidFill>
+                </a:uFill>
+                <a:latin typeface="Arial"/>
+              </a:rPr>
+              <a:t>Click to edit the outline text format</a:t>
+            </a:r>
+            <a:endParaRPr lang="en-US" sz="1800" spc="-1" strike="noStrike">
+              <a:solidFill>
+                <a:srgbClr val="000000"/>
+              </a:solidFill>
+              <a:uFill>
+                <a:solidFill>
+                  <a:srgbClr val="ffffff"/>
+                </a:solidFill>
+              </a:uFill>
+              <a:latin typeface="Arial"/>
+            </a:endParaRPr>
+          </a:p>
+          <a:p>
+            <a:pPr lvl="1" marL="864000" indent="-324000">
+              <a:buClr>
+                <a:srgbClr val="000000"/>
+              </a:buClr>
+              <a:buSzPct val="75000"/>
+              <a:buFont typeface="Symbol" charset="2"/>
+              <a:buChar char=""/>
+            </a:pPr>
+            <a:r>
+              <a:rPr lang="en-US" sz="1800" spc="-1" strike="noStrike">
+                <a:solidFill>
+                  <a:srgbClr val="000000"/>
+                </a:solidFill>
+                <a:uFill>
+                  <a:solidFill>
+                    <a:srgbClr val="ffffff"/>
+                  </a:solidFill>
+                </a:uFill>
+                <a:latin typeface="Arial"/>
+              </a:rPr>
+              <a:t>Second Outline Level</a:t>
+            </a:r>
+            <a:endParaRPr lang="en-US" sz="1800" spc="-1" strike="noStrike">
+              <a:solidFill>
+                <a:srgbClr val="000000"/>
+              </a:solidFill>
+              <a:uFill>
+                <a:solidFill>
+                  <a:srgbClr val="ffffff"/>
+                </a:solidFill>
+              </a:uFill>
+              <a:latin typeface="Arial"/>
+            </a:endParaRPr>
+          </a:p>
+          <a:p>
+            <a:pPr lvl="2" marL="1296000" indent="-288000">
+              <a:buClr>
+                <a:srgbClr val="000000"/>
+              </a:buClr>
+              <a:buSzPct val="45000"/>
+              <a:buFont typeface="Wingdings" charset="2"/>
+              <a:buChar char=""/>
+            </a:pPr>
+            <a:r>
+              <a:rPr lang="en-US" sz="1800" spc="-1" strike="noStrike">
+                <a:solidFill>
+                  <a:srgbClr val="000000"/>
+                </a:solidFill>
+                <a:uFill>
+                  <a:solidFill>
+                    <a:srgbClr val="ffffff"/>
+                  </a:solidFill>
+                </a:uFill>
+                <a:latin typeface="Arial"/>
+              </a:rPr>
+              <a:t>Third Outline Level</a:t>
+            </a:r>
+            <a:endParaRPr lang="en-US" sz="1800" spc="-1" strike="noStrike">
+              <a:solidFill>
+                <a:srgbClr val="000000"/>
+              </a:solidFill>
+              <a:uFill>
+                <a:solidFill>
+                  <a:srgbClr val="ffffff"/>
+                </a:solidFill>
+              </a:uFill>
+              <a:latin typeface="Arial"/>
+            </a:endParaRPr>
+          </a:p>
+          <a:p>
+            <a:pPr lvl="3" marL="1728000" indent="-216000">
+              <a:buClr>
+                <a:srgbClr val="000000"/>
+              </a:buClr>
+              <a:buSzPct val="75000"/>
+              <a:buFont typeface="Symbol" charset="2"/>
+              <a:buChar char=""/>
+            </a:pPr>
+            <a:r>
+              <a:rPr lang="en-US" sz="1800" spc="-1" strike="noStrike">
+                <a:solidFill>
+                  <a:srgbClr val="000000"/>
+                </a:solidFill>
+                <a:uFill>
+                  <a:solidFill>
+                    <a:srgbClr val="ffffff"/>
+                  </a:solidFill>
+                </a:uFill>
+                <a:latin typeface="Arial"/>
+              </a:rPr>
+              <a:t>Fourth Outline Level</a:t>
+            </a:r>
+            <a:endParaRPr lang="en-US" sz="1800" spc="-1" strike="noStrike">
+              <a:solidFill>
+                <a:srgbClr val="000000"/>
+              </a:solidFill>
+              <a:uFill>
+                <a:solidFill>
+                  <a:srgbClr val="ffffff"/>
+                </a:solidFill>
+              </a:uFill>
+              <a:latin typeface="Arial"/>
+            </a:endParaRPr>
+          </a:p>
+          <a:p>
+            <a:pPr lvl="4" marL="2160000" indent="-216000">
+              <a:buClr>
+                <a:srgbClr val="000000"/>
+              </a:buClr>
+              <a:buSzPct val="45000"/>
+              <a:buFont typeface="Wingdings" charset="2"/>
+              <a:buChar char=""/>
+            </a:pPr>
+            <a:r>
+              <a:rPr lang="en-US" sz="1800" spc="-1" strike="noStrike">
+                <a:solidFill>
+                  <a:srgbClr val="000000"/>
+                </a:solidFill>
+                <a:uFill>
+                  <a:solidFill>
+                    <a:srgbClr val="ffffff"/>
+                  </a:solidFill>
+                </a:uFill>
+                <a:latin typeface="Arial"/>
+              </a:rPr>
+              <a:t>Fifth Outline Level</a:t>
+            </a:r>
+            <a:endParaRPr lang="en-US" sz="1800" spc="-1" strike="noStrike">
+              <a:solidFill>
+                <a:srgbClr val="000000"/>
+              </a:solidFill>
+              <a:uFill>
+                <a:solidFill>
+                  <a:srgbClr val="ffffff"/>
+                </a:solidFill>
+              </a:uFill>
+              <a:latin typeface="Arial"/>
+            </a:endParaRPr>
+          </a:p>
+          <a:p>
+            <a:pPr lvl="5" marL="2592000" indent="-216000">
+              <a:buClr>
+                <a:srgbClr val="000000"/>
+              </a:buClr>
+              <a:buSzPct val="45000"/>
+              <a:buFont typeface="Wingdings" charset="2"/>
+              <a:buChar char=""/>
+            </a:pPr>
+            <a:r>
+              <a:rPr lang="en-US" sz="1800" spc="-1" strike="noStrike">
+                <a:solidFill>
+                  <a:srgbClr val="000000"/>
+                </a:solidFill>
+                <a:uFill>
+                  <a:solidFill>
+                    <a:srgbClr val="ffffff"/>
+                  </a:solidFill>
+                </a:uFill>
+                <a:latin typeface="Arial"/>
+              </a:rPr>
+              <a:t>Sixth Outline Level</a:t>
+            </a:r>
+            <a:endParaRPr lang="en-US" sz="1800" spc="-1" strike="noStrike">
+              <a:solidFill>
+                <a:srgbClr val="000000"/>
+              </a:solidFill>
+              <a:uFill>
+                <a:solidFill>
+                  <a:srgbClr val="ffffff"/>
+                </a:solidFill>
+              </a:uFill>
+              <a:latin typeface="Arial"/>
+            </a:endParaRPr>
+          </a:p>
+          <a:p>
+            <a:pPr lvl="6" marL="3024000" indent="-216000">
+              <a:buClr>
+                <a:srgbClr val="000000"/>
+              </a:buClr>
+              <a:buSzPct val="45000"/>
+              <a:buFont typeface="Wingdings" charset="2"/>
+              <a:buChar char=""/>
+            </a:pPr>
+            <a:r>
+              <a:rPr lang="en-US" sz="1800" spc="-1" strike="noStrike">
+                <a:solidFill>
+                  <a:srgbClr val="000000"/>
+                </a:solidFill>
+                <a:uFill>
+                  <a:solidFill>
+                    <a:srgbClr val="ffffff"/>
+                  </a:solidFill>
+                </a:uFill>
+                <a:latin typeface="Arial"/>
+              </a:rPr>
+              <a:t>Seventh Outline Level</a:t>
+            </a:r>
+            <a:endParaRPr lang="en-US" sz="1800" spc="-1" strike="noStrike">
+              <a:solidFill>
+                <a:srgbClr val="000000"/>
+              </a:solidFill>
+              <a:uFill>
+                <a:solidFill>
+                  <a:srgbClr val="ffffff"/>
+                </a:solidFill>
+              </a:uFill>
+              <a:latin typeface="Arial"/>
+            </a:endParaRPr>
+          </a:p>
+        </p:txBody>
+      </p:sp>
+    </p:spTree>
+  </p:cSld>
+  <p:clrMap bg1="lt1" bg2="lt2" tx1="dk1" tx2="dk2" accent1="accent1" accent2="accent2" accent3="accent3" accent4="accent4" accent5="accent5" accent6="accent6" hlink="hlink" folHlink="folHlink"/>
+  <p:sldLayoutIdLst>
+    <p:sldLayoutId id="2147483662" r:id="rId2"/>
+    <p:sldLayoutId id="2147483663" r:id="rId3"/>
+    <p:sldLayoutId id="2147483664" r:id="rId4"/>
+    <p:sldLayoutId id="2147483665" r:id="rId5"/>
+    <p:sldLayoutId id="2147483666" r:id="rId6"/>
+    <p:sldLayoutId id="2147483667" r:id="rId7"/>
+    <p:sldLayoutId id="2147483668" r:id="rId8"/>
+    <p:sldLayoutId id="2147483669" r:id="rId9"/>
+    <p:sldLayoutId id="2147483670" r:id="rId10"/>
+    <p:sldLayoutId id="2147483671" r:id="rId11"/>
+    <p:sldLayoutId id="2147483672" r:id="rId12"/>
+    <p:sldLayoutId id="2147483673" r:id="rId13"/>
   </p:sldLayoutIdLst>
 </p:sldMaster>
 </file>
@@ -2032,14 +3722,14 @@
       </p:grpSpPr>
       <p:sp>
         <p:nvSpPr>
-          <p:cNvPr id="39" name="TextShape 1"/>
-          <p:cNvSpPr txBox="1"/>
+          <p:cNvPr id="73" name="CustomShape 1"/>
+          <p:cNvSpPr/>
           <p:nvPr/>
         </p:nvSpPr>
         <p:spPr>
           <a:xfrm>
             <a:off x="504000" y="619560"/>
-            <a:ext cx="9071640" cy="625320"/>
+            <a:ext cx="9071280" cy="624960"/>
           </a:xfrm>
           <a:prstGeom prst="rect">
             <a:avLst/>
@@ -2049,10 +3739,20 @@
             <a:noFill/>
           </a:ln>
         </p:spPr>
+        <p:style>
+          <a:lnRef idx="0"/>
+          <a:fillRef idx="0"/>
+          <a:effectRef idx="0"/>
+          <a:fontRef idx="minor"/>
+        </p:style>
         <p:txBody>
           <a:bodyPr lIns="0" rIns="0" tIns="0" bIns="0" anchor="ctr"/>
           <a:p>
-            <a:pPr algn="ctr"/>
+            <a:pPr algn="ctr">
+              <a:lnSpc>
+                <a:spcPct val="100000"/>
+              </a:lnSpc>
+            </a:pPr>
             <a:r>
               <a:rPr lang="en-US" sz="4400" spc="-1" strike="noStrike">
                 <a:solidFill>
@@ -2067,30 +3767,30 @@
               </a:rPr>
               <a:t>Introduction to Rust</a:t>
             </a:r>
-            <a:endParaRPr lang="en-US" sz="4400" spc="-1" strike="noStrike">
-              <a:solidFill>
-                <a:srgbClr val="000000"/>
-              </a:solidFill>
-              <a:uFill>
-                <a:solidFill>
-                  <a:srgbClr val="ffffff"/>
-                </a:solidFill>
-              </a:uFill>
-              <a:latin typeface="Arial"/>
-            </a:endParaRPr>
-          </a:p>
-        </p:txBody>
-      </p:sp>
-      <p:sp>
-        <p:nvSpPr>
-          <p:cNvPr id="40" name="TextShape 2"/>
-          <p:cNvSpPr txBox="1"/>
+            <a:endParaRPr lang="en-US" sz="1800" spc="-1" strike="noStrike">
+              <a:solidFill>
+                <a:srgbClr val="000000"/>
+              </a:solidFill>
+              <a:uFill>
+                <a:solidFill>
+                  <a:srgbClr val="ffffff"/>
+                </a:solidFill>
+              </a:uFill>
+              <a:latin typeface="Arial"/>
+            </a:endParaRPr>
+          </a:p>
+        </p:txBody>
+      </p:sp>
+      <p:sp>
+        <p:nvSpPr>
+          <p:cNvPr id="74" name="CustomShape 2"/>
+          <p:cNvSpPr/>
           <p:nvPr/>
         </p:nvSpPr>
         <p:spPr>
           <a:xfrm>
             <a:off x="504000" y="1769040"/>
-            <a:ext cx="9071640" cy="4384440"/>
+            <a:ext cx="9071280" cy="4384080"/>
           </a:xfrm>
           <a:prstGeom prst="rect">
             <a:avLst/>
@@ -2100,10 +3800,20 @@
             <a:noFill/>
           </a:ln>
         </p:spPr>
+        <p:style>
+          <a:lnRef idx="0"/>
+          <a:fillRef idx="0"/>
+          <a:effectRef idx="0"/>
+          <a:fontRef idx="minor"/>
+        </p:style>
         <p:txBody>
           <a:bodyPr lIns="0" rIns="0" tIns="0" bIns="0" anchor="ctr"/>
           <a:p>
-            <a:pPr algn="ctr"/>
+            <a:pPr algn="ctr">
+              <a:lnSpc>
+                <a:spcPct val="100000"/>
+              </a:lnSpc>
+            </a:pPr>
             <a:r>
               <a:rPr lang="en-US" sz="3200" spc="-1" strike="noStrike">
                 <a:solidFill>
@@ -2118,24 +3828,28 @@
               </a:rPr>
               <a:t>International Technology Ventures, Inc.</a:t>
             </a:r>
-            <a:endParaRPr lang="en-US" sz="3200" spc="-1" strike="noStrike">
-              <a:solidFill>
-                <a:srgbClr val="000000"/>
-              </a:solidFill>
-              <a:uFill>
-                <a:solidFill>
-                  <a:srgbClr val="ffffff"/>
-                </a:solidFill>
-              </a:uFill>
-              <a:latin typeface="Arial"/>
-            </a:endParaRPr>
-          </a:p>
-          <a:p>
-            <a:pPr algn="ctr"/>
+            <a:endParaRPr lang="en-US" sz="1800" spc="-1" strike="noStrike">
+              <a:solidFill>
+                <a:srgbClr val="000000"/>
+              </a:solidFill>
+              <a:uFill>
+                <a:solidFill>
+                  <a:srgbClr val="ffffff"/>
+                </a:solidFill>
+              </a:uFill>
+              <a:latin typeface="Arial"/>
+            </a:endParaRPr>
+          </a:p>
+          <a:p>
+            <a:pPr algn="ctr">
+              <a:lnSpc>
+                <a:spcPct val="100000"/>
+              </a:lnSpc>
+            </a:pPr>
             <a:r>
-              <a:rPr lang="en-US" sz="3200" spc="-1" strike="noStrike">
-                <a:solidFill>
-                  <a:srgbClr val="000000"/>
+              <a:rPr lang="en-US" sz="3200" spc="-1" strike="noStrike" u="sng">
+                <a:solidFill>
+                  <a:srgbClr val="0000ff"/>
                 </a:solidFill>
                 <a:uFill>
                   <a:solidFill>
@@ -2161,34 +3875,42 @@
               </a:rPr>
               <a:t> </a:t>
             </a:r>
-            <a:endParaRPr lang="en-US" sz="3200" spc="-1" strike="noStrike">
-              <a:solidFill>
-                <a:srgbClr val="000000"/>
-              </a:solidFill>
-              <a:uFill>
-                <a:solidFill>
-                  <a:srgbClr val="ffffff"/>
-                </a:solidFill>
-              </a:uFill>
-              <a:latin typeface="Arial"/>
-            </a:endParaRPr>
-          </a:p>
-          <a:p>
-            <a:pPr algn="ctr"/>
-            <a:endParaRPr lang="en-US" sz="3200" spc="-1" strike="noStrike">
-              <a:solidFill>
-                <a:srgbClr val="000000"/>
-              </a:solidFill>
-              <a:uFill>
-                <a:solidFill>
-                  <a:srgbClr val="ffffff"/>
-                </a:solidFill>
-              </a:uFill>
-              <a:latin typeface="Arial"/>
-            </a:endParaRPr>
-          </a:p>
-          <a:p>
-            <a:pPr algn="ctr"/>
+            <a:endParaRPr lang="en-US" sz="1800" spc="-1" strike="noStrike">
+              <a:solidFill>
+                <a:srgbClr val="000000"/>
+              </a:solidFill>
+              <a:uFill>
+                <a:solidFill>
+                  <a:srgbClr val="ffffff"/>
+                </a:solidFill>
+              </a:uFill>
+              <a:latin typeface="Arial"/>
+            </a:endParaRPr>
+          </a:p>
+          <a:p>
+            <a:pPr algn="ctr">
+              <a:lnSpc>
+                <a:spcPct val="100000"/>
+              </a:lnSpc>
+            </a:pPr>
+            <a:endParaRPr lang="en-US" sz="1800" spc="-1" strike="noStrike">
+              <a:solidFill>
+                <a:srgbClr val="000000"/>
+              </a:solidFill>
+              <a:uFill>
+                <a:solidFill>
+                  <a:srgbClr val="ffffff"/>
+                </a:solidFill>
+              </a:uFill>
+              <a:latin typeface="Arial"/>
+            </a:endParaRPr>
+          </a:p>
+          <a:p>
+            <a:pPr algn="ctr">
+              <a:lnSpc>
+                <a:spcPct val="100000"/>
+              </a:lnSpc>
+            </a:pPr>
             <a:r>
               <a:rPr lang="en-US" sz="3200" spc="-1" strike="noStrike">
                 <a:solidFill>
@@ -2203,20 +3925,24 @@
               </a:rPr>
               <a:t>Kelvin D. Meeks</a:t>
             </a:r>
-            <a:endParaRPr lang="en-US" sz="3200" spc="-1" strike="noStrike">
-              <a:solidFill>
-                <a:srgbClr val="000000"/>
-              </a:solidFill>
-              <a:uFill>
-                <a:solidFill>
-                  <a:srgbClr val="ffffff"/>
-                </a:solidFill>
-              </a:uFill>
-              <a:latin typeface="Arial"/>
-            </a:endParaRPr>
-          </a:p>
-          <a:p>
-            <a:pPr algn="ctr"/>
+            <a:endParaRPr lang="en-US" sz="1800" spc="-1" strike="noStrike">
+              <a:solidFill>
+                <a:srgbClr val="000000"/>
+              </a:solidFill>
+              <a:uFill>
+                <a:solidFill>
+                  <a:srgbClr val="ffffff"/>
+                </a:solidFill>
+              </a:uFill>
+              <a:latin typeface="Arial"/>
+            </a:endParaRPr>
+          </a:p>
+          <a:p>
+            <a:pPr algn="ctr">
+              <a:lnSpc>
+                <a:spcPct val="100000"/>
+              </a:lnSpc>
+            </a:pPr>
             <a:r>
               <a:rPr lang="en-US" sz="3200" spc="-1" strike="noStrike">
                 <a:solidFill>
@@ -2231,7 +3957,7 @@
               </a:rPr>
               <a:t>kmeeks@intltechventures</a:t>
             </a:r>
-            <a:endParaRPr lang="en-US" sz="3200" spc="-1" strike="noStrike">
+            <a:endParaRPr lang="en-US" sz="1800" spc="-1" strike="noStrike">
               <a:solidFill>
                 <a:srgbClr val="000000"/>
               </a:solidFill>
@@ -2296,14 +4022,14 @@
       </p:grpSpPr>
       <p:sp>
         <p:nvSpPr>
-          <p:cNvPr id="57" name="TextShape 1"/>
-          <p:cNvSpPr txBox="1"/>
+          <p:cNvPr id="89" name="CustomShape 1"/>
+          <p:cNvSpPr/>
           <p:nvPr/>
         </p:nvSpPr>
         <p:spPr>
           <a:xfrm>
             <a:off x="504000" y="301320"/>
-            <a:ext cx="9071640" cy="1262160"/>
+            <a:ext cx="9071280" cy="1261800"/>
           </a:xfrm>
           <a:prstGeom prst="rect">
             <a:avLst/>
@@ -2313,10 +4039,20 @@
             <a:noFill/>
           </a:ln>
         </p:spPr>
+        <p:style>
+          <a:lnRef idx="0"/>
+          <a:fillRef idx="0"/>
+          <a:effectRef idx="0"/>
+          <a:fontRef idx="minor"/>
+        </p:style>
         <p:txBody>
           <a:bodyPr lIns="0" rIns="0" tIns="0" bIns="0" anchor="ctr"/>
           <a:p>
-            <a:pPr algn="ctr"/>
+            <a:pPr algn="ctr">
+              <a:lnSpc>
+                <a:spcPct val="100000"/>
+              </a:lnSpc>
+            </a:pPr>
             <a:r>
               <a:rPr lang="en-US" sz="4400" spc="-1" strike="noStrike">
                 <a:solidFill>
@@ -2329,32 +4065,32 @@
                 </a:uFill>
                 <a:latin typeface="Arial"/>
               </a:rPr>
-              <a:t>Rust Logging</a:t>
+              <a:t>Rust Concurrency</a:t>
             </a:r>
-            <a:endParaRPr lang="en-US" sz="4400" spc="-1" strike="noStrike">
-              <a:solidFill>
-                <a:srgbClr val="000000"/>
-              </a:solidFill>
-              <a:uFill>
-                <a:solidFill>
-                  <a:srgbClr val="ffffff"/>
-                </a:solidFill>
-              </a:uFill>
-              <a:latin typeface="Arial"/>
-            </a:endParaRPr>
-          </a:p>
-        </p:txBody>
-      </p:sp>
-      <p:sp>
-        <p:nvSpPr>
-          <p:cNvPr id="58" name="TextShape 2"/>
-          <p:cNvSpPr txBox="1"/>
+            <a:endParaRPr lang="en-US" sz="1800" spc="-1" strike="noStrike">
+              <a:solidFill>
+                <a:srgbClr val="000000"/>
+              </a:solidFill>
+              <a:uFill>
+                <a:solidFill>
+                  <a:srgbClr val="ffffff"/>
+                </a:solidFill>
+              </a:uFill>
+              <a:latin typeface="Arial"/>
+            </a:endParaRPr>
+          </a:p>
+        </p:txBody>
+      </p:sp>
+      <p:sp>
+        <p:nvSpPr>
+          <p:cNvPr id="90" name="CustomShape 2"/>
+          <p:cNvSpPr/>
           <p:nvPr/>
         </p:nvSpPr>
         <p:spPr>
           <a:xfrm>
             <a:off x="504000" y="1769040"/>
-            <a:ext cx="9071640" cy="4384440"/>
+            <a:ext cx="9071280" cy="4384080"/>
           </a:xfrm>
           <a:prstGeom prst="rect">
             <a:avLst/>
@@ -2364,32 +4100,22 @@
             <a:noFill/>
           </a:ln>
         </p:spPr>
-        <p:txBody>
-          <a:bodyPr lIns="0" rIns="0" tIns="0" bIns="0"/>
-          <a:p>
-            <a:endParaRPr lang="en-US" sz="3200" spc="-1" strike="noStrike">
-              <a:solidFill>
-                <a:srgbClr val="000000"/>
-              </a:solidFill>
-              <a:uFill>
-                <a:solidFill>
-                  <a:srgbClr val="ffffff"/>
-                </a:solidFill>
-              </a:uFill>
-              <a:latin typeface="Arial"/>
-            </a:endParaRPr>
-          </a:p>
-        </p:txBody>
+        <p:style>
+          <a:lnRef idx="0"/>
+          <a:fillRef idx="0"/>
+          <a:effectRef idx="0"/>
+          <a:fontRef idx="minor"/>
+        </p:style>
       </p:sp>
     </p:spTree>
   </p:cSld>
   <p:timing>
     <p:tnLst>
       <p:par>
-        <p:cTn id="19" dur="indefinite" restart="never" nodeType="tmRoot">
+        <p:cTn id="15" dur="indefinite" restart="never" nodeType="tmRoot">
           <p:childTnLst>
             <p:seq>
-              <p:cTn id="20" nodeType="mainSeq"/>
+              <p:cTn id="16" nodeType="mainSeq"/>
               <p:prevCondLst>
                 <p:cond delay="0" evt="onPrev">
                   <p:tgtEl>
@@ -2432,14 +4158,14 @@
       </p:grpSpPr>
       <p:sp>
         <p:nvSpPr>
-          <p:cNvPr id="59" name="TextShape 1"/>
-          <p:cNvSpPr txBox="1"/>
+          <p:cNvPr id="91" name="CustomShape 1"/>
+          <p:cNvSpPr/>
           <p:nvPr/>
         </p:nvSpPr>
         <p:spPr>
           <a:xfrm>
             <a:off x="504000" y="301320"/>
-            <a:ext cx="9071640" cy="1262160"/>
+            <a:ext cx="9071280" cy="1261800"/>
           </a:xfrm>
           <a:prstGeom prst="rect">
             <a:avLst/>
@@ -2449,10 +4175,20 @@
             <a:noFill/>
           </a:ln>
         </p:spPr>
+        <p:style>
+          <a:lnRef idx="0"/>
+          <a:fillRef idx="0"/>
+          <a:effectRef idx="0"/>
+          <a:fontRef idx="minor"/>
+        </p:style>
         <p:txBody>
           <a:bodyPr lIns="0" rIns="0" tIns="0" bIns="0" anchor="ctr"/>
           <a:p>
-            <a:pPr algn="ctr"/>
+            <a:pPr algn="ctr">
+              <a:lnSpc>
+                <a:spcPct val="100000"/>
+              </a:lnSpc>
+            </a:pPr>
             <a:r>
               <a:rPr lang="en-US" sz="4400" spc="-1" strike="noStrike">
                 <a:solidFill>
@@ -2465,32 +4201,32 @@
                 </a:uFill>
                 <a:latin typeface="Arial"/>
               </a:rPr>
-              <a:t>Rust Math</a:t>
+              <a:t>Rust Standard Library</a:t>
             </a:r>
-            <a:endParaRPr lang="en-US" sz="4400" spc="-1" strike="noStrike">
-              <a:solidFill>
-                <a:srgbClr val="000000"/>
-              </a:solidFill>
-              <a:uFill>
-                <a:solidFill>
-                  <a:srgbClr val="ffffff"/>
-                </a:solidFill>
-              </a:uFill>
-              <a:latin typeface="Arial"/>
-            </a:endParaRPr>
-          </a:p>
-        </p:txBody>
-      </p:sp>
-      <p:sp>
-        <p:nvSpPr>
-          <p:cNvPr id="60" name="TextShape 2"/>
-          <p:cNvSpPr txBox="1"/>
+            <a:endParaRPr lang="en-US" sz="1800" spc="-1" strike="noStrike">
+              <a:solidFill>
+                <a:srgbClr val="000000"/>
+              </a:solidFill>
+              <a:uFill>
+                <a:solidFill>
+                  <a:srgbClr val="ffffff"/>
+                </a:solidFill>
+              </a:uFill>
+              <a:latin typeface="Arial"/>
+            </a:endParaRPr>
+          </a:p>
+        </p:txBody>
+      </p:sp>
+      <p:sp>
+        <p:nvSpPr>
+          <p:cNvPr id="92" name="CustomShape 2"/>
+          <p:cNvSpPr/>
           <p:nvPr/>
         </p:nvSpPr>
         <p:spPr>
           <a:xfrm>
             <a:off x="504000" y="1769040"/>
-            <a:ext cx="9071640" cy="4384440"/>
+            <a:ext cx="9071280" cy="4384080"/>
           </a:xfrm>
           <a:prstGeom prst="rect">
             <a:avLst/>
@@ -2500,32 +4236,22 @@
             <a:noFill/>
           </a:ln>
         </p:spPr>
-        <p:txBody>
-          <a:bodyPr lIns="0" rIns="0" tIns="0" bIns="0"/>
-          <a:p>
-            <a:endParaRPr lang="en-US" sz="3200" spc="-1" strike="noStrike">
-              <a:solidFill>
-                <a:srgbClr val="000000"/>
-              </a:solidFill>
-              <a:uFill>
-                <a:solidFill>
-                  <a:srgbClr val="ffffff"/>
-                </a:solidFill>
-              </a:uFill>
-              <a:latin typeface="Arial"/>
-            </a:endParaRPr>
-          </a:p>
-        </p:txBody>
+        <p:style>
+          <a:lnRef idx="0"/>
+          <a:fillRef idx="0"/>
+          <a:effectRef idx="0"/>
+          <a:fontRef idx="minor"/>
+        </p:style>
       </p:sp>
     </p:spTree>
   </p:cSld>
   <p:timing>
     <p:tnLst>
       <p:par>
-        <p:cTn id="21" dur="indefinite" restart="never" nodeType="tmRoot">
+        <p:cTn id="17" dur="indefinite" restart="never" nodeType="tmRoot">
           <p:childTnLst>
             <p:seq>
-              <p:cTn id="22" nodeType="mainSeq"/>
+              <p:cTn id="18" nodeType="mainSeq"/>
               <p:prevCondLst>
                 <p:cond delay="0" evt="onPrev">
                   <p:tgtEl>
@@ -2568,14 +4294,14 @@
       </p:grpSpPr>
       <p:sp>
         <p:nvSpPr>
-          <p:cNvPr id="61" name="TextShape 1"/>
-          <p:cNvSpPr txBox="1"/>
+          <p:cNvPr id="93" name="CustomShape 1"/>
+          <p:cNvSpPr/>
           <p:nvPr/>
         </p:nvSpPr>
         <p:spPr>
           <a:xfrm>
             <a:off x="504000" y="301320"/>
-            <a:ext cx="9071640" cy="1262160"/>
+            <a:ext cx="9071280" cy="1261800"/>
           </a:xfrm>
           <a:prstGeom prst="rect">
             <a:avLst/>
@@ -2585,10 +4311,20 @@
             <a:noFill/>
           </a:ln>
         </p:spPr>
+        <p:style>
+          <a:lnRef idx="0"/>
+          <a:fillRef idx="0"/>
+          <a:effectRef idx="0"/>
+          <a:fontRef idx="minor"/>
+        </p:style>
         <p:txBody>
           <a:bodyPr lIns="0" rIns="0" tIns="0" bIns="0" anchor="ctr"/>
           <a:p>
-            <a:pPr algn="ctr"/>
+            <a:pPr algn="ctr">
+              <a:lnSpc>
+                <a:spcPct val="100000"/>
+              </a:lnSpc>
+            </a:pPr>
             <a:r>
               <a:rPr lang="en-US" sz="4400" spc="-1" strike="noStrike">
                 <a:solidFill>
@@ -2601,32 +4337,32 @@
                 </a:uFill>
                 <a:latin typeface="Arial"/>
               </a:rPr>
-              <a:t>Rust Image Processing</a:t>
+              <a:t>Rust Logging</a:t>
             </a:r>
-            <a:endParaRPr lang="en-US" sz="4400" spc="-1" strike="noStrike">
-              <a:solidFill>
-                <a:srgbClr val="000000"/>
-              </a:solidFill>
-              <a:uFill>
-                <a:solidFill>
-                  <a:srgbClr val="ffffff"/>
-                </a:solidFill>
-              </a:uFill>
-              <a:latin typeface="Arial"/>
-            </a:endParaRPr>
-          </a:p>
-        </p:txBody>
-      </p:sp>
-      <p:sp>
-        <p:nvSpPr>
-          <p:cNvPr id="62" name="TextShape 2"/>
-          <p:cNvSpPr txBox="1"/>
+            <a:endParaRPr lang="en-US" sz="1800" spc="-1" strike="noStrike">
+              <a:solidFill>
+                <a:srgbClr val="000000"/>
+              </a:solidFill>
+              <a:uFill>
+                <a:solidFill>
+                  <a:srgbClr val="ffffff"/>
+                </a:solidFill>
+              </a:uFill>
+              <a:latin typeface="Arial"/>
+            </a:endParaRPr>
+          </a:p>
+        </p:txBody>
+      </p:sp>
+      <p:sp>
+        <p:nvSpPr>
+          <p:cNvPr id="94" name="CustomShape 2"/>
+          <p:cNvSpPr/>
           <p:nvPr/>
         </p:nvSpPr>
         <p:spPr>
           <a:xfrm>
             <a:off x="504000" y="1769040"/>
-            <a:ext cx="9071640" cy="4384440"/>
+            <a:ext cx="9071280" cy="4384080"/>
           </a:xfrm>
           <a:prstGeom prst="rect">
             <a:avLst/>
@@ -2636,32 +4372,22 @@
             <a:noFill/>
           </a:ln>
         </p:spPr>
-        <p:txBody>
-          <a:bodyPr lIns="0" rIns="0" tIns="0" bIns="0"/>
-          <a:p>
-            <a:endParaRPr lang="en-US" sz="3200" spc="-1" strike="noStrike">
-              <a:solidFill>
-                <a:srgbClr val="000000"/>
-              </a:solidFill>
-              <a:uFill>
-                <a:solidFill>
-                  <a:srgbClr val="ffffff"/>
-                </a:solidFill>
-              </a:uFill>
-              <a:latin typeface="Arial"/>
-            </a:endParaRPr>
-          </a:p>
-        </p:txBody>
+        <p:style>
+          <a:lnRef idx="0"/>
+          <a:fillRef idx="0"/>
+          <a:effectRef idx="0"/>
+          <a:fontRef idx="minor"/>
+        </p:style>
       </p:sp>
     </p:spTree>
   </p:cSld>
   <p:timing>
     <p:tnLst>
       <p:par>
-        <p:cTn id="23" dur="indefinite" restart="never" nodeType="tmRoot">
+        <p:cTn id="19" dur="indefinite" restart="never" nodeType="tmRoot">
           <p:childTnLst>
             <p:seq>
-              <p:cTn id="24" nodeType="mainSeq"/>
+              <p:cTn id="20" nodeType="mainSeq"/>
               <p:prevCondLst>
                 <p:cond delay="0" evt="onPrev">
                   <p:tgtEl>
@@ -2704,14 +4430,14 @@
       </p:grpSpPr>
       <p:sp>
         <p:nvSpPr>
-          <p:cNvPr id="63" name="TextShape 1"/>
-          <p:cNvSpPr txBox="1"/>
+          <p:cNvPr id="95" name="CustomShape 1"/>
+          <p:cNvSpPr/>
           <p:nvPr/>
         </p:nvSpPr>
         <p:spPr>
           <a:xfrm>
             <a:off x="504000" y="301320"/>
-            <a:ext cx="9071640" cy="1262160"/>
+            <a:ext cx="9071280" cy="1261800"/>
           </a:xfrm>
           <a:prstGeom prst="rect">
             <a:avLst/>
@@ -2721,10 +4447,20 @@
             <a:noFill/>
           </a:ln>
         </p:spPr>
+        <p:style>
+          <a:lnRef idx="0"/>
+          <a:fillRef idx="0"/>
+          <a:effectRef idx="0"/>
+          <a:fontRef idx="minor"/>
+        </p:style>
         <p:txBody>
           <a:bodyPr lIns="0" rIns="0" tIns="0" bIns="0" anchor="ctr"/>
           <a:p>
-            <a:pPr algn="ctr"/>
+            <a:pPr algn="ctr">
+              <a:lnSpc>
+                <a:spcPct val="100000"/>
+              </a:lnSpc>
+            </a:pPr>
             <a:r>
               <a:rPr lang="en-US" sz="4400" spc="-1" strike="noStrike">
                 <a:solidFill>
@@ -2737,32 +4473,32 @@
                 </a:uFill>
                 <a:latin typeface="Arial"/>
               </a:rPr>
-              <a:t>Rust Encryption</a:t>
+              <a:t>Rust Math</a:t>
             </a:r>
-            <a:endParaRPr lang="en-US" sz="4400" spc="-1" strike="noStrike">
-              <a:solidFill>
-                <a:srgbClr val="000000"/>
-              </a:solidFill>
-              <a:uFill>
-                <a:solidFill>
-                  <a:srgbClr val="ffffff"/>
-                </a:solidFill>
-              </a:uFill>
-              <a:latin typeface="Arial"/>
-            </a:endParaRPr>
-          </a:p>
-        </p:txBody>
-      </p:sp>
-      <p:sp>
-        <p:nvSpPr>
-          <p:cNvPr id="64" name="TextShape 2"/>
-          <p:cNvSpPr txBox="1"/>
+            <a:endParaRPr lang="en-US" sz="1800" spc="-1" strike="noStrike">
+              <a:solidFill>
+                <a:srgbClr val="000000"/>
+              </a:solidFill>
+              <a:uFill>
+                <a:solidFill>
+                  <a:srgbClr val="ffffff"/>
+                </a:solidFill>
+              </a:uFill>
+              <a:latin typeface="Arial"/>
+            </a:endParaRPr>
+          </a:p>
+        </p:txBody>
+      </p:sp>
+      <p:sp>
+        <p:nvSpPr>
+          <p:cNvPr id="96" name="CustomShape 2"/>
+          <p:cNvSpPr/>
           <p:nvPr/>
         </p:nvSpPr>
         <p:spPr>
           <a:xfrm>
             <a:off x="504000" y="1769040"/>
-            <a:ext cx="9071640" cy="4384440"/>
+            <a:ext cx="9071280" cy="4384080"/>
           </a:xfrm>
           <a:prstGeom prst="rect">
             <a:avLst/>
@@ -2772,32 +4508,22 @@
             <a:noFill/>
           </a:ln>
         </p:spPr>
-        <p:txBody>
-          <a:bodyPr lIns="0" rIns="0" tIns="0" bIns="0"/>
-          <a:p>
-            <a:endParaRPr lang="en-US" sz="3200" spc="-1" strike="noStrike">
-              <a:solidFill>
-                <a:srgbClr val="000000"/>
-              </a:solidFill>
-              <a:uFill>
-                <a:solidFill>
-                  <a:srgbClr val="ffffff"/>
-                </a:solidFill>
-              </a:uFill>
-              <a:latin typeface="Arial"/>
-            </a:endParaRPr>
-          </a:p>
-        </p:txBody>
+        <p:style>
+          <a:lnRef idx="0"/>
+          <a:fillRef idx="0"/>
+          <a:effectRef idx="0"/>
+          <a:fontRef idx="minor"/>
+        </p:style>
       </p:sp>
     </p:spTree>
   </p:cSld>
   <p:timing>
     <p:tnLst>
       <p:par>
-        <p:cTn id="25" dur="indefinite" restart="never" nodeType="tmRoot">
+        <p:cTn id="21" dur="indefinite" restart="never" nodeType="tmRoot">
           <p:childTnLst>
             <p:seq>
-              <p:cTn id="26" nodeType="mainSeq"/>
+              <p:cTn id="22" nodeType="mainSeq"/>
               <p:prevCondLst>
                 <p:cond delay="0" evt="onPrev">
                   <p:tgtEl>
@@ -2840,14 +4566,14 @@
       </p:grpSpPr>
       <p:sp>
         <p:nvSpPr>
-          <p:cNvPr id="65" name="TextShape 1"/>
-          <p:cNvSpPr txBox="1"/>
+          <p:cNvPr id="97" name="CustomShape 1"/>
+          <p:cNvSpPr/>
           <p:nvPr/>
         </p:nvSpPr>
         <p:spPr>
           <a:xfrm>
             <a:off x="504000" y="301320"/>
-            <a:ext cx="9071640" cy="1262160"/>
+            <a:ext cx="9071280" cy="1261800"/>
           </a:xfrm>
           <a:prstGeom prst="rect">
             <a:avLst/>
@@ -2857,10 +4583,20 @@
             <a:noFill/>
           </a:ln>
         </p:spPr>
+        <p:style>
+          <a:lnRef idx="0"/>
+          <a:fillRef idx="0"/>
+          <a:effectRef idx="0"/>
+          <a:fontRef idx="minor"/>
+        </p:style>
         <p:txBody>
           <a:bodyPr lIns="0" rIns="0" tIns="0" bIns="0" anchor="ctr"/>
           <a:p>
-            <a:pPr algn="ctr"/>
+            <a:pPr algn="ctr">
+              <a:lnSpc>
+                <a:spcPct val="100000"/>
+              </a:lnSpc>
+            </a:pPr>
             <a:r>
               <a:rPr lang="en-US" sz="4400" spc="-1" strike="noStrike">
                 <a:solidFill>
@@ -2873,32 +4609,32 @@
                 </a:uFill>
                 <a:latin typeface="Arial"/>
               </a:rPr>
-              <a:t>Rust File I/O</a:t>
+              <a:t>Rust Image Processing</a:t>
             </a:r>
-            <a:endParaRPr lang="en-US" sz="4400" spc="-1" strike="noStrike">
-              <a:solidFill>
-                <a:srgbClr val="000000"/>
-              </a:solidFill>
-              <a:uFill>
-                <a:solidFill>
-                  <a:srgbClr val="ffffff"/>
-                </a:solidFill>
-              </a:uFill>
-              <a:latin typeface="Arial"/>
-            </a:endParaRPr>
-          </a:p>
-        </p:txBody>
-      </p:sp>
-      <p:sp>
-        <p:nvSpPr>
-          <p:cNvPr id="66" name="TextShape 2"/>
-          <p:cNvSpPr txBox="1"/>
+            <a:endParaRPr lang="en-US" sz="1800" spc="-1" strike="noStrike">
+              <a:solidFill>
+                <a:srgbClr val="000000"/>
+              </a:solidFill>
+              <a:uFill>
+                <a:solidFill>
+                  <a:srgbClr val="ffffff"/>
+                </a:solidFill>
+              </a:uFill>
+              <a:latin typeface="Arial"/>
+            </a:endParaRPr>
+          </a:p>
+        </p:txBody>
+      </p:sp>
+      <p:sp>
+        <p:nvSpPr>
+          <p:cNvPr id="98" name="CustomShape 2"/>
+          <p:cNvSpPr/>
           <p:nvPr/>
         </p:nvSpPr>
         <p:spPr>
           <a:xfrm>
             <a:off x="504000" y="1769040"/>
-            <a:ext cx="9071640" cy="4384440"/>
+            <a:ext cx="9071280" cy="4384080"/>
           </a:xfrm>
           <a:prstGeom prst="rect">
             <a:avLst/>
@@ -2908,32 +4644,22 @@
             <a:noFill/>
           </a:ln>
         </p:spPr>
-        <p:txBody>
-          <a:bodyPr lIns="0" rIns="0" tIns="0" bIns="0"/>
-          <a:p>
-            <a:endParaRPr lang="en-US" sz="3200" spc="-1" strike="noStrike">
-              <a:solidFill>
-                <a:srgbClr val="000000"/>
-              </a:solidFill>
-              <a:uFill>
-                <a:solidFill>
-                  <a:srgbClr val="ffffff"/>
-                </a:solidFill>
-              </a:uFill>
-              <a:latin typeface="Arial"/>
-            </a:endParaRPr>
-          </a:p>
-        </p:txBody>
+        <p:style>
+          <a:lnRef idx="0"/>
+          <a:fillRef idx="0"/>
+          <a:effectRef idx="0"/>
+          <a:fontRef idx="minor"/>
+        </p:style>
       </p:sp>
     </p:spTree>
   </p:cSld>
   <p:timing>
     <p:tnLst>
       <p:par>
-        <p:cTn id="27" dur="indefinite" restart="never" nodeType="tmRoot">
+        <p:cTn id="23" dur="indefinite" restart="never" nodeType="tmRoot">
           <p:childTnLst>
             <p:seq>
-              <p:cTn id="28" nodeType="mainSeq"/>
+              <p:cTn id="24" nodeType="mainSeq"/>
               <p:prevCondLst>
                 <p:cond delay="0" evt="onPrev">
                   <p:tgtEl>
@@ -2976,14 +4702,14 @@
       </p:grpSpPr>
       <p:sp>
         <p:nvSpPr>
-          <p:cNvPr id="67" name="TextShape 1"/>
-          <p:cNvSpPr txBox="1"/>
+          <p:cNvPr id="99" name="CustomShape 1"/>
+          <p:cNvSpPr/>
           <p:nvPr/>
         </p:nvSpPr>
         <p:spPr>
           <a:xfrm>
             <a:off x="504000" y="301320"/>
-            <a:ext cx="9071640" cy="1262160"/>
+            <a:ext cx="9071280" cy="1261800"/>
           </a:xfrm>
           <a:prstGeom prst="rect">
             <a:avLst/>
@@ -2993,10 +4719,20 @@
             <a:noFill/>
           </a:ln>
         </p:spPr>
+        <p:style>
+          <a:lnRef idx="0"/>
+          <a:fillRef idx="0"/>
+          <a:effectRef idx="0"/>
+          <a:fontRef idx="minor"/>
+        </p:style>
         <p:txBody>
           <a:bodyPr lIns="0" rIns="0" tIns="0" bIns="0" anchor="ctr"/>
           <a:p>
-            <a:pPr algn="ctr"/>
+            <a:pPr algn="ctr">
+              <a:lnSpc>
+                <a:spcPct val="100000"/>
+              </a:lnSpc>
+            </a:pPr>
             <a:r>
               <a:rPr lang="en-US" sz="4400" spc="-1" strike="noStrike">
                 <a:solidFill>
@@ -3009,32 +4745,32 @@
                 </a:uFill>
                 <a:latin typeface="Arial"/>
               </a:rPr>
-              <a:t>Rust Network I/O</a:t>
+              <a:t>Rust Encryption</a:t>
             </a:r>
-            <a:endParaRPr lang="en-US" sz="4400" spc="-1" strike="noStrike">
-              <a:solidFill>
-                <a:srgbClr val="000000"/>
-              </a:solidFill>
-              <a:uFill>
-                <a:solidFill>
-                  <a:srgbClr val="ffffff"/>
-                </a:solidFill>
-              </a:uFill>
-              <a:latin typeface="Arial"/>
-            </a:endParaRPr>
-          </a:p>
-        </p:txBody>
-      </p:sp>
-      <p:sp>
-        <p:nvSpPr>
-          <p:cNvPr id="68" name="TextShape 2"/>
-          <p:cNvSpPr txBox="1"/>
+            <a:endParaRPr lang="en-US" sz="1800" spc="-1" strike="noStrike">
+              <a:solidFill>
+                <a:srgbClr val="000000"/>
+              </a:solidFill>
+              <a:uFill>
+                <a:solidFill>
+                  <a:srgbClr val="ffffff"/>
+                </a:solidFill>
+              </a:uFill>
+              <a:latin typeface="Arial"/>
+            </a:endParaRPr>
+          </a:p>
+        </p:txBody>
+      </p:sp>
+      <p:sp>
+        <p:nvSpPr>
+          <p:cNvPr id="100" name="CustomShape 2"/>
+          <p:cNvSpPr/>
           <p:nvPr/>
         </p:nvSpPr>
         <p:spPr>
           <a:xfrm>
             <a:off x="504000" y="1769040"/>
-            <a:ext cx="9071640" cy="4384440"/>
+            <a:ext cx="9071280" cy="4384080"/>
           </a:xfrm>
           <a:prstGeom prst="rect">
             <a:avLst/>
@@ -3044,32 +4780,22 @@
             <a:noFill/>
           </a:ln>
         </p:spPr>
-        <p:txBody>
-          <a:bodyPr lIns="0" rIns="0" tIns="0" bIns="0"/>
-          <a:p>
-            <a:endParaRPr lang="en-US" sz="3200" spc="-1" strike="noStrike">
-              <a:solidFill>
-                <a:srgbClr val="000000"/>
-              </a:solidFill>
-              <a:uFill>
-                <a:solidFill>
-                  <a:srgbClr val="ffffff"/>
-                </a:solidFill>
-              </a:uFill>
-              <a:latin typeface="Arial"/>
-            </a:endParaRPr>
-          </a:p>
-        </p:txBody>
+        <p:style>
+          <a:lnRef idx="0"/>
+          <a:fillRef idx="0"/>
+          <a:effectRef idx="0"/>
+          <a:fontRef idx="minor"/>
+        </p:style>
       </p:sp>
     </p:spTree>
   </p:cSld>
   <p:timing>
     <p:tnLst>
       <p:par>
-        <p:cTn id="29" dur="indefinite" restart="never" nodeType="tmRoot">
+        <p:cTn id="25" dur="indefinite" restart="never" nodeType="tmRoot">
           <p:childTnLst>
             <p:seq>
-              <p:cTn id="30" nodeType="mainSeq"/>
+              <p:cTn id="26" nodeType="mainSeq"/>
               <p:prevCondLst>
                 <p:cond delay="0" evt="onPrev">
                   <p:tgtEl>
@@ -3112,14 +4838,14 @@
       </p:grpSpPr>
       <p:sp>
         <p:nvSpPr>
-          <p:cNvPr id="69" name="TextShape 1"/>
-          <p:cNvSpPr txBox="1"/>
+          <p:cNvPr id="101" name="CustomShape 1"/>
+          <p:cNvSpPr/>
           <p:nvPr/>
         </p:nvSpPr>
         <p:spPr>
           <a:xfrm>
             <a:off x="504000" y="301320"/>
-            <a:ext cx="9071640" cy="1262160"/>
+            <a:ext cx="9071280" cy="1261800"/>
           </a:xfrm>
           <a:prstGeom prst="rect">
             <a:avLst/>
@@ -3129,10 +4855,20 @@
             <a:noFill/>
           </a:ln>
         </p:spPr>
+        <p:style>
+          <a:lnRef idx="0"/>
+          <a:fillRef idx="0"/>
+          <a:effectRef idx="0"/>
+          <a:fontRef idx="minor"/>
+        </p:style>
         <p:txBody>
           <a:bodyPr lIns="0" rIns="0" tIns="0" bIns="0" anchor="ctr"/>
           <a:p>
-            <a:pPr algn="ctr"/>
+            <a:pPr algn="ctr">
+              <a:lnSpc>
+                <a:spcPct val="100000"/>
+              </a:lnSpc>
+            </a:pPr>
             <a:r>
               <a:rPr lang="en-US" sz="4400" spc="-1" strike="noStrike">
                 <a:solidFill>
@@ -3145,32 +4881,32 @@
                 </a:uFill>
                 <a:latin typeface="Arial"/>
               </a:rPr>
-              <a:t>Rust Concurrency</a:t>
+              <a:t>Rust File I/O</a:t>
             </a:r>
-            <a:endParaRPr lang="en-US" sz="4400" spc="-1" strike="noStrike">
-              <a:solidFill>
-                <a:srgbClr val="000000"/>
-              </a:solidFill>
-              <a:uFill>
-                <a:solidFill>
-                  <a:srgbClr val="ffffff"/>
-                </a:solidFill>
-              </a:uFill>
-              <a:latin typeface="Arial"/>
-            </a:endParaRPr>
-          </a:p>
-        </p:txBody>
-      </p:sp>
-      <p:sp>
-        <p:nvSpPr>
-          <p:cNvPr id="70" name="TextShape 2"/>
-          <p:cNvSpPr txBox="1"/>
+            <a:endParaRPr lang="en-US" sz="1800" spc="-1" strike="noStrike">
+              <a:solidFill>
+                <a:srgbClr val="000000"/>
+              </a:solidFill>
+              <a:uFill>
+                <a:solidFill>
+                  <a:srgbClr val="ffffff"/>
+                </a:solidFill>
+              </a:uFill>
+              <a:latin typeface="Arial"/>
+            </a:endParaRPr>
+          </a:p>
+        </p:txBody>
+      </p:sp>
+      <p:sp>
+        <p:nvSpPr>
+          <p:cNvPr id="102" name="CustomShape 2"/>
+          <p:cNvSpPr/>
           <p:nvPr/>
         </p:nvSpPr>
         <p:spPr>
           <a:xfrm>
             <a:off x="504000" y="1769040"/>
-            <a:ext cx="9071640" cy="4384440"/>
+            <a:ext cx="9071280" cy="4384080"/>
           </a:xfrm>
           <a:prstGeom prst="rect">
             <a:avLst/>
@@ -3180,32 +4916,22 @@
             <a:noFill/>
           </a:ln>
         </p:spPr>
-        <p:txBody>
-          <a:bodyPr lIns="0" rIns="0" tIns="0" bIns="0"/>
-          <a:p>
-            <a:endParaRPr lang="en-US" sz="3200" spc="-1" strike="noStrike">
-              <a:solidFill>
-                <a:srgbClr val="000000"/>
-              </a:solidFill>
-              <a:uFill>
-                <a:solidFill>
-                  <a:srgbClr val="ffffff"/>
-                </a:solidFill>
-              </a:uFill>
-              <a:latin typeface="Arial"/>
-            </a:endParaRPr>
-          </a:p>
-        </p:txBody>
+        <p:style>
+          <a:lnRef idx="0"/>
+          <a:fillRef idx="0"/>
+          <a:effectRef idx="0"/>
+          <a:fontRef idx="minor"/>
+        </p:style>
       </p:sp>
     </p:spTree>
   </p:cSld>
   <p:timing>
     <p:tnLst>
       <p:par>
-        <p:cTn id="31" dur="indefinite" restart="never" nodeType="tmRoot">
+        <p:cTn id="27" dur="indefinite" restart="never" nodeType="tmRoot">
           <p:childTnLst>
             <p:seq>
-              <p:cTn id="32" nodeType="mainSeq"/>
+              <p:cTn id="28" nodeType="mainSeq"/>
               <p:prevCondLst>
                 <p:cond delay="0" evt="onPrev">
                   <p:tgtEl>
@@ -3248,14 +4974,14 @@
       </p:grpSpPr>
       <p:sp>
         <p:nvSpPr>
-          <p:cNvPr id="71" name="TextShape 1"/>
-          <p:cNvSpPr txBox="1"/>
+          <p:cNvPr id="103" name="CustomShape 1"/>
+          <p:cNvSpPr/>
           <p:nvPr/>
         </p:nvSpPr>
         <p:spPr>
           <a:xfrm>
             <a:off x="504000" y="301320"/>
-            <a:ext cx="9071640" cy="1262160"/>
+            <a:ext cx="9071280" cy="1261800"/>
           </a:xfrm>
           <a:prstGeom prst="rect">
             <a:avLst/>
@@ -3265,10 +4991,20 @@
             <a:noFill/>
           </a:ln>
         </p:spPr>
+        <p:style>
+          <a:lnRef idx="0"/>
+          <a:fillRef idx="0"/>
+          <a:effectRef idx="0"/>
+          <a:fontRef idx="minor"/>
+        </p:style>
         <p:txBody>
           <a:bodyPr lIns="0" rIns="0" tIns="0" bIns="0" anchor="ctr"/>
           <a:p>
-            <a:pPr algn="ctr"/>
+            <a:pPr algn="ctr">
+              <a:lnSpc>
+                <a:spcPct val="100000"/>
+              </a:lnSpc>
+            </a:pPr>
             <a:r>
               <a:rPr lang="en-US" sz="4400" spc="-1" strike="noStrike">
                 <a:solidFill>
@@ -3281,32 +5017,32 @@
                 </a:uFill>
                 <a:latin typeface="Arial"/>
               </a:rPr>
-              <a:t>Rust Dependency Management</a:t>
+              <a:t>Rust Network I/O</a:t>
             </a:r>
-            <a:endParaRPr lang="en-US" sz="4400" spc="-1" strike="noStrike">
-              <a:solidFill>
-                <a:srgbClr val="000000"/>
-              </a:solidFill>
-              <a:uFill>
-                <a:solidFill>
-                  <a:srgbClr val="ffffff"/>
-                </a:solidFill>
-              </a:uFill>
-              <a:latin typeface="Arial"/>
-            </a:endParaRPr>
-          </a:p>
-        </p:txBody>
-      </p:sp>
-      <p:sp>
-        <p:nvSpPr>
-          <p:cNvPr id="72" name="TextShape 2"/>
-          <p:cNvSpPr txBox="1"/>
+            <a:endParaRPr lang="en-US" sz="1800" spc="-1" strike="noStrike">
+              <a:solidFill>
+                <a:srgbClr val="000000"/>
+              </a:solidFill>
+              <a:uFill>
+                <a:solidFill>
+                  <a:srgbClr val="ffffff"/>
+                </a:solidFill>
+              </a:uFill>
+              <a:latin typeface="Arial"/>
+            </a:endParaRPr>
+          </a:p>
+        </p:txBody>
+      </p:sp>
+      <p:sp>
+        <p:nvSpPr>
+          <p:cNvPr id="104" name="CustomShape 2"/>
+          <p:cNvSpPr/>
           <p:nvPr/>
         </p:nvSpPr>
         <p:spPr>
           <a:xfrm>
             <a:off x="504000" y="1769040"/>
-            <a:ext cx="9071640" cy="4384440"/>
+            <a:ext cx="9071280" cy="4384080"/>
           </a:xfrm>
           <a:prstGeom prst="rect">
             <a:avLst/>
@@ -3316,32 +5052,22 @@
             <a:noFill/>
           </a:ln>
         </p:spPr>
-        <p:txBody>
-          <a:bodyPr lIns="0" rIns="0" tIns="0" bIns="0"/>
-          <a:p>
-            <a:endParaRPr lang="en-US" sz="3200" spc="-1" strike="noStrike">
-              <a:solidFill>
-                <a:srgbClr val="000000"/>
-              </a:solidFill>
-              <a:uFill>
-                <a:solidFill>
-                  <a:srgbClr val="ffffff"/>
-                </a:solidFill>
-              </a:uFill>
-              <a:latin typeface="Arial"/>
-            </a:endParaRPr>
-          </a:p>
-        </p:txBody>
+        <p:style>
+          <a:lnRef idx="0"/>
+          <a:fillRef idx="0"/>
+          <a:effectRef idx="0"/>
+          <a:fontRef idx="minor"/>
+        </p:style>
       </p:sp>
     </p:spTree>
   </p:cSld>
   <p:timing>
     <p:tnLst>
       <p:par>
-        <p:cTn id="33" dur="indefinite" restart="never" nodeType="tmRoot">
+        <p:cTn id="29" dur="indefinite" restart="never" nodeType="tmRoot">
           <p:childTnLst>
             <p:seq>
-              <p:cTn id="34" nodeType="mainSeq"/>
+              <p:cTn id="30" nodeType="mainSeq"/>
               <p:prevCondLst>
                 <p:cond delay="0" evt="onPrev">
                   <p:tgtEl>
@@ -3384,14 +5110,14 @@
       </p:grpSpPr>
       <p:sp>
         <p:nvSpPr>
-          <p:cNvPr id="73" name="TextShape 1"/>
-          <p:cNvSpPr txBox="1"/>
+          <p:cNvPr id="105" name="CustomShape 1"/>
+          <p:cNvSpPr/>
           <p:nvPr/>
         </p:nvSpPr>
         <p:spPr>
           <a:xfrm>
             <a:off x="504000" y="301320"/>
-            <a:ext cx="9071640" cy="1262160"/>
+            <a:ext cx="9071280" cy="1261800"/>
           </a:xfrm>
           <a:prstGeom prst="rect">
             <a:avLst/>
@@ -3401,10 +5127,20 @@
             <a:noFill/>
           </a:ln>
         </p:spPr>
+        <p:style>
+          <a:lnRef idx="0"/>
+          <a:fillRef idx="0"/>
+          <a:effectRef idx="0"/>
+          <a:fontRef idx="minor"/>
+        </p:style>
         <p:txBody>
           <a:bodyPr lIns="0" rIns="0" tIns="0" bIns="0" anchor="ctr"/>
           <a:p>
-            <a:pPr algn="ctr"/>
+            <a:pPr algn="ctr">
+              <a:lnSpc>
+                <a:spcPct val="100000"/>
+              </a:lnSpc>
+            </a:pPr>
             <a:r>
               <a:rPr lang="en-US" sz="4400" spc="-1" strike="noStrike">
                 <a:solidFill>
@@ -3417,32 +5153,32 @@
                 </a:uFill>
                 <a:latin typeface="Arial"/>
               </a:rPr>
-              <a:t>Rust Debugging</a:t>
+              <a:t>Rust Concurrency</a:t>
             </a:r>
-            <a:endParaRPr lang="en-US" sz="4400" spc="-1" strike="noStrike">
-              <a:solidFill>
-                <a:srgbClr val="000000"/>
-              </a:solidFill>
-              <a:uFill>
-                <a:solidFill>
-                  <a:srgbClr val="ffffff"/>
-                </a:solidFill>
-              </a:uFill>
-              <a:latin typeface="Arial"/>
-            </a:endParaRPr>
-          </a:p>
-        </p:txBody>
-      </p:sp>
-      <p:sp>
-        <p:nvSpPr>
-          <p:cNvPr id="74" name="TextShape 2"/>
-          <p:cNvSpPr txBox="1"/>
+            <a:endParaRPr lang="en-US" sz="1800" spc="-1" strike="noStrike">
+              <a:solidFill>
+                <a:srgbClr val="000000"/>
+              </a:solidFill>
+              <a:uFill>
+                <a:solidFill>
+                  <a:srgbClr val="ffffff"/>
+                </a:solidFill>
+              </a:uFill>
+              <a:latin typeface="Arial"/>
+            </a:endParaRPr>
+          </a:p>
+        </p:txBody>
+      </p:sp>
+      <p:sp>
+        <p:nvSpPr>
+          <p:cNvPr id="106" name="CustomShape 2"/>
+          <p:cNvSpPr/>
           <p:nvPr/>
         </p:nvSpPr>
         <p:spPr>
           <a:xfrm>
             <a:off x="504000" y="1769040"/>
-            <a:ext cx="9071640" cy="4384440"/>
+            <a:ext cx="9071280" cy="4384080"/>
           </a:xfrm>
           <a:prstGeom prst="rect">
             <a:avLst/>
@@ -3452,32 +5188,22 @@
             <a:noFill/>
           </a:ln>
         </p:spPr>
-        <p:txBody>
-          <a:bodyPr lIns="0" rIns="0" tIns="0" bIns="0"/>
-          <a:p>
-            <a:endParaRPr lang="en-US" sz="3200" spc="-1" strike="noStrike">
-              <a:solidFill>
-                <a:srgbClr val="000000"/>
-              </a:solidFill>
-              <a:uFill>
-                <a:solidFill>
-                  <a:srgbClr val="ffffff"/>
-                </a:solidFill>
-              </a:uFill>
-              <a:latin typeface="Arial"/>
-            </a:endParaRPr>
-          </a:p>
-        </p:txBody>
+        <p:style>
+          <a:lnRef idx="0"/>
+          <a:fillRef idx="0"/>
+          <a:effectRef idx="0"/>
+          <a:fontRef idx="minor"/>
+        </p:style>
       </p:sp>
     </p:spTree>
   </p:cSld>
   <p:timing>
     <p:tnLst>
       <p:par>
-        <p:cTn id="35" dur="indefinite" restart="never" nodeType="tmRoot">
+        <p:cTn id="31" dur="indefinite" restart="never" nodeType="tmRoot">
           <p:childTnLst>
             <p:seq>
-              <p:cTn id="36" nodeType="mainSeq"/>
+              <p:cTn id="32" nodeType="mainSeq"/>
               <p:prevCondLst>
                 <p:cond delay="0" evt="onPrev">
                   <p:tgtEl>
@@ -3520,14 +5246,14 @@
       </p:grpSpPr>
       <p:sp>
         <p:nvSpPr>
-          <p:cNvPr id="75" name="TextShape 1"/>
-          <p:cNvSpPr txBox="1"/>
+          <p:cNvPr id="107" name="CustomShape 1"/>
+          <p:cNvSpPr/>
           <p:nvPr/>
         </p:nvSpPr>
         <p:spPr>
           <a:xfrm>
             <a:off x="504000" y="301320"/>
-            <a:ext cx="9071640" cy="1262160"/>
+            <a:ext cx="9071280" cy="1261800"/>
           </a:xfrm>
           <a:prstGeom prst="rect">
             <a:avLst/>
@@ -3537,10 +5263,20 @@
             <a:noFill/>
           </a:ln>
         </p:spPr>
+        <p:style>
+          <a:lnRef idx="0"/>
+          <a:fillRef idx="0"/>
+          <a:effectRef idx="0"/>
+          <a:fontRef idx="minor"/>
+        </p:style>
         <p:txBody>
           <a:bodyPr lIns="0" rIns="0" tIns="0" bIns="0" anchor="ctr"/>
           <a:p>
-            <a:pPr algn="ctr"/>
+            <a:pPr algn="ctr">
+              <a:lnSpc>
+                <a:spcPct val="100000"/>
+              </a:lnSpc>
+            </a:pPr>
             <a:r>
               <a:rPr lang="en-US" sz="4400" spc="-1" strike="noStrike">
                 <a:solidFill>
@@ -3553,32 +5289,32 @@
                 </a:uFill>
                 <a:latin typeface="Arial"/>
               </a:rPr>
-              <a:t>Rust Performance Tuning</a:t>
+              <a:t>Rust Dependency Management</a:t>
             </a:r>
-            <a:endParaRPr lang="en-US" sz="4400" spc="-1" strike="noStrike">
-              <a:solidFill>
-                <a:srgbClr val="000000"/>
-              </a:solidFill>
-              <a:uFill>
-                <a:solidFill>
-                  <a:srgbClr val="ffffff"/>
-                </a:solidFill>
-              </a:uFill>
-              <a:latin typeface="Arial"/>
-            </a:endParaRPr>
-          </a:p>
-        </p:txBody>
-      </p:sp>
-      <p:sp>
-        <p:nvSpPr>
-          <p:cNvPr id="76" name="TextShape 2"/>
-          <p:cNvSpPr txBox="1"/>
+            <a:endParaRPr lang="en-US" sz="1800" spc="-1" strike="noStrike">
+              <a:solidFill>
+                <a:srgbClr val="000000"/>
+              </a:solidFill>
+              <a:uFill>
+                <a:solidFill>
+                  <a:srgbClr val="ffffff"/>
+                </a:solidFill>
+              </a:uFill>
+              <a:latin typeface="Arial"/>
+            </a:endParaRPr>
+          </a:p>
+        </p:txBody>
+      </p:sp>
+      <p:sp>
+        <p:nvSpPr>
+          <p:cNvPr id="108" name="CustomShape 2"/>
+          <p:cNvSpPr/>
           <p:nvPr/>
         </p:nvSpPr>
         <p:spPr>
           <a:xfrm>
             <a:off x="504000" y="1769040"/>
-            <a:ext cx="9071640" cy="4384440"/>
+            <a:ext cx="9071280" cy="4384080"/>
           </a:xfrm>
           <a:prstGeom prst="rect">
             <a:avLst/>
@@ -3588,32 +5324,22 @@
             <a:noFill/>
           </a:ln>
         </p:spPr>
-        <p:txBody>
-          <a:bodyPr lIns="0" rIns="0" tIns="0" bIns="0"/>
-          <a:p>
-            <a:endParaRPr lang="en-US" sz="3200" spc="-1" strike="noStrike">
-              <a:solidFill>
-                <a:srgbClr val="000000"/>
-              </a:solidFill>
-              <a:uFill>
-                <a:solidFill>
-                  <a:srgbClr val="ffffff"/>
-                </a:solidFill>
-              </a:uFill>
-              <a:latin typeface="Arial"/>
-            </a:endParaRPr>
-          </a:p>
-        </p:txBody>
+        <p:style>
+          <a:lnRef idx="0"/>
+          <a:fillRef idx="0"/>
+          <a:effectRef idx="0"/>
+          <a:fontRef idx="minor"/>
+        </p:style>
       </p:sp>
     </p:spTree>
   </p:cSld>
   <p:timing>
     <p:tnLst>
       <p:par>
-        <p:cTn id="37" dur="indefinite" restart="never" nodeType="tmRoot">
+        <p:cTn id="33" dur="indefinite" restart="never" nodeType="tmRoot">
           <p:childTnLst>
             <p:seq>
-              <p:cTn id="38" nodeType="mainSeq"/>
+              <p:cTn id="34" nodeType="mainSeq"/>
               <p:prevCondLst>
                 <p:cond delay="0" evt="onPrev">
                   <p:tgtEl>
@@ -3656,14 +5382,14 @@
       </p:grpSpPr>
       <p:sp>
         <p:nvSpPr>
-          <p:cNvPr id="41" name="TextShape 1"/>
-          <p:cNvSpPr txBox="1"/>
+          <p:cNvPr id="75" name="CustomShape 1"/>
+          <p:cNvSpPr/>
           <p:nvPr/>
         </p:nvSpPr>
         <p:spPr>
           <a:xfrm>
             <a:off x="504000" y="301320"/>
-            <a:ext cx="9071640" cy="1262160"/>
+            <a:ext cx="9071280" cy="1261800"/>
           </a:xfrm>
           <a:prstGeom prst="rect">
             <a:avLst/>
@@ -3673,10 +5399,20 @@
             <a:noFill/>
           </a:ln>
         </p:spPr>
+        <p:style>
+          <a:lnRef idx="0"/>
+          <a:fillRef idx="0"/>
+          <a:effectRef idx="0"/>
+          <a:fontRef idx="minor"/>
+        </p:style>
         <p:txBody>
           <a:bodyPr lIns="0" rIns="0" tIns="0" bIns="0" anchor="ctr"/>
           <a:p>
-            <a:pPr algn="ctr"/>
+            <a:pPr algn="ctr">
+              <a:lnSpc>
+                <a:spcPct val="100000"/>
+              </a:lnSpc>
+            </a:pPr>
             <a:r>
               <a:rPr lang="en-US" sz="4400" spc="-1" strike="noStrike">
                 <a:solidFill>
@@ -3691,30 +5427,30 @@
               </a:rPr>
               <a:t>Essential Links</a:t>
             </a:r>
-            <a:endParaRPr lang="en-US" sz="4400" spc="-1" strike="noStrike">
-              <a:solidFill>
-                <a:srgbClr val="000000"/>
-              </a:solidFill>
-              <a:uFill>
-                <a:solidFill>
-                  <a:srgbClr val="ffffff"/>
-                </a:solidFill>
-              </a:uFill>
-              <a:latin typeface="Arial"/>
-            </a:endParaRPr>
-          </a:p>
-        </p:txBody>
-      </p:sp>
-      <p:sp>
-        <p:nvSpPr>
-          <p:cNvPr id="42" name="TextShape 2"/>
-          <p:cNvSpPr txBox="1"/>
+            <a:endParaRPr lang="en-US" sz="1800" spc="-1" strike="noStrike">
+              <a:solidFill>
+                <a:srgbClr val="000000"/>
+              </a:solidFill>
+              <a:uFill>
+                <a:solidFill>
+                  <a:srgbClr val="ffffff"/>
+                </a:solidFill>
+              </a:uFill>
+              <a:latin typeface="Arial"/>
+            </a:endParaRPr>
+          </a:p>
+        </p:txBody>
+      </p:sp>
+      <p:sp>
+        <p:nvSpPr>
+          <p:cNvPr id="76" name="CustomShape 2"/>
+          <p:cNvSpPr/>
           <p:nvPr/>
         </p:nvSpPr>
         <p:spPr>
           <a:xfrm>
             <a:off x="504000" y="1769040"/>
-            <a:ext cx="9071640" cy="4384440"/>
+            <a:ext cx="9071280" cy="4384080"/>
           </a:xfrm>
           <a:prstGeom prst="rect">
             <a:avLst/>
@@ -3724,10 +5460,19 @@
             <a:noFill/>
           </a:ln>
         </p:spPr>
+        <p:style>
+          <a:lnRef idx="0"/>
+          <a:fillRef idx="0"/>
+          <a:effectRef idx="0"/>
+          <a:fontRef idx="minor"/>
+        </p:style>
         <p:txBody>
           <a:bodyPr lIns="0" rIns="0" tIns="0" bIns="0"/>
           <a:p>
-            <a:pPr marL="432000" indent="-324000">
+            <a:pPr marL="432000" indent="-323640">
+              <a:lnSpc>
+                <a:spcPct val="100000"/>
+              </a:lnSpc>
               <a:buClr>
                 <a:srgbClr val="000000"/>
               </a:buClr>
@@ -3736,9 +5481,9 @@
               <a:buChar char=""/>
             </a:pPr>
             <a:r>
-              <a:rPr lang="en-US" sz="3200" spc="-1" strike="noStrike">
-                <a:solidFill>
-                  <a:srgbClr val="000000"/>
+              <a:rPr lang="en-US" sz="3200" spc="-1" strike="noStrike" u="sng">
+                <a:solidFill>
+                  <a:srgbClr val="0000ff"/>
                 </a:solidFill>
                 <a:uFill>
                   <a:solidFill>
@@ -3764,20 +5509,23 @@
               </a:rPr>
               <a:t> </a:t>
             </a:r>
-            <a:endParaRPr lang="en-US" sz="3200" spc="-1" strike="noStrike">
-              <a:solidFill>
-                <a:srgbClr val="000000"/>
-              </a:solidFill>
-              <a:uFill>
-                <a:solidFill>
-                  <a:srgbClr val="ffffff"/>
-                </a:solidFill>
-              </a:uFill>
-              <a:latin typeface="Arial"/>
-            </a:endParaRPr>
-          </a:p>
-          <a:p>
-            <a:pPr marL="432000" indent="-324000">
+            <a:endParaRPr lang="en-US" sz="1800" spc="-1" strike="noStrike">
+              <a:solidFill>
+                <a:srgbClr val="000000"/>
+              </a:solidFill>
+              <a:uFill>
+                <a:solidFill>
+                  <a:srgbClr val="ffffff"/>
+                </a:solidFill>
+              </a:uFill>
+              <a:latin typeface="Arial"/>
+            </a:endParaRPr>
+          </a:p>
+          <a:p>
+            <a:pPr marL="432000" indent="-323640">
+              <a:lnSpc>
+                <a:spcPct val="100000"/>
+              </a:lnSpc>
               <a:buClr>
                 <a:srgbClr val="000000"/>
               </a:buClr>
@@ -3786,9 +5534,9 @@
               <a:buChar char=""/>
             </a:pPr>
             <a:r>
-              <a:rPr lang="en-US" sz="3200" spc="-1" strike="noStrike">
-                <a:solidFill>
-                  <a:srgbClr val="000000"/>
+              <a:rPr lang="en-US" sz="3200" spc="-1" strike="noStrike" u="sng">
+                <a:solidFill>
+                  <a:srgbClr val="0000ff"/>
                 </a:solidFill>
                 <a:uFill>
                   <a:solidFill>
@@ -3814,20 +5562,23 @@
               </a:rPr>
               <a:t> </a:t>
             </a:r>
-            <a:endParaRPr lang="en-US" sz="3200" spc="-1" strike="noStrike">
-              <a:solidFill>
-                <a:srgbClr val="000000"/>
-              </a:solidFill>
-              <a:uFill>
-                <a:solidFill>
-                  <a:srgbClr val="ffffff"/>
-                </a:solidFill>
-              </a:uFill>
-              <a:latin typeface="Arial"/>
-            </a:endParaRPr>
-          </a:p>
-          <a:p>
-            <a:pPr marL="432000" indent="-324000">
+            <a:endParaRPr lang="en-US" sz="1800" spc="-1" strike="noStrike">
+              <a:solidFill>
+                <a:srgbClr val="000000"/>
+              </a:solidFill>
+              <a:uFill>
+                <a:solidFill>
+                  <a:srgbClr val="ffffff"/>
+                </a:solidFill>
+              </a:uFill>
+              <a:latin typeface="Arial"/>
+            </a:endParaRPr>
+          </a:p>
+          <a:p>
+            <a:pPr marL="432000" indent="-323640">
+              <a:lnSpc>
+                <a:spcPct val="100000"/>
+              </a:lnSpc>
               <a:buClr>
                 <a:srgbClr val="000000"/>
               </a:buClr>
@@ -3836,9 +5587,9 @@
               <a:buChar char=""/>
             </a:pPr>
             <a:r>
-              <a:rPr lang="en-US" sz="3200" spc="-1" strike="noStrike">
-                <a:solidFill>
-                  <a:srgbClr val="000000"/>
+              <a:rPr lang="en-US" sz="3200" spc="-1" strike="noStrike" u="sng">
+                <a:solidFill>
+                  <a:srgbClr val="0000ff"/>
                 </a:solidFill>
                 <a:uFill>
                   <a:solidFill>
@@ -3864,20 +5615,23 @@
               </a:rPr>
               <a:t> </a:t>
             </a:r>
-            <a:endParaRPr lang="en-US" sz="3200" spc="-1" strike="noStrike">
-              <a:solidFill>
-                <a:srgbClr val="000000"/>
-              </a:solidFill>
-              <a:uFill>
-                <a:solidFill>
-                  <a:srgbClr val="ffffff"/>
-                </a:solidFill>
-              </a:uFill>
-              <a:latin typeface="Arial"/>
-            </a:endParaRPr>
-          </a:p>
-          <a:p>
-            <a:pPr marL="432000" indent="-324000">
+            <a:endParaRPr lang="en-US" sz="1800" spc="-1" strike="noStrike">
+              <a:solidFill>
+                <a:srgbClr val="000000"/>
+              </a:solidFill>
+              <a:uFill>
+                <a:solidFill>
+                  <a:srgbClr val="ffffff"/>
+                </a:solidFill>
+              </a:uFill>
+              <a:latin typeface="Arial"/>
+            </a:endParaRPr>
+          </a:p>
+          <a:p>
+            <a:pPr marL="432000" indent="-323640">
+              <a:lnSpc>
+                <a:spcPct val="100000"/>
+              </a:lnSpc>
               <a:buClr>
                 <a:srgbClr val="000000"/>
               </a:buClr>
@@ -3886,9 +5640,9 @@
               <a:buChar char=""/>
             </a:pPr>
             <a:r>
-              <a:rPr lang="en-US" sz="3200" spc="-1" strike="noStrike">
-                <a:solidFill>
-                  <a:srgbClr val="000000"/>
+              <a:rPr lang="en-US" sz="3200" spc="-1" strike="noStrike" u="sng">
+                <a:solidFill>
+                  <a:srgbClr val="0000ff"/>
                 </a:solidFill>
                 <a:uFill>
                   <a:solidFill>
@@ -3914,20 +5668,23 @@
               </a:rPr>
               <a:t> </a:t>
             </a:r>
-            <a:endParaRPr lang="en-US" sz="3200" spc="-1" strike="noStrike">
-              <a:solidFill>
-                <a:srgbClr val="000000"/>
-              </a:solidFill>
-              <a:uFill>
-                <a:solidFill>
-                  <a:srgbClr val="ffffff"/>
-                </a:solidFill>
-              </a:uFill>
-              <a:latin typeface="Arial"/>
-            </a:endParaRPr>
-          </a:p>
-          <a:p>
-            <a:pPr marL="432000" indent="-324000">
+            <a:endParaRPr lang="en-US" sz="1800" spc="-1" strike="noStrike">
+              <a:solidFill>
+                <a:srgbClr val="000000"/>
+              </a:solidFill>
+              <a:uFill>
+                <a:solidFill>
+                  <a:srgbClr val="ffffff"/>
+                </a:solidFill>
+              </a:uFill>
+              <a:latin typeface="Arial"/>
+            </a:endParaRPr>
+          </a:p>
+          <a:p>
+            <a:pPr marL="432000" indent="-323640">
+              <a:lnSpc>
+                <a:spcPct val="100000"/>
+              </a:lnSpc>
               <a:buClr>
                 <a:srgbClr val="000000"/>
               </a:buClr>
@@ -3936,9 +5693,9 @@
               <a:buChar char=""/>
             </a:pPr>
             <a:r>
-              <a:rPr lang="en-US" sz="3200" spc="-1" strike="noStrike">
-                <a:solidFill>
-                  <a:srgbClr val="000000"/>
+              <a:rPr lang="en-US" sz="3200" spc="-1" strike="noStrike" u="sng">
+                <a:solidFill>
+                  <a:srgbClr val="0000ff"/>
                 </a:solidFill>
                 <a:uFill>
                   <a:solidFill>
@@ -3964,20 +5721,23 @@
               </a:rPr>
               <a:t> </a:t>
             </a:r>
-            <a:endParaRPr lang="en-US" sz="3200" spc="-1" strike="noStrike">
-              <a:solidFill>
-                <a:srgbClr val="000000"/>
-              </a:solidFill>
-              <a:uFill>
-                <a:solidFill>
-                  <a:srgbClr val="ffffff"/>
-                </a:solidFill>
-              </a:uFill>
-              <a:latin typeface="Arial"/>
-            </a:endParaRPr>
-          </a:p>
-          <a:p>
-            <a:pPr marL="432000" indent="-324000">
+            <a:endParaRPr lang="en-US" sz="1800" spc="-1" strike="noStrike">
+              <a:solidFill>
+                <a:srgbClr val="000000"/>
+              </a:solidFill>
+              <a:uFill>
+                <a:solidFill>
+                  <a:srgbClr val="ffffff"/>
+                </a:solidFill>
+              </a:uFill>
+              <a:latin typeface="Arial"/>
+            </a:endParaRPr>
+          </a:p>
+          <a:p>
+            <a:pPr marL="432000" indent="-323640">
+              <a:lnSpc>
+                <a:spcPct val="100000"/>
+              </a:lnSpc>
               <a:buClr>
                 <a:srgbClr val="000000"/>
               </a:buClr>
@@ -3986,9 +5746,9 @@
               <a:buChar char=""/>
             </a:pPr>
             <a:r>
-              <a:rPr lang="en-US" sz="3200" spc="-1" strike="noStrike">
-                <a:solidFill>
-                  <a:srgbClr val="000000"/>
+              <a:rPr lang="en-US" sz="3200" spc="-1" strike="noStrike" u="sng">
+                <a:solidFill>
+                  <a:srgbClr val="0000ff"/>
                 </a:solidFill>
                 <a:uFill>
                   <a:solidFill>
@@ -4014,20 +5774,23 @@
               </a:rPr>
               <a:t> </a:t>
             </a:r>
-            <a:endParaRPr lang="en-US" sz="3200" spc="-1" strike="noStrike">
-              <a:solidFill>
-                <a:srgbClr val="000000"/>
-              </a:solidFill>
-              <a:uFill>
-                <a:solidFill>
-                  <a:srgbClr val="ffffff"/>
-                </a:solidFill>
-              </a:uFill>
-              <a:latin typeface="Arial"/>
-            </a:endParaRPr>
-          </a:p>
-          <a:p>
-            <a:pPr marL="432000" indent="-324000">
+            <a:endParaRPr lang="en-US" sz="1800" spc="-1" strike="noStrike">
+              <a:solidFill>
+                <a:srgbClr val="000000"/>
+              </a:solidFill>
+              <a:uFill>
+                <a:solidFill>
+                  <a:srgbClr val="ffffff"/>
+                </a:solidFill>
+              </a:uFill>
+              <a:latin typeface="Arial"/>
+            </a:endParaRPr>
+          </a:p>
+          <a:p>
+            <a:pPr marL="432000" indent="-323640">
+              <a:lnSpc>
+                <a:spcPct val="100000"/>
+              </a:lnSpc>
               <a:buClr>
                 <a:srgbClr val="000000"/>
               </a:buClr>
@@ -4036,9 +5799,9 @@
               <a:buChar char=""/>
             </a:pPr>
             <a:r>
-              <a:rPr lang="en-US" sz="3200" spc="-1" strike="noStrike">
-                <a:solidFill>
-                  <a:srgbClr val="000000"/>
+              <a:rPr lang="en-US" sz="3200" spc="-1" strike="noStrike" u="sng">
+                <a:solidFill>
+                  <a:srgbClr val="0000ff"/>
                 </a:solidFill>
                 <a:uFill>
                   <a:solidFill>
@@ -4064,20 +5827,23 @@
               </a:rPr>
               <a:t> </a:t>
             </a:r>
-            <a:endParaRPr lang="en-US" sz="3200" spc="-1" strike="noStrike">
-              <a:solidFill>
-                <a:srgbClr val="000000"/>
-              </a:solidFill>
-              <a:uFill>
-                <a:solidFill>
-                  <a:srgbClr val="ffffff"/>
-                </a:solidFill>
-              </a:uFill>
-              <a:latin typeface="Arial"/>
-            </a:endParaRPr>
-          </a:p>
-          <a:p>
-            <a:pPr marL="432000" indent="-324000">
+            <a:endParaRPr lang="en-US" sz="1800" spc="-1" strike="noStrike">
+              <a:solidFill>
+                <a:srgbClr val="000000"/>
+              </a:solidFill>
+              <a:uFill>
+                <a:solidFill>
+                  <a:srgbClr val="ffffff"/>
+                </a:solidFill>
+              </a:uFill>
+              <a:latin typeface="Arial"/>
+            </a:endParaRPr>
+          </a:p>
+          <a:p>
+            <a:pPr marL="432000" indent="-323640">
+              <a:lnSpc>
+                <a:spcPct val="100000"/>
+              </a:lnSpc>
               <a:buClr>
                 <a:srgbClr val="000000"/>
               </a:buClr>
@@ -4099,7 +5865,7 @@
               </a:rPr>
               <a:t> </a:t>
             </a:r>
-            <a:endParaRPr lang="en-US" sz="3200" spc="-1" strike="noStrike">
+            <a:endParaRPr lang="en-US" sz="1800" spc="-1" strike="noStrike">
               <a:solidFill>
                 <a:srgbClr val="000000"/>
               </a:solidFill>
@@ -4164,14 +5930,14 @@
       </p:grpSpPr>
       <p:sp>
         <p:nvSpPr>
-          <p:cNvPr id="77" name="TextShape 1"/>
-          <p:cNvSpPr txBox="1"/>
+          <p:cNvPr id="109" name="CustomShape 1"/>
+          <p:cNvSpPr/>
           <p:nvPr/>
         </p:nvSpPr>
         <p:spPr>
           <a:xfrm>
             <a:off x="504000" y="301320"/>
-            <a:ext cx="9071640" cy="1262160"/>
+            <a:ext cx="9071280" cy="1261800"/>
           </a:xfrm>
           <a:prstGeom prst="rect">
             <a:avLst/>
@@ -4181,10 +5947,292 @@
             <a:noFill/>
           </a:ln>
         </p:spPr>
+        <p:style>
+          <a:lnRef idx="0"/>
+          <a:fillRef idx="0"/>
+          <a:effectRef idx="0"/>
+          <a:fontRef idx="minor"/>
+        </p:style>
         <p:txBody>
           <a:bodyPr lIns="0" rIns="0" tIns="0" bIns="0" anchor="ctr"/>
           <a:p>
-            <a:pPr algn="ctr"/>
+            <a:pPr algn="ctr">
+              <a:lnSpc>
+                <a:spcPct val="100000"/>
+              </a:lnSpc>
+            </a:pPr>
+            <a:r>
+              <a:rPr lang="en-US" sz="4400" spc="-1" strike="noStrike">
+                <a:solidFill>
+                  <a:srgbClr val="000000"/>
+                </a:solidFill>
+                <a:uFill>
+                  <a:solidFill>
+                    <a:srgbClr val="ffffff"/>
+                  </a:solidFill>
+                </a:uFill>
+                <a:latin typeface="Arial"/>
+              </a:rPr>
+              <a:t>Rust Debugging</a:t>
+            </a:r>
+            <a:endParaRPr lang="en-US" sz="1800" spc="-1" strike="noStrike">
+              <a:solidFill>
+                <a:srgbClr val="000000"/>
+              </a:solidFill>
+              <a:uFill>
+                <a:solidFill>
+                  <a:srgbClr val="ffffff"/>
+                </a:solidFill>
+              </a:uFill>
+              <a:latin typeface="Arial"/>
+            </a:endParaRPr>
+          </a:p>
+        </p:txBody>
+      </p:sp>
+      <p:sp>
+        <p:nvSpPr>
+          <p:cNvPr id="110" name="CustomShape 2"/>
+          <p:cNvSpPr/>
+          <p:nvPr/>
+        </p:nvSpPr>
+        <p:spPr>
+          <a:xfrm>
+            <a:off x="504000" y="1769040"/>
+            <a:ext cx="9071280" cy="4384080"/>
+          </a:xfrm>
+          <a:prstGeom prst="rect">
+            <a:avLst/>
+          </a:prstGeom>
+          <a:noFill/>
+          <a:ln>
+            <a:noFill/>
+          </a:ln>
+        </p:spPr>
+        <p:style>
+          <a:lnRef idx="0"/>
+          <a:fillRef idx="0"/>
+          <a:effectRef idx="0"/>
+          <a:fontRef idx="minor"/>
+        </p:style>
+      </p:sp>
+    </p:spTree>
+  </p:cSld>
+  <p:timing>
+    <p:tnLst>
+      <p:par>
+        <p:cTn id="35" dur="indefinite" restart="never" nodeType="tmRoot">
+          <p:childTnLst>
+            <p:seq>
+              <p:cTn id="36" nodeType="mainSeq"/>
+              <p:prevCondLst>
+                <p:cond delay="0" evt="onPrev">
+                  <p:tgtEl>
+                    <p:sldTgt/>
+                  </p:tgtEl>
+                </p:cond>
+              </p:prevCondLst>
+              <p:nextCondLst>
+                <p:cond delay="0" evt="onNext">
+                  <p:tgtEl>
+                    <p:sldTgt/>
+                  </p:tgtEl>
+                </p:cond>
+              </p:nextCondLst>
+            </p:seq>
+          </p:childTnLst>
+        </p:cTn>
+      </p:par>
+    </p:tnLst>
+  </p:timing>
+</p:sld>
+</file>
+
+<file path=ppt/slides/slide21.xml><?xml version="1.0" encoding="utf-8"?>
+<p:sld xmlns:a="http://schemas.openxmlformats.org/drawingml/2006/main" xmlns:p="http://schemas.openxmlformats.org/presentationml/2006/main" xmlns:r="http://schemas.openxmlformats.org/officeDocument/2006/relationships">
+  <p:cSld>
+    <p:spTree>
+      <p:nvGrpSpPr>
+        <p:cNvPr id="1" name=""/>
+        <p:cNvGrpSpPr/>
+        <p:nvPr/>
+      </p:nvGrpSpPr>
+      <p:grpSpPr>
+        <a:xfrm>
+          <a:off x="0" y="0"/>
+          <a:ext cx="0" cy="0"/>
+          <a:chOff x="0" y="0"/>
+          <a:chExt cx="0" cy="0"/>
+        </a:xfrm>
+      </p:grpSpPr>
+      <p:sp>
+        <p:nvSpPr>
+          <p:cNvPr id="111" name="CustomShape 1"/>
+          <p:cNvSpPr/>
+          <p:nvPr/>
+        </p:nvSpPr>
+        <p:spPr>
+          <a:xfrm>
+            <a:off x="504000" y="301320"/>
+            <a:ext cx="9071280" cy="1261800"/>
+          </a:xfrm>
+          <a:prstGeom prst="rect">
+            <a:avLst/>
+          </a:prstGeom>
+          <a:noFill/>
+          <a:ln>
+            <a:noFill/>
+          </a:ln>
+        </p:spPr>
+        <p:style>
+          <a:lnRef idx="0"/>
+          <a:fillRef idx="0"/>
+          <a:effectRef idx="0"/>
+          <a:fontRef idx="minor"/>
+        </p:style>
+        <p:txBody>
+          <a:bodyPr lIns="0" rIns="0" tIns="0" bIns="0" anchor="ctr"/>
+          <a:p>
+            <a:pPr algn="ctr">
+              <a:lnSpc>
+                <a:spcPct val="100000"/>
+              </a:lnSpc>
+            </a:pPr>
+            <a:r>
+              <a:rPr lang="en-US" sz="4400" spc="-1" strike="noStrike">
+                <a:solidFill>
+                  <a:srgbClr val="000000"/>
+                </a:solidFill>
+                <a:uFill>
+                  <a:solidFill>
+                    <a:srgbClr val="ffffff"/>
+                  </a:solidFill>
+                </a:uFill>
+                <a:latin typeface="Arial"/>
+              </a:rPr>
+              <a:t>Rust Performance Tuning</a:t>
+            </a:r>
+            <a:endParaRPr lang="en-US" sz="1800" spc="-1" strike="noStrike">
+              <a:solidFill>
+                <a:srgbClr val="000000"/>
+              </a:solidFill>
+              <a:uFill>
+                <a:solidFill>
+                  <a:srgbClr val="ffffff"/>
+                </a:solidFill>
+              </a:uFill>
+              <a:latin typeface="Arial"/>
+            </a:endParaRPr>
+          </a:p>
+        </p:txBody>
+      </p:sp>
+      <p:sp>
+        <p:nvSpPr>
+          <p:cNvPr id="112" name="CustomShape 2"/>
+          <p:cNvSpPr/>
+          <p:nvPr/>
+        </p:nvSpPr>
+        <p:spPr>
+          <a:xfrm>
+            <a:off x="504000" y="1769040"/>
+            <a:ext cx="9071280" cy="4384080"/>
+          </a:xfrm>
+          <a:prstGeom prst="rect">
+            <a:avLst/>
+          </a:prstGeom>
+          <a:noFill/>
+          <a:ln>
+            <a:noFill/>
+          </a:ln>
+        </p:spPr>
+        <p:style>
+          <a:lnRef idx="0"/>
+          <a:fillRef idx="0"/>
+          <a:effectRef idx="0"/>
+          <a:fontRef idx="minor"/>
+        </p:style>
+      </p:sp>
+    </p:spTree>
+  </p:cSld>
+  <p:timing>
+    <p:tnLst>
+      <p:par>
+        <p:cTn id="37" dur="indefinite" restart="never" nodeType="tmRoot">
+          <p:childTnLst>
+            <p:seq>
+              <p:cTn id="38" nodeType="mainSeq"/>
+              <p:prevCondLst>
+                <p:cond delay="0" evt="onPrev">
+                  <p:tgtEl>
+                    <p:sldTgt/>
+                  </p:tgtEl>
+                </p:cond>
+              </p:prevCondLst>
+              <p:nextCondLst>
+                <p:cond delay="0" evt="onNext">
+                  <p:tgtEl>
+                    <p:sldTgt/>
+                  </p:tgtEl>
+                </p:cond>
+              </p:nextCondLst>
+            </p:seq>
+          </p:childTnLst>
+        </p:cTn>
+      </p:par>
+    </p:tnLst>
+  </p:timing>
+</p:sld>
+</file>
+
+<file path=ppt/slides/slide22.xml><?xml version="1.0" encoding="utf-8"?>
+<p:sld xmlns:a="http://schemas.openxmlformats.org/drawingml/2006/main" xmlns:p="http://schemas.openxmlformats.org/presentationml/2006/main" xmlns:r="http://schemas.openxmlformats.org/officeDocument/2006/relationships">
+  <p:cSld>
+    <p:spTree>
+      <p:nvGrpSpPr>
+        <p:cNvPr id="1" name=""/>
+        <p:cNvGrpSpPr/>
+        <p:nvPr/>
+      </p:nvGrpSpPr>
+      <p:grpSpPr>
+        <a:xfrm>
+          <a:off x="0" y="0"/>
+          <a:ext cx="0" cy="0"/>
+          <a:chOff x="0" y="0"/>
+          <a:chExt cx="0" cy="0"/>
+        </a:xfrm>
+      </p:grpSpPr>
+      <p:sp>
+        <p:nvSpPr>
+          <p:cNvPr id="113" name="CustomShape 1"/>
+          <p:cNvSpPr/>
+          <p:nvPr/>
+        </p:nvSpPr>
+        <p:spPr>
+          <a:xfrm>
+            <a:off x="504000" y="301320"/>
+            <a:ext cx="9071280" cy="1261800"/>
+          </a:xfrm>
+          <a:prstGeom prst="rect">
+            <a:avLst/>
+          </a:prstGeom>
+          <a:noFill/>
+          <a:ln>
+            <a:noFill/>
+          </a:ln>
+        </p:spPr>
+        <p:style>
+          <a:lnRef idx="0"/>
+          <a:fillRef idx="0"/>
+          <a:effectRef idx="0"/>
+          <a:fontRef idx="minor"/>
+        </p:style>
+        <p:txBody>
+          <a:bodyPr lIns="0" rIns="0" tIns="0" bIns="0" anchor="ctr"/>
+          <a:p>
+            <a:pPr algn="ctr">
+              <a:lnSpc>
+                <a:spcPct val="100000"/>
+              </a:lnSpc>
+            </a:pPr>
             <a:r>
               <a:rPr lang="en-US" sz="4400" spc="-1" strike="noStrike">
                 <a:solidFill>
@@ -4199,30 +6247,30 @@
               </a:rPr>
               <a:t>Additional Resources</a:t>
             </a:r>
-            <a:endParaRPr lang="en-US" sz="4400" spc="-1" strike="noStrike">
-              <a:solidFill>
-                <a:srgbClr val="000000"/>
-              </a:solidFill>
-              <a:uFill>
-                <a:solidFill>
-                  <a:srgbClr val="ffffff"/>
-                </a:solidFill>
-              </a:uFill>
-              <a:latin typeface="Arial"/>
-            </a:endParaRPr>
-          </a:p>
-        </p:txBody>
-      </p:sp>
-      <p:sp>
-        <p:nvSpPr>
-          <p:cNvPr id="78" name="TextShape 2"/>
-          <p:cNvSpPr txBox="1"/>
+            <a:endParaRPr lang="en-US" sz="1800" spc="-1" strike="noStrike">
+              <a:solidFill>
+                <a:srgbClr val="000000"/>
+              </a:solidFill>
+              <a:uFill>
+                <a:solidFill>
+                  <a:srgbClr val="ffffff"/>
+                </a:solidFill>
+              </a:uFill>
+              <a:latin typeface="Arial"/>
+            </a:endParaRPr>
+          </a:p>
+        </p:txBody>
+      </p:sp>
+      <p:sp>
+        <p:nvSpPr>
+          <p:cNvPr id="114" name="CustomShape 2"/>
+          <p:cNvSpPr/>
           <p:nvPr/>
         </p:nvSpPr>
         <p:spPr>
           <a:xfrm>
             <a:off x="504000" y="1769040"/>
-            <a:ext cx="9071640" cy="4384440"/>
+            <a:ext cx="9071280" cy="4384080"/>
           </a:xfrm>
           <a:prstGeom prst="rect">
             <a:avLst/>
@@ -4232,22 +6280,12 @@
             <a:noFill/>
           </a:ln>
         </p:spPr>
-        <p:txBody>
-          <a:bodyPr lIns="0" rIns="0" tIns="0" bIns="0"/>
-          <a:p>
-            <a:endParaRPr lang="en-US" sz="3200" spc="-1" strike="noStrike">
-              <a:solidFill>
-                <a:srgbClr val="000000"/>
-              </a:solidFill>
-              <a:uFill>
-                <a:solidFill>
-                  <a:srgbClr val="ffffff"/>
-                </a:solidFill>
-              </a:uFill>
-              <a:latin typeface="Arial"/>
-            </a:endParaRPr>
-          </a:p>
-        </p:txBody>
+        <p:style>
+          <a:lnRef idx="0"/>
+          <a:fillRef idx="0"/>
+          <a:effectRef idx="0"/>
+          <a:fontRef idx="minor"/>
+        </p:style>
       </p:sp>
     </p:spTree>
   </p:cSld>
@@ -4300,14 +6338,14 @@
       </p:grpSpPr>
       <p:sp>
         <p:nvSpPr>
-          <p:cNvPr id="43" name="TextShape 1"/>
-          <p:cNvSpPr txBox="1"/>
+          <p:cNvPr id="77" name="CustomShape 1"/>
+          <p:cNvSpPr/>
           <p:nvPr/>
         </p:nvSpPr>
         <p:spPr>
           <a:xfrm>
             <a:off x="504000" y="301320"/>
-            <a:ext cx="9071640" cy="1262160"/>
+            <a:ext cx="9071280" cy="1261800"/>
           </a:xfrm>
           <a:prstGeom prst="rect">
             <a:avLst/>
@@ -4317,10 +6355,20 @@
             <a:noFill/>
           </a:ln>
         </p:spPr>
+        <p:style>
+          <a:lnRef idx="0"/>
+          <a:fillRef idx="0"/>
+          <a:effectRef idx="0"/>
+          <a:fontRef idx="minor"/>
+        </p:style>
         <p:txBody>
           <a:bodyPr lIns="0" rIns="0" tIns="0" bIns="0" anchor="ctr"/>
           <a:p>
-            <a:pPr algn="ctr"/>
+            <a:pPr algn="ctr">
+              <a:lnSpc>
+                <a:spcPct val="100000"/>
+              </a:lnSpc>
+            </a:pPr>
             <a:r>
               <a:rPr lang="en-US" sz="4400" spc="-1" strike="noStrike">
                 <a:solidFill>
@@ -4335,30 +6383,30 @@
               </a:rPr>
               <a:t>Why Learn Rust</a:t>
             </a:r>
-            <a:endParaRPr lang="en-US" sz="4400" spc="-1" strike="noStrike">
-              <a:solidFill>
-                <a:srgbClr val="000000"/>
-              </a:solidFill>
-              <a:uFill>
-                <a:solidFill>
-                  <a:srgbClr val="ffffff"/>
-                </a:solidFill>
-              </a:uFill>
-              <a:latin typeface="Arial"/>
-            </a:endParaRPr>
-          </a:p>
-        </p:txBody>
-      </p:sp>
-      <p:sp>
-        <p:nvSpPr>
-          <p:cNvPr id="44" name="TextShape 2"/>
-          <p:cNvSpPr txBox="1"/>
+            <a:endParaRPr lang="en-US" sz="1800" spc="-1" strike="noStrike">
+              <a:solidFill>
+                <a:srgbClr val="000000"/>
+              </a:solidFill>
+              <a:uFill>
+                <a:solidFill>
+                  <a:srgbClr val="ffffff"/>
+                </a:solidFill>
+              </a:uFill>
+              <a:latin typeface="Arial"/>
+            </a:endParaRPr>
+          </a:p>
+        </p:txBody>
+      </p:sp>
+      <p:sp>
+        <p:nvSpPr>
+          <p:cNvPr id="78" name="CustomShape 2"/>
+          <p:cNvSpPr/>
           <p:nvPr/>
         </p:nvSpPr>
         <p:spPr>
           <a:xfrm>
             <a:off x="504000" y="1769040"/>
-            <a:ext cx="9071640" cy="4384440"/>
+            <a:ext cx="9071280" cy="4384080"/>
           </a:xfrm>
           <a:prstGeom prst="rect">
             <a:avLst/>
@@ -4368,22 +6416,12 @@
             <a:noFill/>
           </a:ln>
         </p:spPr>
-        <p:txBody>
-          <a:bodyPr lIns="0" rIns="0" tIns="0" bIns="0"/>
-          <a:p>
-            <a:endParaRPr lang="en-US" sz="3200" spc="-1" strike="noStrike">
-              <a:solidFill>
-                <a:srgbClr val="000000"/>
-              </a:solidFill>
-              <a:uFill>
-                <a:solidFill>
-                  <a:srgbClr val="ffffff"/>
-                </a:solidFill>
-              </a:uFill>
-              <a:latin typeface="Arial"/>
-            </a:endParaRPr>
-          </a:p>
-        </p:txBody>
+        <p:style>
+          <a:lnRef idx="0"/>
+          <a:fillRef idx="0"/>
+          <a:effectRef idx="0"/>
+          <a:fontRef idx="minor"/>
+        </p:style>
       </p:sp>
     </p:spTree>
   </p:cSld>
@@ -4436,14 +6474,14 @@
       </p:grpSpPr>
       <p:sp>
         <p:nvSpPr>
-          <p:cNvPr id="45" name="TextShape 1"/>
-          <p:cNvSpPr txBox="1"/>
+          <p:cNvPr id="79" name="CustomShape 1"/>
+          <p:cNvSpPr/>
           <p:nvPr/>
         </p:nvSpPr>
         <p:spPr>
           <a:xfrm>
             <a:off x="504000" y="301320"/>
-            <a:ext cx="9071640" cy="1262160"/>
+            <a:ext cx="9071280" cy="1261800"/>
           </a:xfrm>
           <a:prstGeom prst="rect">
             <a:avLst/>
@@ -4453,10 +6491,20 @@
             <a:noFill/>
           </a:ln>
         </p:spPr>
+        <p:style>
+          <a:lnRef idx="0"/>
+          <a:fillRef idx="0"/>
+          <a:effectRef idx="0"/>
+          <a:fontRef idx="minor"/>
+        </p:style>
         <p:txBody>
           <a:bodyPr lIns="0" rIns="0" tIns="0" bIns="0" anchor="ctr"/>
           <a:p>
-            <a:pPr algn="ctr"/>
+            <a:pPr algn="ctr">
+              <a:lnSpc>
+                <a:spcPct val="100000"/>
+              </a:lnSpc>
+            </a:pPr>
             <a:r>
               <a:rPr lang="en-US" sz="4400" spc="-1" strike="noStrike">
                 <a:solidFill>
@@ -4471,30 +6519,30 @@
               </a:rPr>
               <a:t>Rust History</a:t>
             </a:r>
-            <a:endParaRPr lang="en-US" sz="4400" spc="-1" strike="noStrike">
-              <a:solidFill>
-                <a:srgbClr val="000000"/>
-              </a:solidFill>
-              <a:uFill>
-                <a:solidFill>
-                  <a:srgbClr val="ffffff"/>
-                </a:solidFill>
-              </a:uFill>
-              <a:latin typeface="Arial"/>
-            </a:endParaRPr>
-          </a:p>
-        </p:txBody>
-      </p:sp>
-      <p:sp>
-        <p:nvSpPr>
-          <p:cNvPr id="46" name="TextShape 2"/>
-          <p:cNvSpPr txBox="1"/>
+            <a:endParaRPr lang="en-US" sz="1800" spc="-1" strike="noStrike">
+              <a:solidFill>
+                <a:srgbClr val="000000"/>
+              </a:solidFill>
+              <a:uFill>
+                <a:solidFill>
+                  <a:srgbClr val="ffffff"/>
+                </a:solidFill>
+              </a:uFill>
+              <a:latin typeface="Arial"/>
+            </a:endParaRPr>
+          </a:p>
+        </p:txBody>
+      </p:sp>
+      <p:sp>
+        <p:nvSpPr>
+          <p:cNvPr id="80" name="CustomShape 2"/>
+          <p:cNvSpPr/>
           <p:nvPr/>
         </p:nvSpPr>
         <p:spPr>
           <a:xfrm>
             <a:off x="504000" y="1769040"/>
-            <a:ext cx="9071640" cy="4384440"/>
+            <a:ext cx="9071280" cy="4384080"/>
           </a:xfrm>
           <a:prstGeom prst="rect">
             <a:avLst/>
@@ -4504,22 +6552,12 @@
             <a:noFill/>
           </a:ln>
         </p:spPr>
-        <p:txBody>
-          <a:bodyPr lIns="0" rIns="0" tIns="0" bIns="0"/>
-          <a:p>
-            <a:endParaRPr lang="en-US" sz="3200" spc="-1" strike="noStrike">
-              <a:solidFill>
-                <a:srgbClr val="000000"/>
-              </a:solidFill>
-              <a:uFill>
-                <a:solidFill>
-                  <a:srgbClr val="ffffff"/>
-                </a:solidFill>
-              </a:uFill>
-              <a:latin typeface="Arial"/>
-            </a:endParaRPr>
-          </a:p>
-        </p:txBody>
+        <p:style>
+          <a:lnRef idx="0"/>
+          <a:fillRef idx="0"/>
+          <a:effectRef idx="0"/>
+          <a:fontRef idx="minor"/>
+        </p:style>
       </p:sp>
     </p:spTree>
   </p:cSld>
@@ -4572,14 +6610,14 @@
       </p:grpSpPr>
       <p:sp>
         <p:nvSpPr>
-          <p:cNvPr id="47" name="TextShape 1"/>
+          <p:cNvPr id="81" name="TextShape 1"/>
           <p:cNvSpPr txBox="1"/>
           <p:nvPr/>
         </p:nvSpPr>
         <p:spPr>
           <a:xfrm>
             <a:off x="504000" y="301320"/>
-            <a:ext cx="9071640" cy="1262160"/>
+            <a:ext cx="9071280" cy="1261800"/>
           </a:xfrm>
           <a:prstGeom prst="rect">
             <a:avLst/>
@@ -4605,7 +6643,7 @@
                 </a:uFill>
                 <a:latin typeface="Arial"/>
               </a:rPr>
-              <a:t>Rust Data Types</a:t>
+              <a:t>Rust Program Example</a:t>
             </a:r>
             <a:endParaRPr lang="en-US" sz="4400" spc="-1" strike="noStrike">
               <a:solidFill>
@@ -4621,71 +6659,8 @@
           </a:p>
         </p:txBody>
       </p:sp>
-      <p:sp>
-        <p:nvSpPr>
-          <p:cNvPr id="48" name="TextShape 2"/>
-          <p:cNvSpPr txBox="1"/>
-          <p:nvPr/>
-        </p:nvSpPr>
-        <p:spPr>
-          <a:xfrm>
-            <a:off x="504000" y="1769040"/>
-            <a:ext cx="9071640" cy="4384440"/>
-          </a:xfrm>
-          <a:prstGeom prst="rect">
-            <a:avLst/>
-          </a:prstGeom>
-          <a:noFill/>
-          <a:ln>
-            <a:noFill/>
-          </a:ln>
-        </p:spPr>
-        <p:txBody>
-          <a:bodyPr lIns="0" rIns="0" tIns="0" bIns="0"/>
-          <a:p>
-            <a:endParaRPr lang="en-US" sz="3200" spc="-1" strike="noStrike">
-              <a:solidFill>
-                <a:srgbClr val="000000"/>
-              </a:solidFill>
-              <a:uFill>
-                <a:solidFill>
-                  <a:srgbClr val="ffffff"/>
-                </a:solidFill>
-              </a:uFill>
-              <a:latin typeface="Arial"/>
-            </a:endParaRPr>
-          </a:p>
-        </p:txBody>
-      </p:sp>
     </p:spTree>
   </p:cSld>
-  <p:timing>
-    <p:tnLst>
-      <p:par>
-        <p:cTn id="9" dur="indefinite" restart="never" nodeType="tmRoot">
-          <p:childTnLst>
-            <p:seq>
-              <p:cTn id="10" nodeType="mainSeq"/>
-              <p:prevCondLst>
-                <p:cond delay="0" evt="onPrev">
-                  <p:tgtEl>
-                    <p:sldTgt/>
-                  </p:tgtEl>
-                </p:cond>
-              </p:prevCondLst>
-              <p:nextCondLst>
-                <p:cond delay="0" evt="onNext">
-                  <p:tgtEl>
-                    <p:sldTgt/>
-                  </p:tgtEl>
-                </p:cond>
-              </p:nextCondLst>
-            </p:seq>
-          </p:childTnLst>
-        </p:cTn>
-      </p:par>
-    </p:tnLst>
-  </p:timing>
 </p:sld>
 </file>
 
@@ -4708,14 +6683,14 @@
       </p:grpSpPr>
       <p:sp>
         <p:nvSpPr>
-          <p:cNvPr id="49" name="TextShape 1"/>
-          <p:cNvSpPr txBox="1"/>
+          <p:cNvPr id="82" name="CustomShape 1"/>
+          <p:cNvSpPr/>
           <p:nvPr/>
         </p:nvSpPr>
         <p:spPr>
           <a:xfrm>
             <a:off x="504000" y="301320"/>
-            <a:ext cx="9071640" cy="1262160"/>
+            <a:ext cx="9071280" cy="1261800"/>
           </a:xfrm>
           <a:prstGeom prst="rect">
             <a:avLst/>
@@ -4725,10 +6700,20 @@
             <a:noFill/>
           </a:ln>
         </p:spPr>
+        <p:style>
+          <a:lnRef idx="0"/>
+          <a:fillRef idx="0"/>
+          <a:effectRef idx="0"/>
+          <a:fontRef idx="minor"/>
+        </p:style>
         <p:txBody>
           <a:bodyPr lIns="0" rIns="0" tIns="0" bIns="0" anchor="ctr"/>
           <a:p>
-            <a:pPr algn="ctr"/>
+            <a:pPr algn="ctr">
+              <a:lnSpc>
+                <a:spcPct val="100000"/>
+              </a:lnSpc>
+            </a:pPr>
             <a:r>
               <a:rPr lang="en-US" sz="4400" spc="-1" strike="noStrike">
                 <a:solidFill>
@@ -4741,32 +6726,32 @@
                 </a:uFill>
                 <a:latin typeface="Arial"/>
               </a:rPr>
-              <a:t>Rust Control Statements</a:t>
+              <a:t>Rust Data Types</a:t>
             </a:r>
-            <a:endParaRPr lang="en-US" sz="4400" spc="-1" strike="noStrike">
-              <a:solidFill>
-                <a:srgbClr val="000000"/>
-              </a:solidFill>
-              <a:uFill>
-                <a:solidFill>
-                  <a:srgbClr val="ffffff"/>
-                </a:solidFill>
-              </a:uFill>
-              <a:latin typeface="Arial"/>
-            </a:endParaRPr>
-          </a:p>
-        </p:txBody>
-      </p:sp>
-      <p:sp>
-        <p:nvSpPr>
-          <p:cNvPr id="50" name="TextShape 2"/>
-          <p:cNvSpPr txBox="1"/>
+            <a:endParaRPr lang="en-US" sz="1800" spc="-1" strike="noStrike">
+              <a:solidFill>
+                <a:srgbClr val="000000"/>
+              </a:solidFill>
+              <a:uFill>
+                <a:solidFill>
+                  <a:srgbClr val="ffffff"/>
+                </a:solidFill>
+              </a:uFill>
+              <a:latin typeface="Arial"/>
+            </a:endParaRPr>
+          </a:p>
+        </p:txBody>
+      </p:sp>
+      <p:sp>
+        <p:nvSpPr>
+          <p:cNvPr id="83" name="CustomShape 2"/>
+          <p:cNvSpPr/>
           <p:nvPr/>
         </p:nvSpPr>
         <p:spPr>
           <a:xfrm>
             <a:off x="504000" y="1769040"/>
-            <a:ext cx="9071640" cy="4384440"/>
+            <a:ext cx="9071280" cy="4384080"/>
           </a:xfrm>
           <a:prstGeom prst="rect">
             <a:avLst/>
@@ -4776,32 +6761,22 @@
             <a:noFill/>
           </a:ln>
         </p:spPr>
-        <p:txBody>
-          <a:bodyPr lIns="0" rIns="0" tIns="0" bIns="0"/>
-          <a:p>
-            <a:endParaRPr lang="en-US" sz="3200" spc="-1" strike="noStrike">
-              <a:solidFill>
-                <a:srgbClr val="000000"/>
-              </a:solidFill>
-              <a:uFill>
-                <a:solidFill>
-                  <a:srgbClr val="ffffff"/>
-                </a:solidFill>
-              </a:uFill>
-              <a:latin typeface="Arial"/>
-            </a:endParaRPr>
-          </a:p>
-        </p:txBody>
+        <p:style>
+          <a:lnRef idx="0"/>
+          <a:fillRef idx="0"/>
+          <a:effectRef idx="0"/>
+          <a:fontRef idx="minor"/>
+        </p:style>
       </p:sp>
     </p:spTree>
   </p:cSld>
   <p:timing>
     <p:tnLst>
       <p:par>
-        <p:cTn id="11" dur="indefinite" restart="never" nodeType="tmRoot">
+        <p:cTn id="9" dur="indefinite" restart="never" nodeType="tmRoot">
           <p:childTnLst>
             <p:seq>
-              <p:cTn id="12" nodeType="mainSeq"/>
+              <p:cTn id="10" nodeType="mainSeq"/>
               <p:prevCondLst>
                 <p:cond delay="0" evt="onPrev">
                   <p:tgtEl>
@@ -4844,14 +6819,14 @@
       </p:grpSpPr>
       <p:sp>
         <p:nvSpPr>
-          <p:cNvPr id="51" name="TextShape 1"/>
+          <p:cNvPr id="84" name="TextShape 1"/>
           <p:cNvSpPr txBox="1"/>
           <p:nvPr/>
         </p:nvSpPr>
         <p:spPr>
           <a:xfrm>
             <a:off x="504000" y="301320"/>
-            <a:ext cx="9071640" cy="1262160"/>
+            <a:ext cx="9071280" cy="1261800"/>
           </a:xfrm>
           <a:prstGeom prst="rect">
             <a:avLst/>
@@ -4877,7 +6852,7 @@
                 </a:uFill>
                 <a:latin typeface="Arial"/>
               </a:rPr>
-              <a:t>Rust Functions</a:t>
+              <a:t>Logical Operators</a:t>
             </a:r>
             <a:endParaRPr lang="en-US" sz="4400" spc="-1" strike="noStrike">
               <a:solidFill>
@@ -4893,71 +6868,8 @@
           </a:p>
         </p:txBody>
       </p:sp>
-      <p:sp>
-        <p:nvSpPr>
-          <p:cNvPr id="52" name="TextShape 2"/>
-          <p:cNvSpPr txBox="1"/>
-          <p:nvPr/>
-        </p:nvSpPr>
-        <p:spPr>
-          <a:xfrm>
-            <a:off x="504000" y="1769040"/>
-            <a:ext cx="9071640" cy="4384440"/>
-          </a:xfrm>
-          <a:prstGeom prst="rect">
-            <a:avLst/>
-          </a:prstGeom>
-          <a:noFill/>
-          <a:ln>
-            <a:noFill/>
-          </a:ln>
-        </p:spPr>
-        <p:txBody>
-          <a:bodyPr lIns="0" rIns="0" tIns="0" bIns="0"/>
-          <a:p>
-            <a:endParaRPr lang="en-US" sz="3200" spc="-1" strike="noStrike">
-              <a:solidFill>
-                <a:srgbClr val="000000"/>
-              </a:solidFill>
-              <a:uFill>
-                <a:solidFill>
-                  <a:srgbClr val="ffffff"/>
-                </a:solidFill>
-              </a:uFill>
-              <a:latin typeface="Arial"/>
-            </a:endParaRPr>
-          </a:p>
-        </p:txBody>
-      </p:sp>
     </p:spTree>
   </p:cSld>
-  <p:timing>
-    <p:tnLst>
-      <p:par>
-        <p:cTn id="13" dur="indefinite" restart="never" nodeType="tmRoot">
-          <p:childTnLst>
-            <p:seq>
-              <p:cTn id="14" nodeType="mainSeq"/>
-              <p:prevCondLst>
-                <p:cond delay="0" evt="onPrev">
-                  <p:tgtEl>
-                    <p:sldTgt/>
-                  </p:tgtEl>
-                </p:cond>
-              </p:prevCondLst>
-              <p:nextCondLst>
-                <p:cond delay="0" evt="onNext">
-                  <p:tgtEl>
-                    <p:sldTgt/>
-                  </p:tgtEl>
-                </p:cond>
-              </p:nextCondLst>
-            </p:seq>
-          </p:childTnLst>
-        </p:cTn>
-      </p:par>
-    </p:tnLst>
-  </p:timing>
 </p:sld>
 </file>
 
@@ -4980,14 +6892,14 @@
       </p:grpSpPr>
       <p:sp>
         <p:nvSpPr>
-          <p:cNvPr id="53" name="TextShape 1"/>
-          <p:cNvSpPr txBox="1"/>
+          <p:cNvPr id="85" name="CustomShape 1"/>
+          <p:cNvSpPr/>
           <p:nvPr/>
         </p:nvSpPr>
         <p:spPr>
           <a:xfrm>
             <a:off x="504000" y="301320"/>
-            <a:ext cx="9071640" cy="1262160"/>
+            <a:ext cx="9071280" cy="1261800"/>
           </a:xfrm>
           <a:prstGeom prst="rect">
             <a:avLst/>
@@ -4997,10 +6909,20 @@
             <a:noFill/>
           </a:ln>
         </p:spPr>
+        <p:style>
+          <a:lnRef idx="0"/>
+          <a:fillRef idx="0"/>
+          <a:effectRef idx="0"/>
+          <a:fontRef idx="minor"/>
+        </p:style>
         <p:txBody>
           <a:bodyPr lIns="0" rIns="0" tIns="0" bIns="0" anchor="ctr"/>
           <a:p>
-            <a:pPr algn="ctr"/>
+            <a:pPr algn="ctr">
+              <a:lnSpc>
+                <a:spcPct val="100000"/>
+              </a:lnSpc>
+            </a:pPr>
             <a:r>
               <a:rPr lang="en-US" sz="4400" spc="-1" strike="noStrike">
                 <a:solidFill>
@@ -5013,32 +6935,32 @@
                 </a:uFill>
                 <a:latin typeface="Arial"/>
               </a:rPr>
-              <a:t>Rust Concurrency</a:t>
+              <a:t>Rust Control Statements</a:t>
             </a:r>
-            <a:endParaRPr lang="en-US" sz="4400" spc="-1" strike="noStrike">
-              <a:solidFill>
-                <a:srgbClr val="000000"/>
-              </a:solidFill>
-              <a:uFill>
-                <a:solidFill>
-                  <a:srgbClr val="ffffff"/>
-                </a:solidFill>
-              </a:uFill>
-              <a:latin typeface="Arial"/>
-            </a:endParaRPr>
-          </a:p>
-        </p:txBody>
-      </p:sp>
-      <p:sp>
-        <p:nvSpPr>
-          <p:cNvPr id="54" name="TextShape 2"/>
-          <p:cNvSpPr txBox="1"/>
+            <a:endParaRPr lang="en-US" sz="1800" spc="-1" strike="noStrike">
+              <a:solidFill>
+                <a:srgbClr val="000000"/>
+              </a:solidFill>
+              <a:uFill>
+                <a:solidFill>
+                  <a:srgbClr val="ffffff"/>
+                </a:solidFill>
+              </a:uFill>
+              <a:latin typeface="Arial"/>
+            </a:endParaRPr>
+          </a:p>
+        </p:txBody>
+      </p:sp>
+      <p:sp>
+        <p:nvSpPr>
+          <p:cNvPr id="86" name="CustomShape 2"/>
+          <p:cNvSpPr/>
           <p:nvPr/>
         </p:nvSpPr>
         <p:spPr>
           <a:xfrm>
             <a:off x="504000" y="1769040"/>
-            <a:ext cx="9071640" cy="4384440"/>
+            <a:ext cx="9071280" cy="4384080"/>
           </a:xfrm>
           <a:prstGeom prst="rect">
             <a:avLst/>
@@ -5048,32 +6970,22 @@
             <a:noFill/>
           </a:ln>
         </p:spPr>
-        <p:txBody>
-          <a:bodyPr lIns="0" rIns="0" tIns="0" bIns="0"/>
-          <a:p>
-            <a:endParaRPr lang="en-US" sz="3200" spc="-1" strike="noStrike">
-              <a:solidFill>
-                <a:srgbClr val="000000"/>
-              </a:solidFill>
-              <a:uFill>
-                <a:solidFill>
-                  <a:srgbClr val="ffffff"/>
-                </a:solidFill>
-              </a:uFill>
-              <a:latin typeface="Arial"/>
-            </a:endParaRPr>
-          </a:p>
-        </p:txBody>
+        <p:style>
+          <a:lnRef idx="0"/>
+          <a:fillRef idx="0"/>
+          <a:effectRef idx="0"/>
+          <a:fontRef idx="minor"/>
+        </p:style>
       </p:sp>
     </p:spTree>
   </p:cSld>
   <p:timing>
     <p:tnLst>
       <p:par>
-        <p:cTn id="15" dur="indefinite" restart="never" nodeType="tmRoot">
+        <p:cTn id="11" dur="indefinite" restart="never" nodeType="tmRoot">
           <p:childTnLst>
             <p:seq>
-              <p:cTn id="16" nodeType="mainSeq"/>
+              <p:cTn id="12" nodeType="mainSeq"/>
               <p:prevCondLst>
                 <p:cond delay="0" evt="onPrev">
                   <p:tgtEl>
@@ -5116,14 +7028,14 @@
       </p:grpSpPr>
       <p:sp>
         <p:nvSpPr>
-          <p:cNvPr id="55" name="TextShape 1"/>
-          <p:cNvSpPr txBox="1"/>
+          <p:cNvPr id="87" name="CustomShape 1"/>
+          <p:cNvSpPr/>
           <p:nvPr/>
         </p:nvSpPr>
         <p:spPr>
           <a:xfrm>
             <a:off x="504000" y="301320"/>
-            <a:ext cx="9071640" cy="1262160"/>
+            <a:ext cx="9071280" cy="1261800"/>
           </a:xfrm>
           <a:prstGeom prst="rect">
             <a:avLst/>
@@ -5133,10 +7045,20 @@
             <a:noFill/>
           </a:ln>
         </p:spPr>
+        <p:style>
+          <a:lnRef idx="0"/>
+          <a:fillRef idx="0"/>
+          <a:effectRef idx="0"/>
+          <a:fontRef idx="minor"/>
+        </p:style>
         <p:txBody>
           <a:bodyPr lIns="0" rIns="0" tIns="0" bIns="0" anchor="ctr"/>
           <a:p>
-            <a:pPr algn="ctr"/>
+            <a:pPr algn="ctr">
+              <a:lnSpc>
+                <a:spcPct val="100000"/>
+              </a:lnSpc>
+            </a:pPr>
             <a:r>
               <a:rPr lang="en-US" sz="4400" spc="-1" strike="noStrike">
                 <a:solidFill>
@@ -5149,32 +7071,32 @@
                 </a:uFill>
                 <a:latin typeface="Arial"/>
               </a:rPr>
-              <a:t>Rust Standard Library</a:t>
+              <a:t>Rust Functions</a:t>
             </a:r>
-            <a:endParaRPr lang="en-US" sz="4400" spc="-1" strike="noStrike">
-              <a:solidFill>
-                <a:srgbClr val="000000"/>
-              </a:solidFill>
-              <a:uFill>
-                <a:solidFill>
-                  <a:srgbClr val="ffffff"/>
-                </a:solidFill>
-              </a:uFill>
-              <a:latin typeface="Arial"/>
-            </a:endParaRPr>
-          </a:p>
-        </p:txBody>
-      </p:sp>
-      <p:sp>
-        <p:nvSpPr>
-          <p:cNvPr id="56" name="TextShape 2"/>
-          <p:cNvSpPr txBox="1"/>
+            <a:endParaRPr lang="en-US" sz="1800" spc="-1" strike="noStrike">
+              <a:solidFill>
+                <a:srgbClr val="000000"/>
+              </a:solidFill>
+              <a:uFill>
+                <a:solidFill>
+                  <a:srgbClr val="ffffff"/>
+                </a:solidFill>
+              </a:uFill>
+              <a:latin typeface="Arial"/>
+            </a:endParaRPr>
+          </a:p>
+        </p:txBody>
+      </p:sp>
+      <p:sp>
+        <p:nvSpPr>
+          <p:cNvPr id="88" name="CustomShape 2"/>
+          <p:cNvSpPr/>
           <p:nvPr/>
         </p:nvSpPr>
         <p:spPr>
           <a:xfrm>
             <a:off x="504000" y="1769040"/>
-            <a:ext cx="9071640" cy="4384440"/>
+            <a:ext cx="9071280" cy="4384080"/>
           </a:xfrm>
           <a:prstGeom prst="rect">
             <a:avLst/>
@@ -5184,32 +7106,22 @@
             <a:noFill/>
           </a:ln>
         </p:spPr>
-        <p:txBody>
-          <a:bodyPr lIns="0" rIns="0" tIns="0" bIns="0"/>
-          <a:p>
-            <a:endParaRPr lang="en-US" sz="3200" spc="-1" strike="noStrike">
-              <a:solidFill>
-                <a:srgbClr val="000000"/>
-              </a:solidFill>
-              <a:uFill>
-                <a:solidFill>
-                  <a:srgbClr val="ffffff"/>
-                </a:solidFill>
-              </a:uFill>
-              <a:latin typeface="Arial"/>
-            </a:endParaRPr>
-          </a:p>
-        </p:txBody>
+        <p:style>
+          <a:lnRef idx="0"/>
+          <a:fillRef idx="0"/>
+          <a:effectRef idx="0"/>
+          <a:fontRef idx="minor"/>
+        </p:style>
       </p:sp>
     </p:spTree>
   </p:cSld>
   <p:timing>
     <p:tnLst>
       <p:par>
-        <p:cTn id="17" dur="indefinite" restart="never" nodeType="tmRoot">
+        <p:cTn id="13" dur="indefinite" restart="never" nodeType="tmRoot">
           <p:childTnLst>
             <p:seq>
-              <p:cTn id="18" nodeType="mainSeq"/>
+              <p:cTn id="14" nodeType="mainSeq"/>
               <p:prevCondLst>
                 <p:cond delay="0" evt="onPrev">
                   <p:tgtEl>
@@ -5454,4 +7366,227 @@
     </a:fmtScheme>
   </a:themeElements>
 </a:theme>
+</file>
+
+<file path=ppt/theme/theme2.xml><?xml version="1.0" encoding="utf-8"?>
+<a:theme xmlns:a="http://schemas.openxmlformats.org/drawingml/2006/main" name="Office Theme">
+  <a:themeElements>
+    <a:clrScheme name="Office">
+      <a:dk1>
+        <a:sysClr val="windowText" lastClr="000000"/>
+      </a:dk1>
+      <a:lt1>
+        <a:sysClr val="window" lastClr="FFFFFF"/>
+      </a:lt1>
+      <a:dk2>
+        <a:srgbClr val="1F497D"/>
+      </a:dk2>
+      <a:lt2>
+        <a:srgbClr val="EEECE1"/>
+      </a:lt2>
+      <a:accent1>
+        <a:srgbClr val="4F81BD"/>
+      </a:accent1>
+      <a:accent2>
+        <a:srgbClr val="C0504D"/>
+      </a:accent2>
+      <a:accent3>
+        <a:srgbClr val="9BBB59"/>
+      </a:accent3>
+      <a:accent4>
+        <a:srgbClr val="8064A2"/>
+      </a:accent4>
+      <a:accent5>
+        <a:srgbClr val="4BACC6"/>
+      </a:accent5>
+      <a:accent6>
+        <a:srgbClr val="F79646"/>
+      </a:accent6>
+      <a:hlink>
+        <a:srgbClr val="0000FF"/>
+      </a:hlink>
+      <a:folHlink>
+        <a:srgbClr val="800080"/>
+      </a:folHlink>
+    </a:clrScheme>
+    <a:fontScheme name="Office">
+      <a:majorFont>
+        <a:latin typeface="Arial"/>
+        <a:ea typeface="DejaVu Sans"/>
+        <a:cs typeface="DejaVu Sans"/>
+      </a:majorFont>
+      <a:minorFont>
+        <a:latin typeface="Arial"/>
+        <a:ea typeface="DejaVu Sans"/>
+        <a:cs typeface="DejaVu Sans"/>
+      </a:minorFont>
+    </a:fontScheme>
+    <a:fmtScheme name="Office">
+      <a:fillStyleLst>
+        <a:solidFill>
+          <a:schemeClr val="phClr"/>
+        </a:solidFill>
+        <a:gradFill rotWithShape="1">
+          <a:gsLst>
+            <a:gs pos="0">
+              <a:schemeClr val="phClr">
+                <a:tint val="50000"/>
+                <a:satMod val="300000"/>
+              </a:schemeClr>
+            </a:gs>
+            <a:gs pos="35000">
+              <a:schemeClr val="phClr">
+                <a:tint val="37000"/>
+                <a:satMod val="300000"/>
+              </a:schemeClr>
+            </a:gs>
+            <a:gs pos="100000">
+              <a:schemeClr val="phClr">
+                <a:tint val="15000"/>
+                <a:satMod val="350000"/>
+              </a:schemeClr>
+            </a:gs>
+          </a:gsLst>
+          <a:lin ang="16200000" scaled="1"/>
+        </a:gradFill>
+        <a:gradFill rotWithShape="1">
+          <a:gsLst>
+            <a:gs pos="0">
+              <a:schemeClr val="phClr">
+                <a:shade val="51000"/>
+                <a:satMod val="130000"/>
+              </a:schemeClr>
+            </a:gs>
+            <a:gs pos="80000">
+              <a:schemeClr val="phClr">
+                <a:shade val="93000"/>
+                <a:satMod val="130000"/>
+              </a:schemeClr>
+            </a:gs>
+            <a:gs pos="100000">
+              <a:schemeClr val="phClr">
+                <a:shade val="94000"/>
+                <a:satMod val="135000"/>
+              </a:schemeClr>
+            </a:gs>
+          </a:gsLst>
+          <a:lin ang="16200000" scaled="0"/>
+        </a:gradFill>
+      </a:fillStyleLst>
+      <a:lnStyleLst>
+        <a:ln w="9525" cap="flat" cmpd="sng" algn="ctr">
+          <a:solidFill>
+            <a:schemeClr val="phClr">
+              <a:shade val="95000"/>
+              <a:satMod val="105000"/>
+            </a:schemeClr>
+          </a:solidFill>
+          <a:prstDash val="solid"/>
+        </a:ln>
+        <a:ln w="25400" cap="flat" cmpd="sng" algn="ctr">
+          <a:solidFill>
+            <a:schemeClr val="phClr"/>
+          </a:solidFill>
+          <a:prstDash val="solid"/>
+        </a:ln>
+        <a:ln w="38100" cap="flat" cmpd="sng" algn="ctr">
+          <a:solidFill>
+            <a:schemeClr val="phClr"/>
+          </a:solidFill>
+          <a:prstDash val="solid"/>
+        </a:ln>
+      </a:lnStyleLst>
+      <a:effectStyleLst>
+        <a:effectStyle>
+          <a:effectLst>
+            <a:outerShdw blurRad="40000" dist="20000" dir="5400000" rotWithShape="0">
+              <a:srgbClr val="000000">
+                <a:alpha val="38000"/>
+              </a:srgbClr>
+            </a:outerShdw>
+          </a:effectLst>
+        </a:effectStyle>
+        <a:effectStyle>
+          <a:effectLst>
+            <a:outerShdw blurRad="40000" dist="23000" dir="5400000" rotWithShape="0">
+              <a:srgbClr val="000000">
+                <a:alpha val="35000"/>
+              </a:srgbClr>
+            </a:outerShdw>
+          </a:effectLst>
+        </a:effectStyle>
+        <a:effectStyle>
+          <a:effectLst>
+            <a:outerShdw blurRad="40000" dist="23000" dir="5400000" rotWithShape="0">
+              <a:srgbClr val="000000">
+                <a:alpha val="35000"/>
+              </a:srgbClr>
+            </a:outerShdw>
+          </a:effectLst>
+          <a:scene3d>
+            <a:camera prst="orthographicFront">
+              <a:rot lat="0" lon="0" rev="0"/>
+            </a:camera>
+            <a:lightRig rig="threePt" dir="t">
+              <a:rot lat="0" lon="0" rev="1200000"/>
+            </a:lightRig>
+          </a:scene3d>
+          <a:sp3d>
+            <a:bevelT w="63500" h="25400"/>
+          </a:sp3d>
+        </a:effectStyle>
+      </a:effectStyleLst>
+      <a:bgFillStyleLst>
+        <a:solidFill>
+          <a:schemeClr val="phClr"/>
+        </a:solidFill>
+        <a:gradFill rotWithShape="1">
+          <a:gsLst>
+            <a:gs pos="0">
+              <a:schemeClr val="phClr">
+                <a:tint val="40000"/>
+                <a:satMod val="350000"/>
+              </a:schemeClr>
+            </a:gs>
+            <a:gs pos="40000">
+              <a:schemeClr val="phClr">
+                <a:tint val="45000"/>
+                <a:shade val="99000"/>
+                <a:satMod val="350000"/>
+              </a:schemeClr>
+            </a:gs>
+            <a:gs pos="100000">
+              <a:schemeClr val="phClr">
+                <a:shade val="20000"/>
+                <a:satMod val="255000"/>
+              </a:schemeClr>
+            </a:gs>
+          </a:gsLst>
+          <a:path path="circle">
+            <a:fillToRect l="50000" t="-80000" r="50000" b="180000"/>
+          </a:path>
+        </a:gradFill>
+        <a:gradFill rotWithShape="1">
+          <a:gsLst>
+            <a:gs pos="0">
+              <a:schemeClr val="phClr">
+                <a:tint val="80000"/>
+                <a:satMod val="300000"/>
+              </a:schemeClr>
+            </a:gs>
+            <a:gs pos="100000">
+              <a:schemeClr val="phClr">
+                <a:shade val="30000"/>
+                <a:satMod val="200000"/>
+              </a:schemeClr>
+            </a:gs>
+          </a:gsLst>
+          <a:path path="circle">
+            <a:fillToRect l="50000" t="50000" r="50000" b="50000"/>
+          </a:path>
+        </a:gradFill>
+      </a:bgFillStyleLst>
+    </a:fmtScheme>
+  </a:themeElements>
+</a:theme>
 </file>